--- a/Figures/algorithm_flowchart.pptx
+++ b/Figures/algorithm_flowchart.pptx
@@ -112,6 +112,10 @@
 </p:presentation>
 </file>
 
+<file path=ppt/revisionInfo.xml><?xml version="1.0" encoding="utf-8"?>
+<p1510:revInfo xmlns:a="http://schemas.openxmlformats.org/drawingml/2006/main" xmlns:r="http://schemas.openxmlformats.org/officeDocument/2006/relationships" xmlns:p1510="http://schemas.microsoft.com/office/powerpoint/2015/10/main"/>
+</file>
+
 <file path=ppt/slideLayouts/slideLayout1.xml><?xml version="1.0" encoding="utf-8"?>
 <p:sldLayout xmlns:a="http://schemas.openxmlformats.org/drawingml/2006/main" xmlns:r="http://schemas.openxmlformats.org/officeDocument/2006/relationships" xmlns:p="http://schemas.openxmlformats.org/presentationml/2006/main" type="title" preserve="1">
   <p:cSld name="Title Slide">
@@ -154,7 +158,7 @@
           </a:lstStyle>
           <a:p>
             <a:r>
-              <a:rPr lang="en-US" smtClean="0"/>
+              <a:rPr lang="en-US"/>
               <a:t>Click to edit Master title style</a:t>
             </a:r>
             <a:endParaRPr lang="en-US" dirty="0"/>
@@ -219,7 +223,7 @@
           </a:lstStyle>
           <a:p>
             <a:r>
-              <a:rPr lang="en-US" smtClean="0"/>
+              <a:rPr lang="en-US"/>
               <a:t>Click to edit Master subtitle style</a:t>
             </a:r>
             <a:endParaRPr lang="en-US" dirty="0"/>
@@ -243,9 +247,9 @@
           <a:p>
             <a:fld id="{28498E41-FF62-4D38-9266-32847B9BE567}" type="datetimeFigureOut">
               <a:rPr lang="nb-NO" smtClean="0"/>
-              <a:t>23.04.2017</a:t>
+              <a:t>13.05.2017</a:t>
             </a:fld>
-            <a:endParaRPr lang="nb-NO"/>
+            <a:endParaRPr lang="nb-NO" dirty="0"/>
           </a:p>
         </p:txBody>
       </p:sp>
@@ -264,7 +268,7 @@
           <a:bodyPr/>
           <a:lstStyle/>
           <a:p>
-            <a:endParaRPr lang="nb-NO"/>
+            <a:endParaRPr lang="nb-NO" dirty="0"/>
           </a:p>
         </p:txBody>
       </p:sp>
@@ -287,7 +291,7 @@
               <a:rPr lang="nb-NO" smtClean="0"/>
               <a:t>‹#›</a:t>
             </a:fld>
-            <a:endParaRPr lang="nb-NO"/>
+            <a:endParaRPr lang="nb-NO" dirty="0"/>
           </a:p>
         </p:txBody>
       </p:sp>
@@ -337,7 +341,7 @@
           <a:lstStyle/>
           <a:p>
             <a:r>
-              <a:rPr lang="en-US" smtClean="0"/>
+              <a:rPr lang="en-US"/>
               <a:t>Click to edit Master title style</a:t>
             </a:r>
             <a:endParaRPr lang="en-US" dirty="0"/>
@@ -361,35 +365,35 @@
           <a:p>
             <a:pPr lvl="0"/>
             <a:r>
-              <a:rPr lang="en-US" smtClean="0"/>
+              <a:rPr lang="en-US"/>
               <a:t>Click to edit Master text styles</a:t>
             </a:r>
           </a:p>
           <a:p>
             <a:pPr lvl="1"/>
             <a:r>
-              <a:rPr lang="en-US" smtClean="0"/>
+              <a:rPr lang="en-US"/>
               <a:t>Second level</a:t>
             </a:r>
           </a:p>
           <a:p>
             <a:pPr lvl="2"/>
             <a:r>
-              <a:rPr lang="en-US" smtClean="0"/>
+              <a:rPr lang="en-US"/>
               <a:t>Third level</a:t>
             </a:r>
           </a:p>
           <a:p>
             <a:pPr lvl="3"/>
             <a:r>
-              <a:rPr lang="en-US" smtClean="0"/>
+              <a:rPr lang="en-US"/>
               <a:t>Fourth level</a:t>
             </a:r>
           </a:p>
           <a:p>
             <a:pPr lvl="4"/>
             <a:r>
-              <a:rPr lang="en-US" smtClean="0"/>
+              <a:rPr lang="en-US"/>
               <a:t>Fifth level</a:t>
             </a:r>
             <a:endParaRPr lang="en-US" dirty="0"/>
@@ -413,9 +417,9 @@
           <a:p>
             <a:fld id="{28498E41-FF62-4D38-9266-32847B9BE567}" type="datetimeFigureOut">
               <a:rPr lang="nb-NO" smtClean="0"/>
-              <a:t>23.04.2017</a:t>
+              <a:t>13.05.2017</a:t>
             </a:fld>
-            <a:endParaRPr lang="nb-NO"/>
+            <a:endParaRPr lang="nb-NO" dirty="0"/>
           </a:p>
         </p:txBody>
       </p:sp>
@@ -434,7 +438,7 @@
           <a:bodyPr/>
           <a:lstStyle/>
           <a:p>
-            <a:endParaRPr lang="nb-NO"/>
+            <a:endParaRPr lang="nb-NO" dirty="0"/>
           </a:p>
         </p:txBody>
       </p:sp>
@@ -457,7 +461,7 @@
               <a:rPr lang="nb-NO" smtClean="0"/>
               <a:t>‹#›</a:t>
             </a:fld>
-            <a:endParaRPr lang="nb-NO"/>
+            <a:endParaRPr lang="nb-NO" dirty="0"/>
           </a:p>
         </p:txBody>
       </p:sp>
@@ -512,7 +516,7 @@
           <a:lstStyle/>
           <a:p>
             <a:r>
-              <a:rPr lang="en-US" smtClean="0"/>
+              <a:rPr lang="en-US"/>
               <a:t>Click to edit Master title style</a:t>
             </a:r>
             <a:endParaRPr lang="en-US" dirty="0"/>
@@ -541,35 +545,35 @@
           <a:p>
             <a:pPr lvl="0"/>
             <a:r>
-              <a:rPr lang="en-US" smtClean="0"/>
+              <a:rPr lang="en-US"/>
               <a:t>Click to edit Master text styles</a:t>
             </a:r>
           </a:p>
           <a:p>
             <a:pPr lvl="1"/>
             <a:r>
-              <a:rPr lang="en-US" smtClean="0"/>
+              <a:rPr lang="en-US"/>
               <a:t>Second level</a:t>
             </a:r>
           </a:p>
           <a:p>
             <a:pPr lvl="2"/>
             <a:r>
-              <a:rPr lang="en-US" smtClean="0"/>
+              <a:rPr lang="en-US"/>
               <a:t>Third level</a:t>
             </a:r>
           </a:p>
           <a:p>
             <a:pPr lvl="3"/>
             <a:r>
-              <a:rPr lang="en-US" smtClean="0"/>
+              <a:rPr lang="en-US"/>
               <a:t>Fourth level</a:t>
             </a:r>
           </a:p>
           <a:p>
             <a:pPr lvl="4"/>
             <a:r>
-              <a:rPr lang="en-US" smtClean="0"/>
+              <a:rPr lang="en-US"/>
               <a:t>Fifth level</a:t>
             </a:r>
             <a:endParaRPr lang="en-US" dirty="0"/>
@@ -593,9 +597,9 @@
           <a:p>
             <a:fld id="{28498E41-FF62-4D38-9266-32847B9BE567}" type="datetimeFigureOut">
               <a:rPr lang="nb-NO" smtClean="0"/>
-              <a:t>23.04.2017</a:t>
+              <a:t>13.05.2017</a:t>
             </a:fld>
-            <a:endParaRPr lang="nb-NO"/>
+            <a:endParaRPr lang="nb-NO" dirty="0"/>
           </a:p>
         </p:txBody>
       </p:sp>
@@ -614,7 +618,7 @@
           <a:bodyPr/>
           <a:lstStyle/>
           <a:p>
-            <a:endParaRPr lang="nb-NO"/>
+            <a:endParaRPr lang="nb-NO" dirty="0"/>
           </a:p>
         </p:txBody>
       </p:sp>
@@ -637,7 +641,7 @@
               <a:rPr lang="nb-NO" smtClean="0"/>
               <a:t>‹#›</a:t>
             </a:fld>
-            <a:endParaRPr lang="nb-NO"/>
+            <a:endParaRPr lang="nb-NO" dirty="0"/>
           </a:p>
         </p:txBody>
       </p:sp>
@@ -687,7 +691,7 @@
           <a:lstStyle/>
           <a:p>
             <a:r>
-              <a:rPr lang="en-US" smtClean="0"/>
+              <a:rPr lang="en-US"/>
               <a:t>Click to edit Master title style</a:t>
             </a:r>
             <a:endParaRPr lang="en-US" dirty="0"/>
@@ -711,35 +715,35 @@
           <a:p>
             <a:pPr lvl="0"/>
             <a:r>
-              <a:rPr lang="en-US" smtClean="0"/>
+              <a:rPr lang="en-US"/>
               <a:t>Click to edit Master text styles</a:t>
             </a:r>
           </a:p>
           <a:p>
             <a:pPr lvl="1"/>
             <a:r>
-              <a:rPr lang="en-US" smtClean="0"/>
+              <a:rPr lang="en-US"/>
               <a:t>Second level</a:t>
             </a:r>
           </a:p>
           <a:p>
             <a:pPr lvl="2"/>
             <a:r>
-              <a:rPr lang="en-US" smtClean="0"/>
+              <a:rPr lang="en-US"/>
               <a:t>Third level</a:t>
             </a:r>
           </a:p>
           <a:p>
             <a:pPr lvl="3"/>
             <a:r>
-              <a:rPr lang="en-US" smtClean="0"/>
+              <a:rPr lang="en-US"/>
               <a:t>Fourth level</a:t>
             </a:r>
           </a:p>
           <a:p>
             <a:pPr lvl="4"/>
             <a:r>
-              <a:rPr lang="en-US" smtClean="0"/>
+              <a:rPr lang="en-US"/>
               <a:t>Fifth level</a:t>
             </a:r>
             <a:endParaRPr lang="en-US" dirty="0"/>
@@ -763,9 +767,9 @@
           <a:p>
             <a:fld id="{28498E41-FF62-4D38-9266-32847B9BE567}" type="datetimeFigureOut">
               <a:rPr lang="nb-NO" smtClean="0"/>
-              <a:t>23.04.2017</a:t>
+              <a:t>13.05.2017</a:t>
             </a:fld>
-            <a:endParaRPr lang="nb-NO"/>
+            <a:endParaRPr lang="nb-NO" dirty="0"/>
           </a:p>
         </p:txBody>
       </p:sp>
@@ -784,7 +788,7 @@
           <a:bodyPr/>
           <a:lstStyle/>
           <a:p>
-            <a:endParaRPr lang="nb-NO"/>
+            <a:endParaRPr lang="nb-NO" dirty="0"/>
           </a:p>
         </p:txBody>
       </p:sp>
@@ -807,7 +811,7 @@
               <a:rPr lang="nb-NO" smtClean="0"/>
               <a:t>‹#›</a:t>
             </a:fld>
-            <a:endParaRPr lang="nb-NO"/>
+            <a:endParaRPr lang="nb-NO" dirty="0"/>
           </a:p>
         </p:txBody>
       </p:sp>
@@ -866,7 +870,7 @@
           </a:lstStyle>
           <a:p>
             <a:r>
-              <a:rPr lang="en-US" smtClean="0"/>
+              <a:rPr lang="en-US"/>
               <a:t>Click to edit Master title style</a:t>
             </a:r>
             <a:endParaRPr lang="en-US" dirty="0"/>
@@ -986,7 +990,7 @@
           <a:p>
             <a:pPr lvl="0"/>
             <a:r>
-              <a:rPr lang="en-US" smtClean="0"/>
+              <a:rPr lang="en-US"/>
               <a:t>Click to edit Master text styles</a:t>
             </a:r>
           </a:p>
@@ -1009,9 +1013,9 @@
           <a:p>
             <a:fld id="{28498E41-FF62-4D38-9266-32847B9BE567}" type="datetimeFigureOut">
               <a:rPr lang="nb-NO" smtClean="0"/>
-              <a:t>23.04.2017</a:t>
+              <a:t>13.05.2017</a:t>
             </a:fld>
-            <a:endParaRPr lang="nb-NO"/>
+            <a:endParaRPr lang="nb-NO" dirty="0"/>
           </a:p>
         </p:txBody>
       </p:sp>
@@ -1030,7 +1034,7 @@
           <a:bodyPr/>
           <a:lstStyle/>
           <a:p>
-            <a:endParaRPr lang="nb-NO"/>
+            <a:endParaRPr lang="nb-NO" dirty="0"/>
           </a:p>
         </p:txBody>
       </p:sp>
@@ -1053,7 +1057,7 @@
               <a:rPr lang="nb-NO" smtClean="0"/>
               <a:t>‹#›</a:t>
             </a:fld>
-            <a:endParaRPr lang="nb-NO"/>
+            <a:endParaRPr lang="nb-NO" dirty="0"/>
           </a:p>
         </p:txBody>
       </p:sp>
@@ -1103,7 +1107,7 @@
           <a:lstStyle/>
           <a:p>
             <a:r>
-              <a:rPr lang="en-US" smtClean="0"/>
+              <a:rPr lang="en-US"/>
               <a:t>Click to edit Master title style</a:t>
             </a:r>
             <a:endParaRPr lang="en-US" dirty="0"/>
@@ -1132,35 +1136,35 @@
           <a:p>
             <a:pPr lvl="0"/>
             <a:r>
-              <a:rPr lang="en-US" smtClean="0"/>
+              <a:rPr lang="en-US"/>
               <a:t>Click to edit Master text styles</a:t>
             </a:r>
           </a:p>
           <a:p>
             <a:pPr lvl="1"/>
             <a:r>
-              <a:rPr lang="en-US" smtClean="0"/>
+              <a:rPr lang="en-US"/>
               <a:t>Second level</a:t>
             </a:r>
           </a:p>
           <a:p>
             <a:pPr lvl="2"/>
             <a:r>
-              <a:rPr lang="en-US" smtClean="0"/>
+              <a:rPr lang="en-US"/>
               <a:t>Third level</a:t>
             </a:r>
           </a:p>
           <a:p>
             <a:pPr lvl="3"/>
             <a:r>
-              <a:rPr lang="en-US" smtClean="0"/>
+              <a:rPr lang="en-US"/>
               <a:t>Fourth level</a:t>
             </a:r>
           </a:p>
           <a:p>
             <a:pPr lvl="4"/>
             <a:r>
-              <a:rPr lang="en-US" smtClean="0"/>
+              <a:rPr lang="en-US"/>
               <a:t>Fifth level</a:t>
             </a:r>
             <a:endParaRPr lang="en-US" dirty="0"/>
@@ -1189,35 +1193,35 @@
           <a:p>
             <a:pPr lvl="0"/>
             <a:r>
-              <a:rPr lang="en-US" smtClean="0"/>
+              <a:rPr lang="en-US"/>
               <a:t>Click to edit Master text styles</a:t>
             </a:r>
           </a:p>
           <a:p>
             <a:pPr lvl="1"/>
             <a:r>
-              <a:rPr lang="en-US" smtClean="0"/>
+              <a:rPr lang="en-US"/>
               <a:t>Second level</a:t>
             </a:r>
           </a:p>
           <a:p>
             <a:pPr lvl="2"/>
             <a:r>
-              <a:rPr lang="en-US" smtClean="0"/>
+              <a:rPr lang="en-US"/>
               <a:t>Third level</a:t>
             </a:r>
           </a:p>
           <a:p>
             <a:pPr lvl="3"/>
             <a:r>
-              <a:rPr lang="en-US" smtClean="0"/>
+              <a:rPr lang="en-US"/>
               <a:t>Fourth level</a:t>
             </a:r>
           </a:p>
           <a:p>
             <a:pPr lvl="4"/>
             <a:r>
-              <a:rPr lang="en-US" smtClean="0"/>
+              <a:rPr lang="en-US"/>
               <a:t>Fifth level</a:t>
             </a:r>
             <a:endParaRPr lang="en-US" dirty="0"/>
@@ -1241,9 +1245,9 @@
           <a:p>
             <a:fld id="{28498E41-FF62-4D38-9266-32847B9BE567}" type="datetimeFigureOut">
               <a:rPr lang="nb-NO" smtClean="0"/>
-              <a:t>23.04.2017</a:t>
+              <a:t>13.05.2017</a:t>
             </a:fld>
-            <a:endParaRPr lang="nb-NO"/>
+            <a:endParaRPr lang="nb-NO" dirty="0"/>
           </a:p>
         </p:txBody>
       </p:sp>
@@ -1262,7 +1266,7 @@
           <a:bodyPr/>
           <a:lstStyle/>
           <a:p>
-            <a:endParaRPr lang="nb-NO"/>
+            <a:endParaRPr lang="nb-NO" dirty="0"/>
           </a:p>
         </p:txBody>
       </p:sp>
@@ -1285,7 +1289,7 @@
               <a:rPr lang="nb-NO" smtClean="0"/>
               <a:t>‹#›</a:t>
             </a:fld>
-            <a:endParaRPr lang="nb-NO"/>
+            <a:endParaRPr lang="nb-NO" dirty="0"/>
           </a:p>
         </p:txBody>
       </p:sp>
@@ -1340,7 +1344,7 @@
           <a:lstStyle/>
           <a:p>
             <a:r>
-              <a:rPr lang="en-US" smtClean="0"/>
+              <a:rPr lang="en-US"/>
               <a:t>Click to edit Master title style</a:t>
             </a:r>
             <a:endParaRPr lang="en-US" dirty="0"/>
@@ -1406,7 +1410,7 @@
           <a:p>
             <a:pPr lvl="0"/>
             <a:r>
-              <a:rPr lang="en-US" smtClean="0"/>
+              <a:rPr lang="en-US"/>
               <a:t>Click to edit Master text styles</a:t>
             </a:r>
           </a:p>
@@ -1434,35 +1438,35 @@
           <a:p>
             <a:pPr lvl="0"/>
             <a:r>
-              <a:rPr lang="en-US" smtClean="0"/>
+              <a:rPr lang="en-US"/>
               <a:t>Click to edit Master text styles</a:t>
             </a:r>
           </a:p>
           <a:p>
             <a:pPr lvl="1"/>
             <a:r>
-              <a:rPr lang="en-US" smtClean="0"/>
+              <a:rPr lang="en-US"/>
               <a:t>Second level</a:t>
             </a:r>
           </a:p>
           <a:p>
             <a:pPr lvl="2"/>
             <a:r>
-              <a:rPr lang="en-US" smtClean="0"/>
+              <a:rPr lang="en-US"/>
               <a:t>Third level</a:t>
             </a:r>
           </a:p>
           <a:p>
             <a:pPr lvl="3"/>
             <a:r>
-              <a:rPr lang="en-US" smtClean="0"/>
+              <a:rPr lang="en-US"/>
               <a:t>Fourth level</a:t>
             </a:r>
           </a:p>
           <a:p>
             <a:pPr lvl="4"/>
             <a:r>
-              <a:rPr lang="en-US" smtClean="0"/>
+              <a:rPr lang="en-US"/>
               <a:t>Fifth level</a:t>
             </a:r>
             <a:endParaRPr lang="en-US" dirty="0"/>
@@ -1528,7 +1532,7 @@
           <a:p>
             <a:pPr lvl="0"/>
             <a:r>
-              <a:rPr lang="en-US" smtClean="0"/>
+              <a:rPr lang="en-US"/>
               <a:t>Click to edit Master text styles</a:t>
             </a:r>
           </a:p>
@@ -1556,35 +1560,35 @@
           <a:p>
             <a:pPr lvl="0"/>
             <a:r>
-              <a:rPr lang="en-US" smtClean="0"/>
+              <a:rPr lang="en-US"/>
               <a:t>Click to edit Master text styles</a:t>
             </a:r>
           </a:p>
           <a:p>
             <a:pPr lvl="1"/>
             <a:r>
-              <a:rPr lang="en-US" smtClean="0"/>
+              <a:rPr lang="en-US"/>
               <a:t>Second level</a:t>
             </a:r>
           </a:p>
           <a:p>
             <a:pPr lvl="2"/>
             <a:r>
-              <a:rPr lang="en-US" smtClean="0"/>
+              <a:rPr lang="en-US"/>
               <a:t>Third level</a:t>
             </a:r>
           </a:p>
           <a:p>
             <a:pPr lvl="3"/>
             <a:r>
-              <a:rPr lang="en-US" smtClean="0"/>
+              <a:rPr lang="en-US"/>
               <a:t>Fourth level</a:t>
             </a:r>
           </a:p>
           <a:p>
             <a:pPr lvl="4"/>
             <a:r>
-              <a:rPr lang="en-US" smtClean="0"/>
+              <a:rPr lang="en-US"/>
               <a:t>Fifth level</a:t>
             </a:r>
             <a:endParaRPr lang="en-US" dirty="0"/>
@@ -1608,9 +1612,9 @@
           <a:p>
             <a:fld id="{28498E41-FF62-4D38-9266-32847B9BE567}" type="datetimeFigureOut">
               <a:rPr lang="nb-NO" smtClean="0"/>
-              <a:t>23.04.2017</a:t>
+              <a:t>13.05.2017</a:t>
             </a:fld>
-            <a:endParaRPr lang="nb-NO"/>
+            <a:endParaRPr lang="nb-NO" dirty="0"/>
           </a:p>
         </p:txBody>
       </p:sp>
@@ -1629,7 +1633,7 @@
           <a:bodyPr/>
           <a:lstStyle/>
           <a:p>
-            <a:endParaRPr lang="nb-NO"/>
+            <a:endParaRPr lang="nb-NO" dirty="0"/>
           </a:p>
         </p:txBody>
       </p:sp>
@@ -1652,7 +1656,7 @@
               <a:rPr lang="nb-NO" smtClean="0"/>
               <a:t>‹#›</a:t>
             </a:fld>
-            <a:endParaRPr lang="nb-NO"/>
+            <a:endParaRPr lang="nb-NO" dirty="0"/>
           </a:p>
         </p:txBody>
       </p:sp>
@@ -1702,7 +1706,7 @@
           <a:lstStyle/>
           <a:p>
             <a:r>
-              <a:rPr lang="en-US" smtClean="0"/>
+              <a:rPr lang="en-US"/>
               <a:t>Click to edit Master title style</a:t>
             </a:r>
             <a:endParaRPr lang="en-US" dirty="0"/>
@@ -1726,9 +1730,9 @@
           <a:p>
             <a:fld id="{28498E41-FF62-4D38-9266-32847B9BE567}" type="datetimeFigureOut">
               <a:rPr lang="nb-NO" smtClean="0"/>
-              <a:t>23.04.2017</a:t>
+              <a:t>13.05.2017</a:t>
             </a:fld>
-            <a:endParaRPr lang="nb-NO"/>
+            <a:endParaRPr lang="nb-NO" dirty="0"/>
           </a:p>
         </p:txBody>
       </p:sp>
@@ -1747,7 +1751,7 @@
           <a:bodyPr/>
           <a:lstStyle/>
           <a:p>
-            <a:endParaRPr lang="nb-NO"/>
+            <a:endParaRPr lang="nb-NO" dirty="0"/>
           </a:p>
         </p:txBody>
       </p:sp>
@@ -1770,7 +1774,7 @@
               <a:rPr lang="nb-NO" smtClean="0"/>
               <a:t>‹#›</a:t>
             </a:fld>
-            <a:endParaRPr lang="nb-NO"/>
+            <a:endParaRPr lang="nb-NO" dirty="0"/>
           </a:p>
         </p:txBody>
       </p:sp>
@@ -1821,9 +1825,9 @@
           <a:p>
             <a:fld id="{28498E41-FF62-4D38-9266-32847B9BE567}" type="datetimeFigureOut">
               <a:rPr lang="nb-NO" smtClean="0"/>
-              <a:t>23.04.2017</a:t>
+              <a:t>13.05.2017</a:t>
             </a:fld>
-            <a:endParaRPr lang="nb-NO"/>
+            <a:endParaRPr lang="nb-NO" dirty="0"/>
           </a:p>
         </p:txBody>
       </p:sp>
@@ -1842,7 +1846,7 @@
           <a:bodyPr/>
           <a:lstStyle/>
           <a:p>
-            <a:endParaRPr lang="nb-NO"/>
+            <a:endParaRPr lang="nb-NO" dirty="0"/>
           </a:p>
         </p:txBody>
       </p:sp>
@@ -1865,7 +1869,7 @@
               <a:rPr lang="nb-NO" smtClean="0"/>
               <a:t>‹#›</a:t>
             </a:fld>
-            <a:endParaRPr lang="nb-NO"/>
+            <a:endParaRPr lang="nb-NO" dirty="0"/>
           </a:p>
         </p:txBody>
       </p:sp>
@@ -1924,7 +1928,7 @@
           </a:lstStyle>
           <a:p>
             <a:r>
-              <a:rPr lang="en-US" smtClean="0"/>
+              <a:rPr lang="en-US"/>
               <a:t>Click to edit Master title style</a:t>
             </a:r>
             <a:endParaRPr lang="en-US" dirty="0"/>
@@ -1981,35 +1985,35 @@
           <a:p>
             <a:pPr lvl="0"/>
             <a:r>
-              <a:rPr lang="en-US" smtClean="0"/>
+              <a:rPr lang="en-US"/>
               <a:t>Click to edit Master text styles</a:t>
             </a:r>
           </a:p>
           <a:p>
             <a:pPr lvl="1"/>
             <a:r>
-              <a:rPr lang="en-US" smtClean="0"/>
+              <a:rPr lang="en-US"/>
               <a:t>Second level</a:t>
             </a:r>
           </a:p>
           <a:p>
             <a:pPr lvl="2"/>
             <a:r>
-              <a:rPr lang="en-US" smtClean="0"/>
+              <a:rPr lang="en-US"/>
               <a:t>Third level</a:t>
             </a:r>
           </a:p>
           <a:p>
             <a:pPr lvl="3"/>
             <a:r>
-              <a:rPr lang="en-US" smtClean="0"/>
+              <a:rPr lang="en-US"/>
               <a:t>Fourth level</a:t>
             </a:r>
           </a:p>
           <a:p>
             <a:pPr lvl="4"/>
             <a:r>
-              <a:rPr lang="en-US" smtClean="0"/>
+              <a:rPr lang="en-US"/>
               <a:t>Fifth level</a:t>
             </a:r>
             <a:endParaRPr lang="en-US" dirty="0"/>
@@ -2075,7 +2079,7 @@
           <a:p>
             <a:pPr lvl="0"/>
             <a:r>
-              <a:rPr lang="en-US" smtClean="0"/>
+              <a:rPr lang="en-US"/>
               <a:t>Click to edit Master text styles</a:t>
             </a:r>
           </a:p>
@@ -2098,9 +2102,9 @@
           <a:p>
             <a:fld id="{28498E41-FF62-4D38-9266-32847B9BE567}" type="datetimeFigureOut">
               <a:rPr lang="nb-NO" smtClean="0"/>
-              <a:t>23.04.2017</a:t>
+              <a:t>13.05.2017</a:t>
             </a:fld>
-            <a:endParaRPr lang="nb-NO"/>
+            <a:endParaRPr lang="nb-NO" dirty="0"/>
           </a:p>
         </p:txBody>
       </p:sp>
@@ -2119,7 +2123,7 @@
           <a:bodyPr/>
           <a:lstStyle/>
           <a:p>
-            <a:endParaRPr lang="nb-NO"/>
+            <a:endParaRPr lang="nb-NO" dirty="0"/>
           </a:p>
         </p:txBody>
       </p:sp>
@@ -2142,7 +2146,7 @@
               <a:rPr lang="nb-NO" smtClean="0"/>
               <a:t>‹#›</a:t>
             </a:fld>
-            <a:endParaRPr lang="nb-NO"/>
+            <a:endParaRPr lang="nb-NO" dirty="0"/>
           </a:p>
         </p:txBody>
       </p:sp>
@@ -2201,7 +2205,7 @@
           </a:lstStyle>
           <a:p>
             <a:r>
-              <a:rPr lang="en-US" smtClean="0"/>
+              <a:rPr lang="en-US"/>
               <a:t>Click to edit Master title style</a:t>
             </a:r>
             <a:endParaRPr lang="en-US" dirty="0"/>
@@ -2266,10 +2270,9 @@
           </a:lstStyle>
           <a:p>
             <a:r>
-              <a:rPr lang="en-US" smtClean="0"/>
+              <a:rPr lang="en-US" dirty="0"/>
               <a:t>Click icon to add picture</a:t>
             </a:r>
-            <a:endParaRPr lang="en-US" dirty="0"/>
           </a:p>
         </p:txBody>
       </p:sp>
@@ -2332,7 +2335,7 @@
           <a:p>
             <a:pPr lvl="0"/>
             <a:r>
-              <a:rPr lang="en-US" smtClean="0"/>
+              <a:rPr lang="en-US"/>
               <a:t>Click to edit Master text styles</a:t>
             </a:r>
           </a:p>
@@ -2355,9 +2358,9 @@
           <a:p>
             <a:fld id="{28498E41-FF62-4D38-9266-32847B9BE567}" type="datetimeFigureOut">
               <a:rPr lang="nb-NO" smtClean="0"/>
-              <a:t>23.04.2017</a:t>
+              <a:t>13.05.2017</a:t>
             </a:fld>
-            <a:endParaRPr lang="nb-NO"/>
+            <a:endParaRPr lang="nb-NO" dirty="0"/>
           </a:p>
         </p:txBody>
       </p:sp>
@@ -2376,7 +2379,7 @@
           <a:bodyPr/>
           <a:lstStyle/>
           <a:p>
-            <a:endParaRPr lang="nb-NO"/>
+            <a:endParaRPr lang="nb-NO" dirty="0"/>
           </a:p>
         </p:txBody>
       </p:sp>
@@ -2399,7 +2402,7 @@
               <a:rPr lang="nb-NO" smtClean="0"/>
               <a:t>‹#›</a:t>
             </a:fld>
-            <a:endParaRPr lang="nb-NO"/>
+            <a:endParaRPr lang="nb-NO" dirty="0"/>
           </a:p>
         </p:txBody>
       </p:sp>
@@ -2464,7 +2467,7 @@
           <a:lstStyle/>
           <a:p>
             <a:r>
-              <a:rPr lang="en-US" smtClean="0"/>
+              <a:rPr lang="en-US"/>
               <a:t>Click to edit Master title style</a:t>
             </a:r>
             <a:endParaRPr lang="en-US" dirty="0"/>
@@ -2498,35 +2501,35 @@
           <a:p>
             <a:pPr lvl="0"/>
             <a:r>
-              <a:rPr lang="en-US" smtClean="0"/>
+              <a:rPr lang="en-US"/>
               <a:t>Click to edit Master text styles</a:t>
             </a:r>
           </a:p>
           <a:p>
             <a:pPr lvl="1"/>
             <a:r>
-              <a:rPr lang="en-US" smtClean="0"/>
+              <a:rPr lang="en-US"/>
               <a:t>Second level</a:t>
             </a:r>
           </a:p>
           <a:p>
             <a:pPr lvl="2"/>
             <a:r>
-              <a:rPr lang="en-US" smtClean="0"/>
+              <a:rPr lang="en-US"/>
               <a:t>Third level</a:t>
             </a:r>
           </a:p>
           <a:p>
             <a:pPr lvl="3"/>
             <a:r>
-              <a:rPr lang="en-US" smtClean="0"/>
+              <a:rPr lang="en-US"/>
               <a:t>Fourth level</a:t>
             </a:r>
           </a:p>
           <a:p>
             <a:pPr lvl="4"/>
             <a:r>
-              <a:rPr lang="en-US" smtClean="0"/>
+              <a:rPr lang="en-US"/>
               <a:t>Fifth level</a:t>
             </a:r>
             <a:endParaRPr lang="en-US" dirty="0"/>
@@ -2568,9 +2571,9 @@
           <a:p>
             <a:fld id="{28498E41-FF62-4D38-9266-32847B9BE567}" type="datetimeFigureOut">
               <a:rPr lang="nb-NO" smtClean="0"/>
-              <a:t>23.04.2017</a:t>
+              <a:t>13.05.2017</a:t>
             </a:fld>
-            <a:endParaRPr lang="nb-NO"/>
+            <a:endParaRPr lang="nb-NO" dirty="0"/>
           </a:p>
         </p:txBody>
       </p:sp>
@@ -2607,7 +2610,7 @@
             </a:lvl1pPr>
           </a:lstStyle>
           <a:p>
-            <a:endParaRPr lang="nb-NO"/>
+            <a:endParaRPr lang="nb-NO" dirty="0"/>
           </a:p>
         </p:txBody>
       </p:sp>
@@ -2648,7 +2651,7 @@
               <a:rPr lang="nb-NO" smtClean="0"/>
               <a:t>‹#›</a:t>
             </a:fld>
-            <a:endParaRPr lang="nb-NO"/>
+            <a:endParaRPr lang="nb-NO" dirty="0"/>
           </a:p>
         </p:txBody>
       </p:sp>
@@ -2981,8 +2984,8 @@
         </p:nvSpPr>
         <p:spPr>
           <a:xfrm>
-            <a:off x="3140656" y="182101"/>
-            <a:ext cx="2675804" cy="1652163"/>
+            <a:off x="199901" y="2660050"/>
+            <a:ext cx="2265540" cy="1490366"/>
           </a:xfrm>
           <a:prstGeom prst="roundRect">
             <a:avLst/>
@@ -3034,8 +3037,8 @@
         </p:nvSpPr>
         <p:spPr>
           <a:xfrm>
-            <a:off x="3150371" y="4976445"/>
-            <a:ext cx="2666091" cy="1652163"/>
+            <a:off x="5554811" y="5057344"/>
+            <a:ext cx="1864800" cy="1490366"/>
           </a:xfrm>
           <a:prstGeom prst="roundRect">
             <a:avLst/>
@@ -3087,8 +3090,63 @@
         </p:nvSpPr>
         <p:spPr>
           <a:xfrm>
-            <a:off x="601362" y="182101"/>
-            <a:ext cx="2025392" cy="1661879"/>
+            <a:off x="5553061" y="2660050"/>
+            <a:ext cx="1864800" cy="1490400"/>
+          </a:xfrm>
+          <a:prstGeom prst="roundRect">
+            <a:avLst/>
+          </a:prstGeom>
+          <a:noFill/>
+          <a:ln w="25400" cap="sq" cmpd="sng">
+            <a:solidFill>
+              <a:schemeClr val="tx1"/>
+            </a:solidFill>
+            <a:prstDash val="solid"/>
+            <a:miter lim="800000"/>
+          </a:ln>
+        </p:spPr>
+        <p:style>
+          <a:lnRef idx="2">
+            <a:schemeClr val="dk1">
+              <a:shade val="50000"/>
+            </a:schemeClr>
+          </a:lnRef>
+          <a:fillRef idx="1">
+            <a:schemeClr val="dk1"/>
+          </a:fillRef>
+          <a:effectRef idx="0">
+            <a:schemeClr val="dk1"/>
+          </a:effectRef>
+          <a:fontRef idx="minor">
+            <a:schemeClr val="lt1"/>
+          </a:fontRef>
+        </p:style>
+        <p:txBody>
+          <a:bodyPr rtlCol="0" anchor="ctr"/>
+          <a:lstStyle/>
+          <a:p>
+            <a:pPr algn="ctr"/>
+            <a:r>
+              <a:rPr lang="en-US" sz="2400" dirty="0">
+                <a:solidFill>
+                  <a:schemeClr val="tx1"/>
+                </a:solidFill>
+              </a:rPr>
+              <a:t>Initiator</a:t>
+            </a:r>
+          </a:p>
+        </p:txBody>
+      </p:sp>
+      <p:sp>
+        <p:nvSpPr>
+          <p:cNvPr id="10" name="Rounded Rectangle 9"/>
+          <p:cNvSpPr/>
+          <p:nvPr/>
+        </p:nvSpPr>
+        <p:spPr>
+          <a:xfrm>
+            <a:off x="7710615" y="5057344"/>
+            <a:ext cx="1864800" cy="1490366"/>
           </a:xfrm>
           <a:prstGeom prst="roundRect">
             <a:avLst/>
@@ -3127,32 +3185,21 @@
                   <a:schemeClr val="tx1"/>
                 </a:solidFill>
               </a:rPr>
-              <a:t>(New)</a:t>
-            </a:r>
-          </a:p>
-          <a:p>
-            <a:pPr algn="ctr"/>
-            <a:r>
-              <a:rPr lang="en-US" sz="2400" dirty="0">
-                <a:solidFill>
-                  <a:schemeClr val="tx1"/>
-                </a:solidFill>
-              </a:rPr>
-              <a:t>Initial targets</a:t>
-            </a:r>
-          </a:p>
-        </p:txBody>
-      </p:sp>
-      <p:sp>
-        <p:nvSpPr>
-          <p:cNvPr id="10" name="Rounded Rectangle 9"/>
+              <a:t>Score hypotheses</a:t>
+            </a:r>
+          </a:p>
+        </p:txBody>
+      </p:sp>
+      <p:sp>
+        <p:nvSpPr>
+          <p:cNvPr id="11" name="Rounded Rectangle 10"/>
           <p:cNvSpPr/>
           <p:nvPr/>
         </p:nvSpPr>
         <p:spPr>
           <a:xfrm>
-            <a:off x="6909623" y="4976445"/>
-            <a:ext cx="1863634" cy="1652163"/>
+            <a:off x="3397841" y="5057344"/>
+            <a:ext cx="1864800" cy="1490366"/>
           </a:xfrm>
           <a:prstGeom prst="roundRect">
             <a:avLst/>
@@ -3191,21 +3238,21 @@
                   <a:schemeClr val="tx1"/>
                 </a:solidFill>
               </a:rPr>
-              <a:t>Score hypotheses</a:t>
-            </a:r>
-          </a:p>
-        </p:txBody>
-      </p:sp>
-      <p:sp>
-        <p:nvSpPr>
-          <p:cNvPr id="11" name="Rounded Rectangle 10"/>
+              <a:t>Predict target positions</a:t>
+            </a:r>
+          </a:p>
+        </p:txBody>
+      </p:sp>
+      <p:sp>
+        <p:nvSpPr>
+          <p:cNvPr id="12" name="Rounded Rectangle 11"/>
           <p:cNvSpPr/>
           <p:nvPr/>
         </p:nvSpPr>
         <p:spPr>
           <a:xfrm>
-            <a:off x="3140656" y="2579273"/>
-            <a:ext cx="2675806" cy="1652163"/>
+            <a:off x="9866419" y="262826"/>
+            <a:ext cx="1863632" cy="1490366"/>
           </a:xfrm>
           <a:prstGeom prst="roundRect">
             <a:avLst/>
@@ -3239,67 +3286,6 @@
           <a:p>
             <a:pPr algn="ctr"/>
             <a:r>
-              <a:rPr lang="en-US" sz="2400" smtClean="0">
-                <a:solidFill>
-                  <a:schemeClr val="tx1"/>
-                </a:solidFill>
-              </a:rPr>
-              <a:t>Predict target </a:t>
-            </a:r>
-            <a:r>
-              <a:rPr lang="en-US" sz="2400" dirty="0">
-                <a:solidFill>
-                  <a:schemeClr val="tx1"/>
-                </a:solidFill>
-              </a:rPr>
-              <a:t>positions</a:t>
-            </a:r>
-          </a:p>
-        </p:txBody>
-      </p:sp>
-      <p:sp>
-        <p:nvSpPr>
-          <p:cNvPr id="12" name="Rounded Rectangle 11"/>
-          <p:cNvSpPr/>
-          <p:nvPr/>
-        </p:nvSpPr>
-        <p:spPr>
-          <a:xfrm>
-            <a:off x="9866418" y="181927"/>
-            <a:ext cx="1863634" cy="1652163"/>
-          </a:xfrm>
-          <a:prstGeom prst="roundRect">
-            <a:avLst/>
-          </a:prstGeom>
-          <a:noFill/>
-          <a:ln w="19050">
-            <a:solidFill>
-              <a:schemeClr val="tx1"/>
-            </a:solidFill>
-          </a:ln>
-        </p:spPr>
-        <p:style>
-          <a:lnRef idx="2">
-            <a:schemeClr val="dk1">
-              <a:shade val="50000"/>
-            </a:schemeClr>
-          </a:lnRef>
-          <a:fillRef idx="1">
-            <a:schemeClr val="dk1"/>
-          </a:fillRef>
-          <a:effectRef idx="0">
-            <a:schemeClr val="dk1"/>
-          </a:effectRef>
-          <a:fontRef idx="minor">
-            <a:schemeClr val="lt1"/>
-          </a:fontRef>
-        </p:style>
-        <p:txBody>
-          <a:bodyPr rtlCol="0" anchor="ctr"/>
-          <a:lstStyle/>
-          <a:p>
-            <a:pPr algn="ctr"/>
-            <a:r>
               <a:rPr lang="en-US" sz="2400" dirty="0">
                 <a:solidFill>
                   <a:schemeClr val="tx1"/>
@@ -3316,51 +3302,16 @@
                   <a:schemeClr val="tx1"/>
                 </a:solidFill>
               </a:rPr>
-              <a:t>(MILP)</a:t>
-            </a:r>
-          </a:p>
-        </p:txBody>
-      </p:sp>
-      <p:cxnSp>
-        <p:nvCxnSpPr>
-          <p:cNvPr id="7" name="Curved Connector 6"/>
-          <p:cNvCxnSpPr>
-            <a:stCxn id="12" idx="1"/>
-            <a:endCxn id="24" idx="3"/>
-          </p:cNvCxnSpPr>
-          <p:nvPr/>
-        </p:nvCxnSpPr>
-        <p:spPr>
-          <a:xfrm flipH="1" flipV="1">
-            <a:off x="8773257" y="1008008"/>
-            <a:ext cx="1093161" cy="1"/>
-          </a:xfrm>
-          <a:prstGeom prst="straightConnector1">
-            <a:avLst/>
-          </a:prstGeom>
-          <a:ln>
-            <a:tailEnd type="triangle"/>
-          </a:ln>
-        </p:spPr>
-        <p:style>
-          <a:lnRef idx="1">
-            <a:schemeClr val="dk1"/>
-          </a:lnRef>
-          <a:fillRef idx="0">
-            <a:schemeClr val="dk1"/>
-          </a:fillRef>
-          <a:effectRef idx="0">
-            <a:schemeClr val="dk1"/>
-          </a:effectRef>
-          <a:fontRef idx="minor">
-            <a:schemeClr val="tx1"/>
-          </a:fontRef>
-        </p:style>
-      </p:cxnSp>
+              <a:t>(ILP)</a:t>
+            </a:r>
+          </a:p>
+        </p:txBody>
+      </p:sp>
       <p:cxnSp>
         <p:nvCxnSpPr>
           <p:cNvPr id="29" name="Curved Connector 28"/>
           <p:cNvCxnSpPr>
+            <a:cxnSpLocks/>
             <a:stCxn id="10" idx="3"/>
             <a:endCxn id="23" idx="1"/>
           </p:cNvCxnSpPr>
@@ -3368,8 +3319,8 @@
         </p:nvCxnSpPr>
         <p:spPr>
           <a:xfrm>
-            <a:off x="8773257" y="5802527"/>
-            <a:ext cx="1093161" cy="0"/>
+            <a:off x="9575415" y="5802527"/>
+            <a:ext cx="291004" cy="0"/>
           </a:xfrm>
           <a:prstGeom prst="straightConnector1">
             <a:avLst/>
@@ -3397,15 +3348,16 @@
         <p:nvCxnSpPr>
           <p:cNvPr id="37" name="Curved Connector 36"/>
           <p:cNvCxnSpPr>
-            <a:stCxn id="11" idx="2"/>
-            <a:endCxn id="8" idx="0"/>
+            <a:cxnSpLocks/>
+            <a:stCxn id="11" idx="3"/>
+            <a:endCxn id="8" idx="1"/>
           </p:cNvCxnSpPr>
           <p:nvPr/>
         </p:nvCxnSpPr>
         <p:spPr>
           <a:xfrm>
-            <a:off x="4478559" y="4231436"/>
-            <a:ext cx="4858" cy="745009"/>
+            <a:off x="5262641" y="5802527"/>
+            <a:ext cx="292170" cy="0"/>
           </a:xfrm>
           <a:prstGeom prst="straightConnector1">
             <a:avLst/>
@@ -3433,53 +3385,18 @@
         <p:nvCxnSpPr>
           <p:cNvPr id="38" name="Curved Connector 37"/>
           <p:cNvCxnSpPr>
+            <a:cxnSpLocks/>
             <a:stCxn id="4" idx="2"/>
-            <a:endCxn id="11" idx="0"/>
-          </p:cNvCxnSpPr>
-          <p:nvPr/>
-        </p:nvCxnSpPr>
-        <p:spPr>
-          <a:xfrm>
-            <a:off x="4478558" y="1834264"/>
-            <a:ext cx="1" cy="745009"/>
-          </a:xfrm>
-          <a:prstGeom prst="straightConnector1">
-            <a:avLst/>
-          </a:prstGeom>
-          <a:ln>
-            <a:tailEnd type="triangle"/>
-          </a:ln>
-        </p:spPr>
-        <p:style>
-          <a:lnRef idx="1">
-            <a:schemeClr val="dk1"/>
-          </a:lnRef>
-          <a:fillRef idx="0">
-            <a:schemeClr val="dk1"/>
-          </a:fillRef>
-          <a:effectRef idx="0">
-            <a:schemeClr val="dk1"/>
-          </a:effectRef>
-          <a:fontRef idx="minor">
-            <a:schemeClr val="tx1"/>
-          </a:fontRef>
-        </p:style>
-      </p:cxnSp>
-      <p:cxnSp>
-        <p:nvCxnSpPr>
-          <p:cNvPr id="39" name="Curved Connector 38"/>
-          <p:cNvCxnSpPr>
-            <a:stCxn id="9" idx="2"/>
             <a:endCxn id="11" idx="1"/>
           </p:cNvCxnSpPr>
           <p:nvPr/>
         </p:nvCxnSpPr>
         <p:spPr>
           <a:xfrm rot="16200000" flipH="1">
-            <a:off x="1596670" y="1861368"/>
-            <a:ext cx="1561375" cy="1526598"/>
-          </a:xfrm>
-          <a:prstGeom prst="curvedConnector2">
+            <a:off x="1539201" y="3943886"/>
+            <a:ext cx="1652111" cy="2065170"/>
+          </a:xfrm>
+          <a:prstGeom prst="bentConnector2">
             <a:avLst/>
           </a:prstGeom>
           <a:ln>
@@ -3505,6 +3422,7 @@
         <p:nvCxnSpPr>
           <p:cNvPr id="197" name="Curved Connector 196"/>
           <p:cNvCxnSpPr>
+            <a:cxnSpLocks/>
             <a:stCxn id="8" idx="3"/>
             <a:endCxn id="10" idx="1"/>
           </p:cNvCxnSpPr>
@@ -3512,8 +3430,8 @@
         </p:nvCxnSpPr>
         <p:spPr>
           <a:xfrm>
-            <a:off x="5816462" y="5802527"/>
-            <a:ext cx="1093161" cy="0"/>
+            <a:off x="7419611" y="5802527"/>
+            <a:ext cx="291004" cy="0"/>
           </a:xfrm>
           <a:prstGeom prst="straightConnector1">
             <a:avLst/>
@@ -3545,8 +3463,99 @@
         </p:nvSpPr>
         <p:spPr>
           <a:xfrm>
-            <a:off x="9866418" y="2579098"/>
-            <a:ext cx="1863634" cy="1652163"/>
+            <a:off x="9866419" y="2660084"/>
+            <a:ext cx="1863632" cy="1490366"/>
+          </a:xfrm>
+          <a:prstGeom prst="roundRect">
+            <a:avLst/>
+          </a:prstGeom>
+          <a:noFill/>
+          <a:ln w="19050">
+            <a:solidFill>
+              <a:schemeClr val="tx1"/>
+            </a:solidFill>
+            <a:prstDash val="dash"/>
+          </a:ln>
+        </p:spPr>
+        <p:style>
+          <a:lnRef idx="2">
+            <a:schemeClr val="dk1">
+              <a:shade val="50000"/>
+            </a:schemeClr>
+          </a:lnRef>
+          <a:fillRef idx="1">
+            <a:schemeClr val="dk1"/>
+          </a:fillRef>
+          <a:effectRef idx="0">
+            <a:schemeClr val="dk1"/>
+          </a:effectRef>
+          <a:fontRef idx="minor">
+            <a:schemeClr val="lt1"/>
+          </a:fontRef>
+        </p:style>
+        <p:txBody>
+          <a:bodyPr rtlCol="0" anchor="ctr"/>
+          <a:lstStyle/>
+          <a:p>
+            <a:pPr algn="ctr"/>
+            <a:r>
+              <a:rPr lang="en-US" sz="2400" dirty="0">
+                <a:solidFill>
+                  <a:schemeClr val="tx1"/>
+                </a:solidFill>
+              </a:rPr>
+              <a:t>Prune similar state hypotheses</a:t>
+            </a:r>
+          </a:p>
+        </p:txBody>
+      </p:sp>
+      <p:cxnSp>
+        <p:nvCxnSpPr>
+          <p:cNvPr id="22" name="Curved Connector 28"/>
+          <p:cNvCxnSpPr>
+            <a:cxnSpLocks/>
+            <a:stCxn id="21" idx="0"/>
+            <a:endCxn id="12" idx="2"/>
+          </p:cNvCxnSpPr>
+          <p:nvPr/>
+        </p:nvCxnSpPr>
+        <p:spPr>
+          <a:xfrm flipV="1">
+            <a:off x="10798235" y="1753192"/>
+            <a:ext cx="0" cy="906892"/>
+          </a:xfrm>
+          <a:prstGeom prst="straightConnector1">
+            <a:avLst/>
+          </a:prstGeom>
+          <a:ln>
+            <a:tailEnd type="triangle"/>
+          </a:ln>
+        </p:spPr>
+        <p:style>
+          <a:lnRef idx="1">
+            <a:schemeClr val="dk1"/>
+          </a:lnRef>
+          <a:fillRef idx="0">
+            <a:schemeClr val="dk1"/>
+          </a:fillRef>
+          <a:effectRef idx="0">
+            <a:schemeClr val="dk1"/>
+          </a:effectRef>
+          <a:fontRef idx="minor">
+            <a:schemeClr val="tx1"/>
+          </a:fontRef>
+        </p:style>
+      </p:cxnSp>
+      <p:sp>
+        <p:nvSpPr>
+          <p:cNvPr id="23" name="Rounded Rectangle 22"/>
+          <p:cNvSpPr/>
+          <p:nvPr/>
+        </p:nvSpPr>
+        <p:spPr>
+          <a:xfrm>
+            <a:off x="9866419" y="5057344"/>
+            <a:ext cx="1863632" cy="1490366"/>
           </a:xfrm>
           <a:prstGeom prst="roundRect">
             <a:avLst/>
@@ -3580,34 +3589,30 @@
           <a:p>
             <a:pPr algn="ctr"/>
             <a:r>
-              <a:rPr lang="en-US" sz="2400" dirty="0" smtClean="0">
+              <a:rPr lang="en-US" sz="2400" dirty="0">
                 <a:solidFill>
                   <a:schemeClr val="tx1"/>
                 </a:solidFill>
               </a:rPr>
-              <a:t>Prune similar state hypotheses</a:t>
-            </a:r>
-            <a:endParaRPr lang="en-US" sz="2400" dirty="0">
-              <a:solidFill>
-                <a:schemeClr val="tx1"/>
-              </a:solidFill>
-            </a:endParaRPr>
+              <a:t>Cluster</a:t>
+            </a:r>
           </a:p>
         </p:txBody>
       </p:sp>
       <p:cxnSp>
         <p:nvCxnSpPr>
-          <p:cNvPr id="22" name="Curved Connector 28"/>
+          <p:cNvPr id="25" name="Curved Connector 28"/>
           <p:cNvCxnSpPr>
-            <a:stCxn id="21" idx="0"/>
-            <a:endCxn id="12" idx="2"/>
+            <a:cxnSpLocks/>
+            <a:stCxn id="23" idx="0"/>
+            <a:endCxn id="21" idx="2"/>
           </p:cNvCxnSpPr>
           <p:nvPr/>
         </p:nvCxnSpPr>
         <p:spPr>
           <a:xfrm flipV="1">
-            <a:off x="10798235" y="1834090"/>
-            <a:ext cx="0" cy="745008"/>
+            <a:off x="10798235" y="4150450"/>
+            <a:ext cx="0" cy="906894"/>
           </a:xfrm>
           <a:prstGeom prst="straightConnector1">
             <a:avLst/>
@@ -3633,14 +3638,105 @@
       </p:cxnSp>
       <p:sp>
         <p:nvSpPr>
-          <p:cNvPr id="23" name="Rounded Rectangle 22"/>
+          <p:cNvPr id="24" name="Rounded Rectangle 23"/>
           <p:cNvSpPr/>
           <p:nvPr/>
         </p:nvSpPr>
         <p:spPr>
           <a:xfrm>
-            <a:off x="9866418" y="4976445"/>
-            <a:ext cx="1863634" cy="1652163"/>
+            <a:off x="7710032" y="2660084"/>
+            <a:ext cx="1864800" cy="1490366"/>
+          </a:xfrm>
+          <a:prstGeom prst="roundRect">
+            <a:avLst/>
+          </a:prstGeom>
+          <a:noFill/>
+          <a:ln w="19050">
+            <a:solidFill>
+              <a:schemeClr val="tx1"/>
+            </a:solidFill>
+            <a:prstDash val="dash"/>
+          </a:ln>
+        </p:spPr>
+        <p:style>
+          <a:lnRef idx="2">
+            <a:schemeClr val="dk1">
+              <a:shade val="50000"/>
+            </a:schemeClr>
+          </a:lnRef>
+          <a:fillRef idx="1">
+            <a:schemeClr val="dk1"/>
+          </a:fillRef>
+          <a:effectRef idx="0">
+            <a:schemeClr val="dk1"/>
+          </a:effectRef>
+          <a:fontRef idx="minor">
+            <a:schemeClr val="lt1"/>
+          </a:fontRef>
+        </p:style>
+        <p:txBody>
+          <a:bodyPr rtlCol="0" anchor="ctr"/>
+          <a:lstStyle/>
+          <a:p>
+            <a:pPr algn="ctr"/>
+            <a:r>
+              <a:rPr lang="en-US" sz="2400" dirty="0">
+                <a:solidFill>
+                  <a:schemeClr val="tx1"/>
+                </a:solidFill>
+              </a:rPr>
+              <a:t>Dynamic window size</a:t>
+            </a:r>
+          </a:p>
+        </p:txBody>
+      </p:sp>
+      <p:cxnSp>
+        <p:nvCxnSpPr>
+          <p:cNvPr id="26" name="Curved Connector 6"/>
+          <p:cNvCxnSpPr>
+            <a:cxnSpLocks/>
+            <a:stCxn id="20" idx="1"/>
+            <a:endCxn id="49" idx="3"/>
+          </p:cNvCxnSpPr>
+          <p:nvPr/>
+        </p:nvCxnSpPr>
+        <p:spPr>
+          <a:xfrm flipH="1">
+            <a:off x="7419028" y="1008009"/>
+            <a:ext cx="291587" cy="0"/>
+          </a:xfrm>
+          <a:prstGeom prst="straightConnector1">
+            <a:avLst/>
+          </a:prstGeom>
+          <a:ln>
+            <a:tailEnd type="triangle"/>
+          </a:ln>
+        </p:spPr>
+        <p:style>
+          <a:lnRef idx="1">
+            <a:schemeClr val="dk1"/>
+          </a:lnRef>
+          <a:fillRef idx="0">
+            <a:schemeClr val="dk1"/>
+          </a:fillRef>
+          <a:effectRef idx="0">
+            <a:schemeClr val="dk1"/>
+          </a:effectRef>
+          <a:fontRef idx="minor">
+            <a:schemeClr val="tx1"/>
+          </a:fontRef>
+        </p:style>
+      </p:cxnSp>
+      <p:sp>
+        <p:nvSpPr>
+          <p:cNvPr id="20" name="Rounded Rectangle 23"/>
+          <p:cNvSpPr/>
+          <p:nvPr/>
+        </p:nvSpPr>
+        <p:spPr>
+          <a:xfrm>
+            <a:off x="7710615" y="262826"/>
+            <a:ext cx="1864800" cy="1490366"/>
           </a:xfrm>
           <a:prstGeom prst="roundRect">
             <a:avLst/>
@@ -3679,24 +3775,25 @@
                   <a:schemeClr val="tx1"/>
                 </a:solidFill>
               </a:rPr>
-              <a:t>Cluster</a:t>
+              <a:t>N-scan pruning</a:t>
             </a:r>
           </a:p>
         </p:txBody>
       </p:sp>
       <p:cxnSp>
         <p:nvCxnSpPr>
-          <p:cNvPr id="25" name="Curved Connector 28"/>
+          <p:cNvPr id="40" name="Curved Connector 28"/>
           <p:cNvCxnSpPr>
-            <a:stCxn id="23" idx="0"/>
-            <a:endCxn id="21" idx="2"/>
+            <a:cxnSpLocks/>
+            <a:stCxn id="24" idx="0"/>
+            <a:endCxn id="20" idx="2"/>
           </p:cNvCxnSpPr>
           <p:nvPr/>
         </p:nvCxnSpPr>
         <p:spPr>
           <a:xfrm flipV="1">
-            <a:off x="10798235" y="4231261"/>
-            <a:ext cx="0" cy="745184"/>
+            <a:off x="8642432" y="1753192"/>
+            <a:ext cx="583" cy="906892"/>
           </a:xfrm>
           <a:prstGeom prst="straightConnector1">
             <a:avLst/>
@@ -3720,16 +3817,53 @@
           </a:fontRef>
         </p:style>
       </p:cxnSp>
-      <p:sp>
-        <p:nvSpPr>
-          <p:cNvPr id="24" name="Rounded Rectangle 23"/>
+      <p:cxnSp>
+        <p:nvCxnSpPr>
+          <p:cNvPr id="43" name="Curved Connector 6"/>
+          <p:cNvCxnSpPr>
+            <a:cxnSpLocks/>
+            <a:stCxn id="12" idx="1"/>
+            <a:endCxn id="20" idx="3"/>
+          </p:cNvCxnSpPr>
+          <p:nvPr/>
+        </p:nvCxnSpPr>
+        <p:spPr>
+          <a:xfrm flipH="1">
+            <a:off x="9575415" y="1008009"/>
+            <a:ext cx="291004" cy="0"/>
+          </a:xfrm>
+          <a:prstGeom prst="straightConnector1">
+            <a:avLst/>
+          </a:prstGeom>
+          <a:ln>
+            <a:tailEnd type="triangle"/>
+          </a:ln>
+        </p:spPr>
+        <p:style>
+          <a:lnRef idx="1">
+            <a:schemeClr val="dk1"/>
+          </a:lnRef>
+          <a:fillRef idx="0">
+            <a:schemeClr val="dk1"/>
+          </a:fillRef>
+          <a:effectRef idx="0">
+            <a:schemeClr val="dk1"/>
+          </a:effectRef>
+          <a:fontRef idx="minor">
+            <a:schemeClr val="tx1"/>
+          </a:fontRef>
+        </p:style>
+      </p:cxnSp>
+      <p:sp>
+        <p:nvSpPr>
+          <p:cNvPr id="49" name="Rounded Rectangle 23"/>
           <p:cNvSpPr/>
           <p:nvPr/>
         </p:nvSpPr>
         <p:spPr>
           <a:xfrm>
-            <a:off x="6909623" y="181926"/>
-            <a:ext cx="1863634" cy="1652163"/>
+            <a:off x="5554228" y="262826"/>
+            <a:ext cx="1864800" cy="1490366"/>
           </a:xfrm>
           <a:prstGeom prst="roundRect">
             <a:avLst/>
@@ -3763,34 +3897,120 @@
           <a:p>
             <a:pPr algn="ctr"/>
             <a:r>
-              <a:rPr lang="en-US" sz="2400" dirty="0" smtClean="0">
+              <a:rPr lang="en-US" sz="2400" dirty="0">
                 <a:solidFill>
                   <a:schemeClr val="tx1"/>
                 </a:solidFill>
               </a:rPr>
-              <a:t>N-scan pruning</a:t>
-            </a:r>
-            <a:endParaRPr lang="en-US" sz="2400" dirty="0">
-              <a:solidFill>
-                <a:schemeClr val="tx1"/>
-              </a:solidFill>
-            </a:endParaRPr>
+              <a:t>Terminate dead tracks</a:t>
+            </a:r>
+          </a:p>
+        </p:txBody>
+      </p:sp>
+      <p:sp>
+        <p:nvSpPr>
+          <p:cNvPr id="54" name="Rounded Rectangle 23"/>
+          <p:cNvSpPr/>
+          <p:nvPr/>
+        </p:nvSpPr>
+        <p:spPr>
+          <a:xfrm>
+            <a:off x="3397841" y="262826"/>
+            <a:ext cx="1864800" cy="1490366"/>
+          </a:xfrm>
+          <a:prstGeom prst="roundRect">
+            <a:avLst/>
+          </a:prstGeom>
+          <a:noFill/>
+          <a:ln w="19050">
+            <a:solidFill>
+              <a:schemeClr val="tx1"/>
+            </a:solidFill>
+          </a:ln>
+        </p:spPr>
+        <p:style>
+          <a:lnRef idx="2">
+            <a:schemeClr val="dk1">
+              <a:shade val="50000"/>
+            </a:schemeClr>
+          </a:lnRef>
+          <a:fillRef idx="1">
+            <a:schemeClr val="dk1"/>
+          </a:fillRef>
+          <a:effectRef idx="0">
+            <a:schemeClr val="dk1"/>
+          </a:effectRef>
+          <a:fontRef idx="minor">
+            <a:schemeClr val="lt1"/>
+          </a:fontRef>
+        </p:style>
+        <p:txBody>
+          <a:bodyPr rtlCol="0" anchor="ctr"/>
+          <a:lstStyle/>
+          <a:p>
+            <a:pPr algn="ctr"/>
+            <a:r>
+              <a:rPr lang="en-US" sz="2400" dirty="0">
+                <a:solidFill>
+                  <a:schemeClr val="tx1"/>
+                </a:solidFill>
+              </a:rPr>
+              <a:t>Initiate new tracks</a:t>
+            </a:r>
           </a:p>
         </p:txBody>
       </p:sp>
       <p:cxnSp>
         <p:nvCxnSpPr>
-          <p:cNvPr id="26" name="Curved Connector 6"/>
+          <p:cNvPr id="64" name="Curved Connector 6"/>
           <p:cNvCxnSpPr>
-            <a:stCxn id="24" idx="1"/>
-            <a:endCxn id="4" idx="3"/>
+            <a:cxnSpLocks/>
+            <a:stCxn id="54" idx="1"/>
+            <a:endCxn id="4" idx="0"/>
           </p:cNvCxnSpPr>
           <p:nvPr/>
         </p:nvCxnSpPr>
         <p:spPr>
-          <a:xfrm flipH="1">
-            <a:off x="5816460" y="1008008"/>
-            <a:ext cx="1093163" cy="175"/>
+          <a:xfrm rot="10800000" flipV="1">
+            <a:off x="1332671" y="1008008"/>
+            <a:ext cx="2065170" cy="1652041"/>
+          </a:xfrm>
+          <a:prstGeom prst="bentConnector2">
+            <a:avLst/>
+          </a:prstGeom>
+          <a:ln>
+            <a:tailEnd type="triangle"/>
+          </a:ln>
+        </p:spPr>
+        <p:style>
+          <a:lnRef idx="1">
+            <a:schemeClr val="dk1"/>
+          </a:lnRef>
+          <a:fillRef idx="0">
+            <a:schemeClr val="dk1"/>
+          </a:fillRef>
+          <a:effectRef idx="0">
+            <a:schemeClr val="dk1"/>
+          </a:effectRef>
+          <a:fontRef idx="minor">
+            <a:schemeClr val="tx1"/>
+          </a:fontRef>
+        </p:style>
+      </p:cxnSp>
+      <p:cxnSp>
+        <p:nvCxnSpPr>
+          <p:cNvPr id="114" name="Curved Connector 37"/>
+          <p:cNvCxnSpPr>
+            <a:cxnSpLocks/>
+            <a:stCxn id="8" idx="0"/>
+            <a:endCxn id="9" idx="2"/>
+          </p:cNvCxnSpPr>
+          <p:nvPr/>
+        </p:nvCxnSpPr>
+        <p:spPr>
+          <a:xfrm flipH="1" flipV="1">
+            <a:off x="6485461" y="4150450"/>
+            <a:ext cx="1750" cy="906894"/>
           </a:xfrm>
           <a:prstGeom prst="straightConnector1">
             <a:avLst/>
@@ -3814,6 +4034,228 @@
           </a:fontRef>
         </p:style>
       </p:cxnSp>
+      <p:cxnSp>
+        <p:nvCxnSpPr>
+          <p:cNvPr id="119" name="Curved Connector 37"/>
+          <p:cNvCxnSpPr>
+            <a:cxnSpLocks/>
+            <a:stCxn id="9" idx="1"/>
+            <a:endCxn id="54" idx="2"/>
+          </p:cNvCxnSpPr>
+          <p:nvPr/>
+        </p:nvCxnSpPr>
+        <p:spPr>
+          <a:xfrm rot="10800000">
+            <a:off x="4330241" y="1753192"/>
+            <a:ext cx="1222820" cy="1652058"/>
+          </a:xfrm>
+          <a:prstGeom prst="bentConnector2">
+            <a:avLst/>
+          </a:prstGeom>
+          <a:ln>
+            <a:tailEnd type="triangle"/>
+          </a:ln>
+        </p:spPr>
+        <p:style>
+          <a:lnRef idx="1">
+            <a:schemeClr val="dk1"/>
+          </a:lnRef>
+          <a:fillRef idx="0">
+            <a:schemeClr val="dk1"/>
+          </a:fillRef>
+          <a:effectRef idx="0">
+            <a:schemeClr val="dk1"/>
+          </a:effectRef>
+          <a:fontRef idx="minor">
+            <a:schemeClr val="tx1"/>
+          </a:fontRef>
+        </p:style>
+      </p:cxnSp>
+      <p:sp>
+        <p:nvSpPr>
+          <p:cNvPr id="214" name="TekstSylinder 213"/>
+          <p:cNvSpPr txBox="1"/>
+          <p:nvPr/>
+        </p:nvSpPr>
+        <p:spPr>
+          <a:xfrm>
+            <a:off x="6446321" y="4142231"/>
+            <a:ext cx="1380933" cy="523220"/>
+          </a:xfrm>
+          <a:prstGeom prst="rect">
+            <a:avLst/>
+          </a:prstGeom>
+          <a:noFill/>
+        </p:spPr>
+        <p:txBody>
+          <a:bodyPr wrap="square" rtlCol="0">
+            <a:spAutoFit/>
+          </a:bodyPr>
+          <a:lstStyle/>
+          <a:p>
+            <a:r>
+              <a:rPr lang="en-US" sz="1400" dirty="0"/>
+              <a:t>Unused</a:t>
+            </a:r>
+            <a:r>
+              <a:rPr lang="nb-NO" sz="1400" dirty="0"/>
+              <a:t> </a:t>
+            </a:r>
+            <a:r>
+              <a:rPr lang="en-US" sz="1400" dirty="0"/>
+              <a:t>measurements</a:t>
+            </a:r>
+          </a:p>
+        </p:txBody>
+      </p:sp>
+      <p:cxnSp>
+        <p:nvCxnSpPr>
+          <p:cNvPr id="151" name="Curved Connector 37"/>
+          <p:cNvCxnSpPr>
+            <a:cxnSpLocks/>
+            <a:stCxn id="8" idx="0"/>
+            <a:endCxn id="24" idx="2"/>
+          </p:cNvCxnSpPr>
+          <p:nvPr/>
+        </p:nvCxnSpPr>
+        <p:spPr>
+          <a:xfrm rot="5400000" flipH="1" flipV="1">
+            <a:off x="7111374" y="3526287"/>
+            <a:ext cx="906894" cy="2155221"/>
+          </a:xfrm>
+          <a:prstGeom prst="curvedConnector3">
+            <a:avLst>
+              <a:gd name="adj1" fmla="val 50000"/>
+            </a:avLst>
+          </a:prstGeom>
+          <a:ln>
+            <a:tailEnd type="triangle"/>
+          </a:ln>
+        </p:spPr>
+        <p:style>
+          <a:lnRef idx="1">
+            <a:schemeClr val="dk1"/>
+          </a:lnRef>
+          <a:fillRef idx="0">
+            <a:schemeClr val="dk1"/>
+          </a:fillRef>
+          <a:effectRef idx="0">
+            <a:schemeClr val="dk1"/>
+          </a:effectRef>
+          <a:fontRef idx="minor">
+            <a:schemeClr val="tx1"/>
+          </a:fontRef>
+        </p:style>
+      </p:cxnSp>
+      <p:sp>
+        <p:nvSpPr>
+          <p:cNvPr id="156" name="TekstSylinder 155"/>
+          <p:cNvSpPr txBox="1"/>
+          <p:nvPr/>
+        </p:nvSpPr>
+        <p:spPr>
+          <a:xfrm>
+            <a:off x="8497566" y="4246041"/>
+            <a:ext cx="815178" cy="307777"/>
+          </a:xfrm>
+          <a:prstGeom prst="rect">
+            <a:avLst/>
+          </a:prstGeom>
+          <a:noFill/>
+        </p:spPr>
+        <p:txBody>
+          <a:bodyPr wrap="square" rtlCol="0">
+            <a:spAutoFit/>
+          </a:bodyPr>
+          <a:lstStyle/>
+          <a:p>
+            <a:r>
+              <a:rPr lang="nb-NO" sz="1400" dirty="0"/>
+              <a:t>Time log</a:t>
+            </a:r>
+            <a:endParaRPr lang="en-US" sz="1400" dirty="0"/>
+          </a:p>
+        </p:txBody>
+      </p:sp>
+      <p:cxnSp>
+        <p:nvCxnSpPr>
+          <p:cNvPr id="36" name="Curved Connector 37"/>
+          <p:cNvCxnSpPr>
+            <a:cxnSpLocks/>
+            <a:stCxn id="49" idx="1"/>
+            <a:endCxn id="54" idx="3"/>
+          </p:cNvCxnSpPr>
+          <p:nvPr/>
+        </p:nvCxnSpPr>
+        <p:spPr>
+          <a:xfrm flipH="1">
+            <a:off x="5262641" y="1008009"/>
+            <a:ext cx="291587" cy="0"/>
+          </a:xfrm>
+          <a:prstGeom prst="straightConnector1">
+            <a:avLst/>
+          </a:prstGeom>
+          <a:ln>
+            <a:tailEnd type="triangle"/>
+          </a:ln>
+        </p:spPr>
+        <p:style>
+          <a:lnRef idx="1">
+            <a:schemeClr val="dk1"/>
+          </a:lnRef>
+          <a:fillRef idx="0">
+            <a:schemeClr val="dk1"/>
+          </a:fillRef>
+          <a:effectRef idx="0">
+            <a:schemeClr val="dk1"/>
+          </a:effectRef>
+          <a:fontRef idx="minor">
+            <a:schemeClr val="tx1"/>
+          </a:fontRef>
+        </p:style>
+      </p:cxnSp>
+      <p:sp>
+        <p:nvSpPr>
+          <p:cNvPr id="42" name="TekstSylinder 41"/>
+          <p:cNvSpPr txBox="1"/>
+          <p:nvPr/>
+        </p:nvSpPr>
+        <p:spPr>
+          <a:xfrm>
+            <a:off x="4316219" y="1921386"/>
+            <a:ext cx="770642" cy="738664"/>
+          </a:xfrm>
+          <a:prstGeom prst="rect">
+            <a:avLst/>
+          </a:prstGeom>
+          <a:noFill/>
+        </p:spPr>
+        <p:txBody>
+          <a:bodyPr wrap="square" rtlCol="0">
+            <a:spAutoFit/>
+          </a:bodyPr>
+          <a:lstStyle/>
+          <a:p>
+            <a:r>
+              <a:rPr lang="nb-NO" sz="1400" dirty="0"/>
+              <a:t>New </a:t>
+            </a:r>
+          </a:p>
+          <a:p>
+            <a:r>
+              <a:rPr lang="nb-NO" sz="1400" dirty="0"/>
+              <a:t>initial </a:t>
+            </a:r>
+          </a:p>
+          <a:p>
+            <a:r>
+              <a:rPr lang="nb-NO" sz="1400" dirty="0"/>
+              <a:t>targets</a:t>
+            </a:r>
+            <a:endParaRPr lang="en-US" sz="1400" dirty="0"/>
+          </a:p>
+        </p:txBody>
+      </p:sp>
     </p:spTree>
     <p:extLst>
       <p:ext uri="{BB962C8B-B14F-4D97-AF65-F5344CB8AC3E}">

--- a/Figures/algorithm_flowchart.pptx
+++ b/Figures/algorithm_flowchart.pptx
@@ -2,18 +2,18 @@
 <file path=ppt/presentation.xml><?xml version="1.0" encoding="utf-8"?>
 <p:presentation xmlns:a="http://schemas.openxmlformats.org/drawingml/2006/main" xmlns:r="http://schemas.openxmlformats.org/officeDocument/2006/relationships" xmlns:p="http://schemas.openxmlformats.org/presentationml/2006/main" saveSubsetFonts="1">
   <p:sldMasterIdLst>
-    <p:sldMasterId id="2147483672" r:id="rId1"/>
+    <p:sldMasterId id="2147483696" r:id="rId1"/>
   </p:sldMasterIdLst>
   <p:sldIdLst>
     <p:sldId id="256" r:id="rId2"/>
   </p:sldIdLst>
-  <p:sldSz cx="12192000" cy="6858000"/>
+  <p:sldSz cx="4319588" cy="3240088"/>
   <p:notesSz cx="6858000" cy="9144000"/>
   <p:defaultTextStyle>
     <a:defPPr>
-      <a:defRPr lang="nb-NO"/>
+      <a:defRPr lang="en-US"/>
     </a:defPPr>
-    <a:lvl1pPr marL="0" algn="l" defTabSz="914400" rtl="0" eaLnBrk="1" latinLnBrk="0" hangingPunct="1">
+    <a:lvl1pPr marL="0" algn="l" defTabSz="457200" rtl="0" eaLnBrk="1" latinLnBrk="0" hangingPunct="1">
       <a:defRPr sz="1800" kern="1200">
         <a:solidFill>
           <a:schemeClr val="tx1"/>
@@ -23,7 +23,7 @@
         <a:cs typeface="+mn-cs"/>
       </a:defRPr>
     </a:lvl1pPr>
-    <a:lvl2pPr marL="457200" algn="l" defTabSz="914400" rtl="0" eaLnBrk="1" latinLnBrk="0" hangingPunct="1">
+    <a:lvl2pPr marL="457200" algn="l" defTabSz="457200" rtl="0" eaLnBrk="1" latinLnBrk="0" hangingPunct="1">
       <a:defRPr sz="1800" kern="1200">
         <a:solidFill>
           <a:schemeClr val="tx1"/>
@@ -33,7 +33,7 @@
         <a:cs typeface="+mn-cs"/>
       </a:defRPr>
     </a:lvl2pPr>
-    <a:lvl3pPr marL="914400" algn="l" defTabSz="914400" rtl="0" eaLnBrk="1" latinLnBrk="0" hangingPunct="1">
+    <a:lvl3pPr marL="914400" algn="l" defTabSz="457200" rtl="0" eaLnBrk="1" latinLnBrk="0" hangingPunct="1">
       <a:defRPr sz="1800" kern="1200">
         <a:solidFill>
           <a:schemeClr val="tx1"/>
@@ -43,7 +43,7 @@
         <a:cs typeface="+mn-cs"/>
       </a:defRPr>
     </a:lvl3pPr>
-    <a:lvl4pPr marL="1371600" algn="l" defTabSz="914400" rtl="0" eaLnBrk="1" latinLnBrk="0" hangingPunct="1">
+    <a:lvl4pPr marL="1371600" algn="l" defTabSz="457200" rtl="0" eaLnBrk="1" latinLnBrk="0" hangingPunct="1">
       <a:defRPr sz="1800" kern="1200">
         <a:solidFill>
           <a:schemeClr val="tx1"/>
@@ -53,7 +53,7 @@
         <a:cs typeface="+mn-cs"/>
       </a:defRPr>
     </a:lvl4pPr>
-    <a:lvl5pPr marL="1828800" algn="l" defTabSz="914400" rtl="0" eaLnBrk="1" latinLnBrk="0" hangingPunct="1">
+    <a:lvl5pPr marL="1828800" algn="l" defTabSz="457200" rtl="0" eaLnBrk="1" latinLnBrk="0" hangingPunct="1">
       <a:defRPr sz="1800" kern="1200">
         <a:solidFill>
           <a:schemeClr val="tx1"/>
@@ -63,7 +63,7 @@
         <a:cs typeface="+mn-cs"/>
       </a:defRPr>
     </a:lvl5pPr>
-    <a:lvl6pPr marL="2286000" algn="l" defTabSz="914400" rtl="0" eaLnBrk="1" latinLnBrk="0" hangingPunct="1">
+    <a:lvl6pPr marL="2286000" algn="l" defTabSz="457200" rtl="0" eaLnBrk="1" latinLnBrk="0" hangingPunct="1">
       <a:defRPr sz="1800" kern="1200">
         <a:solidFill>
           <a:schemeClr val="tx1"/>
@@ -73,7 +73,7 @@
         <a:cs typeface="+mn-cs"/>
       </a:defRPr>
     </a:lvl6pPr>
-    <a:lvl7pPr marL="2743200" algn="l" defTabSz="914400" rtl="0" eaLnBrk="1" latinLnBrk="0" hangingPunct="1">
+    <a:lvl7pPr marL="2743200" algn="l" defTabSz="457200" rtl="0" eaLnBrk="1" latinLnBrk="0" hangingPunct="1">
       <a:defRPr sz="1800" kern="1200">
         <a:solidFill>
           <a:schemeClr val="tx1"/>
@@ -83,7 +83,7 @@
         <a:cs typeface="+mn-cs"/>
       </a:defRPr>
     </a:lvl7pPr>
-    <a:lvl8pPr marL="3200400" algn="l" defTabSz="914400" rtl="0" eaLnBrk="1" latinLnBrk="0" hangingPunct="1">
+    <a:lvl8pPr marL="3200400" algn="l" defTabSz="457200" rtl="0" eaLnBrk="1" latinLnBrk="0" hangingPunct="1">
       <a:defRPr sz="1800" kern="1200">
         <a:solidFill>
           <a:schemeClr val="tx1"/>
@@ -93,7 +93,7 @@
         <a:cs typeface="+mn-cs"/>
       </a:defRPr>
     </a:lvl8pPr>
-    <a:lvl9pPr marL="3657600" algn="l" defTabSz="914400" rtl="0" eaLnBrk="1" latinLnBrk="0" hangingPunct="1">
+    <a:lvl9pPr marL="3657600" algn="l" defTabSz="457200" rtl="0" eaLnBrk="1" latinLnBrk="0" hangingPunct="1">
       <a:defRPr sz="1800" kern="1200">
         <a:solidFill>
           <a:schemeClr val="tx1"/>
@@ -118,7 +118,7 @@
 
 <file path=ppt/slideLayouts/slideLayout1.xml><?xml version="1.0" encoding="utf-8"?>
 <p:sldLayout xmlns:a="http://schemas.openxmlformats.org/drawingml/2006/main" xmlns:r="http://schemas.openxmlformats.org/officeDocument/2006/relationships" xmlns:p="http://schemas.openxmlformats.org/presentationml/2006/main" type="title" preserve="1">
-  <p:cSld name="Title Slide">
+  <p:cSld name="Tittellysbilde">
     <p:spTree>
       <p:nvGrpSpPr>
         <p:cNvPr id="1" name=""/>
@@ -145,21 +145,21 @@
         </p:nvSpPr>
         <p:spPr>
           <a:xfrm>
-            <a:off x="1524000" y="1122363"/>
-            <a:ext cx="9144000" cy="2387600"/>
+            <a:off x="323969" y="530264"/>
+            <a:ext cx="3671650" cy="1128031"/>
           </a:xfrm>
         </p:spPr>
         <p:txBody>
           <a:bodyPr anchor="b"/>
           <a:lstStyle>
             <a:lvl1pPr algn="ctr">
-              <a:defRPr sz="6000"/>
+              <a:defRPr sz="2834"/>
             </a:lvl1pPr>
           </a:lstStyle>
           <a:p>
             <a:r>
-              <a:rPr lang="en-US"/>
-              <a:t>Click to edit Master title style</a:t>
+              <a:rPr lang="nb-NO"/>
+              <a:t>Klikk for å redigere tittelstil</a:t>
             </a:r>
             <a:endParaRPr lang="en-US" dirty="0"/>
           </a:p>
@@ -177,8 +177,8 @@
         </p:nvSpPr>
         <p:spPr>
           <a:xfrm>
-            <a:off x="1524000" y="3602038"/>
-            <a:ext cx="9144000" cy="1655762"/>
+            <a:off x="539949" y="1701796"/>
+            <a:ext cx="3239691" cy="782271"/>
           </a:xfrm>
         </p:spPr>
         <p:txBody>
@@ -186,45 +186,45 @@
           <a:lstStyle>
             <a:lvl1pPr marL="0" indent="0" algn="ctr">
               <a:buNone/>
-              <a:defRPr sz="2400"/>
+              <a:defRPr sz="1134"/>
             </a:lvl1pPr>
-            <a:lvl2pPr marL="457200" indent="0" algn="ctr">
-              <a:buNone/>
-              <a:defRPr sz="2000"/>
+            <a:lvl2pPr marL="215981" indent="0" algn="ctr">
+              <a:buNone/>
+              <a:defRPr sz="945"/>
             </a:lvl2pPr>
-            <a:lvl3pPr marL="914400" indent="0" algn="ctr">
-              <a:buNone/>
-              <a:defRPr sz="1800"/>
+            <a:lvl3pPr marL="431963" indent="0" algn="ctr">
+              <a:buNone/>
+              <a:defRPr sz="850"/>
             </a:lvl3pPr>
-            <a:lvl4pPr marL="1371600" indent="0" algn="ctr">
-              <a:buNone/>
-              <a:defRPr sz="1600"/>
+            <a:lvl4pPr marL="647944" indent="0" algn="ctr">
+              <a:buNone/>
+              <a:defRPr sz="756"/>
             </a:lvl4pPr>
-            <a:lvl5pPr marL="1828800" indent="0" algn="ctr">
-              <a:buNone/>
-              <a:defRPr sz="1600"/>
+            <a:lvl5pPr marL="863925" indent="0" algn="ctr">
+              <a:buNone/>
+              <a:defRPr sz="756"/>
             </a:lvl5pPr>
-            <a:lvl6pPr marL="2286000" indent="0" algn="ctr">
-              <a:buNone/>
-              <a:defRPr sz="1600"/>
+            <a:lvl6pPr marL="1079906" indent="0" algn="ctr">
+              <a:buNone/>
+              <a:defRPr sz="756"/>
             </a:lvl6pPr>
-            <a:lvl7pPr marL="2743200" indent="0" algn="ctr">
-              <a:buNone/>
-              <a:defRPr sz="1600"/>
+            <a:lvl7pPr marL="1295888" indent="0" algn="ctr">
+              <a:buNone/>
+              <a:defRPr sz="756"/>
             </a:lvl7pPr>
-            <a:lvl8pPr marL="3200400" indent="0" algn="ctr">
-              <a:buNone/>
-              <a:defRPr sz="1600"/>
+            <a:lvl8pPr marL="1511869" indent="0" algn="ctr">
+              <a:buNone/>
+              <a:defRPr sz="756"/>
             </a:lvl8pPr>
-            <a:lvl9pPr marL="3657600" indent="0" algn="ctr">
-              <a:buNone/>
-              <a:defRPr sz="1600"/>
+            <a:lvl9pPr marL="1727850" indent="0" algn="ctr">
+              <a:buNone/>
+              <a:defRPr sz="756"/>
             </a:lvl9pPr>
           </a:lstStyle>
           <a:p>
             <a:r>
-              <a:rPr lang="en-US"/>
-              <a:t>Click to edit Master subtitle style</a:t>
+              <a:rPr lang="nb-NO"/>
+              <a:t>Klikk for å redigere undertittelstil i malen</a:t>
             </a:r>
             <a:endParaRPr lang="en-US" dirty="0"/>
           </a:p>
@@ -247,7 +247,7 @@
           <a:p>
             <a:fld id="{28498E41-FF62-4D38-9266-32847B9BE567}" type="datetimeFigureOut">
               <a:rPr lang="nb-NO" smtClean="0"/>
-              <a:t>13.05.2017</a:t>
+              <a:t>18.05.2017</a:t>
             </a:fld>
             <a:endParaRPr lang="nb-NO" dirty="0"/>
           </a:p>
@@ -298,7 +298,7 @@
     </p:spTree>
     <p:extLst>
       <p:ext uri="{BB962C8B-B14F-4D97-AF65-F5344CB8AC3E}">
-        <p14:creationId xmlns:p14="http://schemas.microsoft.com/office/powerpoint/2010/main" val="2151542432"/>
+        <p14:creationId xmlns:p14="http://schemas.microsoft.com/office/powerpoint/2010/main" val="2106174648"/>
       </p:ext>
     </p:extLst>
   </p:cSld>
@@ -310,7 +310,7 @@
 
 <file path=ppt/slideLayouts/slideLayout10.xml><?xml version="1.0" encoding="utf-8"?>
 <p:sldLayout xmlns:a="http://schemas.openxmlformats.org/drawingml/2006/main" xmlns:r="http://schemas.openxmlformats.org/officeDocument/2006/relationships" xmlns:p="http://schemas.openxmlformats.org/presentationml/2006/main" type="vertTx" preserve="1">
-  <p:cSld name="Title and Vertical Text">
+  <p:cSld name="Loddrett tekst">
     <p:spTree>
       <p:nvGrpSpPr>
         <p:cNvPr id="1" name=""/>
@@ -341,8 +341,8 @@
           <a:lstStyle/>
           <a:p>
             <a:r>
-              <a:rPr lang="en-US"/>
-              <a:t>Click to edit Master title style</a:t>
+              <a:rPr lang="nb-NO"/>
+              <a:t>Klikk for å redigere tittelstil</a:t>
             </a:r>
             <a:endParaRPr lang="en-US" dirty="0"/>
           </a:p>
@@ -365,36 +365,36 @@
           <a:p>
             <a:pPr lvl="0"/>
             <a:r>
-              <a:rPr lang="en-US"/>
-              <a:t>Click to edit Master text styles</a:t>
+              <a:rPr lang="nb-NO"/>
+              <a:t>Rediger tekststiler i malen</a:t>
             </a:r>
           </a:p>
           <a:p>
             <a:pPr lvl="1"/>
             <a:r>
-              <a:rPr lang="en-US"/>
-              <a:t>Second level</a:t>
+              <a:rPr lang="nb-NO"/>
+              <a:t>Andre nivå</a:t>
             </a:r>
           </a:p>
           <a:p>
             <a:pPr lvl="2"/>
             <a:r>
-              <a:rPr lang="en-US"/>
-              <a:t>Third level</a:t>
+              <a:rPr lang="nb-NO"/>
+              <a:t>Tredje nivå</a:t>
             </a:r>
           </a:p>
           <a:p>
             <a:pPr lvl="3"/>
             <a:r>
-              <a:rPr lang="en-US"/>
-              <a:t>Fourth level</a:t>
+              <a:rPr lang="nb-NO"/>
+              <a:t>Fjerde nivå</a:t>
             </a:r>
           </a:p>
           <a:p>
             <a:pPr lvl="4"/>
             <a:r>
-              <a:rPr lang="en-US"/>
-              <a:t>Fifth level</a:t>
+              <a:rPr lang="nb-NO"/>
+              <a:t>Femte nivå</a:t>
             </a:r>
             <a:endParaRPr lang="en-US" dirty="0"/>
           </a:p>
@@ -417,7 +417,7 @@
           <a:p>
             <a:fld id="{28498E41-FF62-4D38-9266-32847B9BE567}" type="datetimeFigureOut">
               <a:rPr lang="nb-NO" smtClean="0"/>
-              <a:t>13.05.2017</a:t>
+              <a:t>18.05.2017</a:t>
             </a:fld>
             <a:endParaRPr lang="nb-NO" dirty="0"/>
           </a:p>
@@ -468,7 +468,7 @@
     </p:spTree>
     <p:extLst>
       <p:ext uri="{BB962C8B-B14F-4D97-AF65-F5344CB8AC3E}">
-        <p14:creationId xmlns:p14="http://schemas.microsoft.com/office/powerpoint/2010/main" val="2792742628"/>
+        <p14:creationId xmlns:p14="http://schemas.microsoft.com/office/powerpoint/2010/main" val="2125027048"/>
       </p:ext>
     </p:extLst>
   </p:cSld>
@@ -480,7 +480,7 @@
 
 <file path=ppt/slideLayouts/slideLayout11.xml><?xml version="1.0" encoding="utf-8"?>
 <p:sldLayout xmlns:a="http://schemas.openxmlformats.org/drawingml/2006/main" xmlns:r="http://schemas.openxmlformats.org/officeDocument/2006/relationships" xmlns:p="http://schemas.openxmlformats.org/presentationml/2006/main" type="vertTitleAndTx" preserve="1">
-  <p:cSld name="Vertical Title and Text">
+  <p:cSld name="Loddrett tittel og tekst">
     <p:spTree>
       <p:nvGrpSpPr>
         <p:cNvPr id="1" name=""/>
@@ -507,8 +507,8 @@
         </p:nvSpPr>
         <p:spPr>
           <a:xfrm>
-            <a:off x="8724900" y="365125"/>
-            <a:ext cx="2628900" cy="5811838"/>
+            <a:off x="3091205" y="172505"/>
+            <a:ext cx="931411" cy="2745825"/>
           </a:xfrm>
         </p:spPr>
         <p:txBody>
@@ -516,8 +516,8 @@
           <a:lstStyle/>
           <a:p>
             <a:r>
-              <a:rPr lang="en-US"/>
-              <a:t>Click to edit Master title style</a:t>
+              <a:rPr lang="nb-NO"/>
+              <a:t>Klikk for å redigere tittelstil</a:t>
             </a:r>
             <a:endParaRPr lang="en-US" dirty="0"/>
           </a:p>
@@ -535,8 +535,8 @@
         </p:nvSpPr>
         <p:spPr>
           <a:xfrm>
-            <a:off x="838200" y="365125"/>
-            <a:ext cx="7734300" cy="5811838"/>
+            <a:off x="296972" y="172505"/>
+            <a:ext cx="2740239" cy="2745825"/>
           </a:xfrm>
         </p:spPr>
         <p:txBody>
@@ -545,36 +545,36 @@
           <a:p>
             <a:pPr lvl="0"/>
             <a:r>
-              <a:rPr lang="en-US"/>
-              <a:t>Click to edit Master text styles</a:t>
+              <a:rPr lang="nb-NO"/>
+              <a:t>Rediger tekststiler i malen</a:t>
             </a:r>
           </a:p>
           <a:p>
             <a:pPr lvl="1"/>
             <a:r>
-              <a:rPr lang="en-US"/>
-              <a:t>Second level</a:t>
+              <a:rPr lang="nb-NO"/>
+              <a:t>Andre nivå</a:t>
             </a:r>
           </a:p>
           <a:p>
             <a:pPr lvl="2"/>
             <a:r>
-              <a:rPr lang="en-US"/>
-              <a:t>Third level</a:t>
+              <a:rPr lang="nb-NO"/>
+              <a:t>Tredje nivå</a:t>
             </a:r>
           </a:p>
           <a:p>
             <a:pPr lvl="3"/>
             <a:r>
-              <a:rPr lang="en-US"/>
-              <a:t>Fourth level</a:t>
+              <a:rPr lang="nb-NO"/>
+              <a:t>Fjerde nivå</a:t>
             </a:r>
           </a:p>
           <a:p>
             <a:pPr lvl="4"/>
             <a:r>
-              <a:rPr lang="en-US"/>
-              <a:t>Fifth level</a:t>
+              <a:rPr lang="nb-NO"/>
+              <a:t>Femte nivå</a:t>
             </a:r>
             <a:endParaRPr lang="en-US" dirty="0"/>
           </a:p>
@@ -597,7 +597,7 @@
           <a:p>
             <a:fld id="{28498E41-FF62-4D38-9266-32847B9BE567}" type="datetimeFigureOut">
               <a:rPr lang="nb-NO" smtClean="0"/>
-              <a:t>13.05.2017</a:t>
+              <a:t>18.05.2017</a:t>
             </a:fld>
             <a:endParaRPr lang="nb-NO" dirty="0"/>
           </a:p>
@@ -648,7 +648,7 @@
     </p:spTree>
     <p:extLst>
       <p:ext uri="{BB962C8B-B14F-4D97-AF65-F5344CB8AC3E}">
-        <p14:creationId xmlns:p14="http://schemas.microsoft.com/office/powerpoint/2010/main" val="1693879879"/>
+        <p14:creationId xmlns:p14="http://schemas.microsoft.com/office/powerpoint/2010/main" val="2541555186"/>
       </p:ext>
     </p:extLst>
   </p:cSld>
@@ -660,7 +660,7 @@
 
 <file path=ppt/slideLayouts/slideLayout2.xml><?xml version="1.0" encoding="utf-8"?>
 <p:sldLayout xmlns:a="http://schemas.openxmlformats.org/drawingml/2006/main" xmlns:r="http://schemas.openxmlformats.org/officeDocument/2006/relationships" xmlns:p="http://schemas.openxmlformats.org/presentationml/2006/main" type="obj" preserve="1">
-  <p:cSld name="Title and Content">
+  <p:cSld name="Tittel og innhold">
     <p:spTree>
       <p:nvGrpSpPr>
         <p:cNvPr id="1" name=""/>
@@ -691,8 +691,8 @@
           <a:lstStyle/>
           <a:p>
             <a:r>
-              <a:rPr lang="en-US"/>
-              <a:t>Click to edit Master title style</a:t>
+              <a:rPr lang="nb-NO"/>
+              <a:t>Klikk for å redigere tittelstil</a:t>
             </a:r>
             <a:endParaRPr lang="en-US" dirty="0"/>
           </a:p>
@@ -715,36 +715,36 @@
           <a:p>
             <a:pPr lvl="0"/>
             <a:r>
-              <a:rPr lang="en-US"/>
-              <a:t>Click to edit Master text styles</a:t>
+              <a:rPr lang="nb-NO"/>
+              <a:t>Rediger tekststiler i malen</a:t>
             </a:r>
           </a:p>
           <a:p>
             <a:pPr lvl="1"/>
             <a:r>
-              <a:rPr lang="en-US"/>
-              <a:t>Second level</a:t>
+              <a:rPr lang="nb-NO"/>
+              <a:t>Andre nivå</a:t>
             </a:r>
           </a:p>
           <a:p>
             <a:pPr lvl="2"/>
             <a:r>
-              <a:rPr lang="en-US"/>
-              <a:t>Third level</a:t>
+              <a:rPr lang="nb-NO"/>
+              <a:t>Tredje nivå</a:t>
             </a:r>
           </a:p>
           <a:p>
             <a:pPr lvl="3"/>
             <a:r>
-              <a:rPr lang="en-US"/>
-              <a:t>Fourth level</a:t>
+              <a:rPr lang="nb-NO"/>
+              <a:t>Fjerde nivå</a:t>
             </a:r>
           </a:p>
           <a:p>
             <a:pPr lvl="4"/>
             <a:r>
-              <a:rPr lang="en-US"/>
-              <a:t>Fifth level</a:t>
+              <a:rPr lang="nb-NO"/>
+              <a:t>Femte nivå</a:t>
             </a:r>
             <a:endParaRPr lang="en-US" dirty="0"/>
           </a:p>
@@ -767,7 +767,7 @@
           <a:p>
             <a:fld id="{28498E41-FF62-4D38-9266-32847B9BE567}" type="datetimeFigureOut">
               <a:rPr lang="nb-NO" smtClean="0"/>
-              <a:t>13.05.2017</a:t>
+              <a:t>18.05.2017</a:t>
             </a:fld>
             <a:endParaRPr lang="nb-NO" dirty="0"/>
           </a:p>
@@ -818,7 +818,7 @@
     </p:spTree>
     <p:extLst>
       <p:ext uri="{BB962C8B-B14F-4D97-AF65-F5344CB8AC3E}">
-        <p14:creationId xmlns:p14="http://schemas.microsoft.com/office/powerpoint/2010/main" val="3264346331"/>
+        <p14:creationId xmlns:p14="http://schemas.microsoft.com/office/powerpoint/2010/main" val="2849293904"/>
       </p:ext>
     </p:extLst>
   </p:cSld>
@@ -830,7 +830,7 @@
 
 <file path=ppt/slideLayouts/slideLayout3.xml><?xml version="1.0" encoding="utf-8"?>
 <p:sldLayout xmlns:a="http://schemas.openxmlformats.org/drawingml/2006/main" xmlns:r="http://schemas.openxmlformats.org/officeDocument/2006/relationships" xmlns:p="http://schemas.openxmlformats.org/presentationml/2006/main" type="secHead" preserve="1">
-  <p:cSld name="Section Header">
+  <p:cSld name="Deloverskrift">
     <p:spTree>
       <p:nvGrpSpPr>
         <p:cNvPr id="1" name=""/>
@@ -857,21 +857,21 @@
         </p:nvSpPr>
         <p:spPr>
           <a:xfrm>
-            <a:off x="831850" y="1709738"/>
-            <a:ext cx="10515600" cy="2852737"/>
+            <a:off x="294722" y="807773"/>
+            <a:ext cx="3725645" cy="1347786"/>
           </a:xfrm>
         </p:spPr>
         <p:txBody>
           <a:bodyPr anchor="b"/>
           <a:lstStyle>
             <a:lvl1pPr>
-              <a:defRPr sz="6000"/>
+              <a:defRPr sz="2834"/>
             </a:lvl1pPr>
           </a:lstStyle>
           <a:p>
             <a:r>
-              <a:rPr lang="en-US"/>
-              <a:t>Click to edit Master title style</a:t>
+              <a:rPr lang="nb-NO"/>
+              <a:t>Klikk for å redigere tittelstil</a:t>
             </a:r>
             <a:endParaRPr lang="en-US" dirty="0"/>
           </a:p>
@@ -889,8 +889,8 @@
         </p:nvSpPr>
         <p:spPr>
           <a:xfrm>
-            <a:off x="831850" y="4589463"/>
-            <a:ext cx="10515600" cy="1500187"/>
+            <a:off x="294722" y="2168310"/>
+            <a:ext cx="3725645" cy="708769"/>
           </a:xfrm>
         </p:spPr>
         <p:txBody>
@@ -898,17 +898,15 @@
           <a:lstStyle>
             <a:lvl1pPr marL="0" indent="0">
               <a:buNone/>
-              <a:defRPr sz="2400">
+              <a:defRPr sz="1134">
                 <a:solidFill>
-                  <a:schemeClr val="tx1">
-                    <a:tint val="75000"/>
-                  </a:schemeClr>
+                  <a:schemeClr val="tx1"/>
                 </a:solidFill>
               </a:defRPr>
             </a:lvl1pPr>
-            <a:lvl2pPr marL="457200" indent="0">
-              <a:buNone/>
-              <a:defRPr sz="2000">
+            <a:lvl2pPr marL="215981" indent="0">
+              <a:buNone/>
+              <a:defRPr sz="945">
                 <a:solidFill>
                   <a:schemeClr val="tx1">
                     <a:tint val="75000"/>
@@ -916,9 +914,9 @@
                 </a:solidFill>
               </a:defRPr>
             </a:lvl2pPr>
-            <a:lvl3pPr marL="914400" indent="0">
-              <a:buNone/>
-              <a:defRPr sz="1800">
+            <a:lvl3pPr marL="431963" indent="0">
+              <a:buNone/>
+              <a:defRPr sz="850">
                 <a:solidFill>
                   <a:schemeClr val="tx1">
                     <a:tint val="75000"/>
@@ -926,9 +924,9 @@
                 </a:solidFill>
               </a:defRPr>
             </a:lvl3pPr>
-            <a:lvl4pPr marL="1371600" indent="0">
-              <a:buNone/>
-              <a:defRPr sz="1600">
+            <a:lvl4pPr marL="647944" indent="0">
+              <a:buNone/>
+              <a:defRPr sz="756">
                 <a:solidFill>
                   <a:schemeClr val="tx1">
                     <a:tint val="75000"/>
@@ -936,9 +934,9 @@
                 </a:solidFill>
               </a:defRPr>
             </a:lvl4pPr>
-            <a:lvl5pPr marL="1828800" indent="0">
-              <a:buNone/>
-              <a:defRPr sz="1600">
+            <a:lvl5pPr marL="863925" indent="0">
+              <a:buNone/>
+              <a:defRPr sz="756">
                 <a:solidFill>
                   <a:schemeClr val="tx1">
                     <a:tint val="75000"/>
@@ -946,9 +944,9 @@
                 </a:solidFill>
               </a:defRPr>
             </a:lvl5pPr>
-            <a:lvl6pPr marL="2286000" indent="0">
-              <a:buNone/>
-              <a:defRPr sz="1600">
+            <a:lvl6pPr marL="1079906" indent="0">
+              <a:buNone/>
+              <a:defRPr sz="756">
                 <a:solidFill>
                   <a:schemeClr val="tx1">
                     <a:tint val="75000"/>
@@ -956,9 +954,9 @@
                 </a:solidFill>
               </a:defRPr>
             </a:lvl6pPr>
-            <a:lvl7pPr marL="2743200" indent="0">
-              <a:buNone/>
-              <a:defRPr sz="1600">
+            <a:lvl7pPr marL="1295888" indent="0">
+              <a:buNone/>
+              <a:defRPr sz="756">
                 <a:solidFill>
                   <a:schemeClr val="tx1">
                     <a:tint val="75000"/>
@@ -966,9 +964,9 @@
                 </a:solidFill>
               </a:defRPr>
             </a:lvl7pPr>
-            <a:lvl8pPr marL="3200400" indent="0">
-              <a:buNone/>
-              <a:defRPr sz="1600">
+            <a:lvl8pPr marL="1511869" indent="0">
+              <a:buNone/>
+              <a:defRPr sz="756">
                 <a:solidFill>
                   <a:schemeClr val="tx1">
                     <a:tint val="75000"/>
@@ -976,9 +974,9 @@
                 </a:solidFill>
               </a:defRPr>
             </a:lvl8pPr>
-            <a:lvl9pPr marL="3657600" indent="0">
-              <a:buNone/>
-              <a:defRPr sz="1600">
+            <a:lvl9pPr marL="1727850" indent="0">
+              <a:buNone/>
+              <a:defRPr sz="756">
                 <a:solidFill>
                   <a:schemeClr val="tx1">
                     <a:tint val="75000"/>
@@ -990,8 +988,8 @@
           <a:p>
             <a:pPr lvl="0"/>
             <a:r>
-              <a:rPr lang="en-US"/>
-              <a:t>Click to edit Master text styles</a:t>
+              <a:rPr lang="nb-NO"/>
+              <a:t>Rediger tekststiler i malen</a:t>
             </a:r>
           </a:p>
         </p:txBody>
@@ -1013,7 +1011,7 @@
           <a:p>
             <a:fld id="{28498E41-FF62-4D38-9266-32847B9BE567}" type="datetimeFigureOut">
               <a:rPr lang="nb-NO" smtClean="0"/>
-              <a:t>13.05.2017</a:t>
+              <a:t>18.05.2017</a:t>
             </a:fld>
             <a:endParaRPr lang="nb-NO" dirty="0"/>
           </a:p>
@@ -1064,7 +1062,7 @@
     </p:spTree>
     <p:extLst>
       <p:ext uri="{BB962C8B-B14F-4D97-AF65-F5344CB8AC3E}">
-        <p14:creationId xmlns:p14="http://schemas.microsoft.com/office/powerpoint/2010/main" val="309691424"/>
+        <p14:creationId xmlns:p14="http://schemas.microsoft.com/office/powerpoint/2010/main" val="3977076913"/>
       </p:ext>
     </p:extLst>
   </p:cSld>
@@ -1076,7 +1074,7 @@
 
 <file path=ppt/slideLayouts/slideLayout4.xml><?xml version="1.0" encoding="utf-8"?>
 <p:sldLayout xmlns:a="http://schemas.openxmlformats.org/drawingml/2006/main" xmlns:r="http://schemas.openxmlformats.org/officeDocument/2006/relationships" xmlns:p="http://schemas.openxmlformats.org/presentationml/2006/main" type="twoObj" preserve="1">
-  <p:cSld name="Two Content">
+  <p:cSld name="To innholdsdeler">
     <p:spTree>
       <p:nvGrpSpPr>
         <p:cNvPr id="1" name=""/>
@@ -1107,8 +1105,8 @@
           <a:lstStyle/>
           <a:p>
             <a:r>
-              <a:rPr lang="en-US"/>
-              <a:t>Click to edit Master title style</a:t>
+              <a:rPr lang="nb-NO"/>
+              <a:t>Klikk for å redigere tittelstil</a:t>
             </a:r>
             <a:endParaRPr lang="en-US" dirty="0"/>
           </a:p>
@@ -1126,8 +1124,8 @@
         </p:nvSpPr>
         <p:spPr>
           <a:xfrm>
-            <a:off x="838200" y="1825625"/>
-            <a:ext cx="5181600" cy="4351338"/>
+            <a:off x="296972" y="862523"/>
+            <a:ext cx="1835825" cy="2055806"/>
           </a:xfrm>
         </p:spPr>
         <p:txBody>
@@ -1136,36 +1134,36 @@
           <a:p>
             <a:pPr lvl="0"/>
             <a:r>
-              <a:rPr lang="en-US"/>
-              <a:t>Click to edit Master text styles</a:t>
+              <a:rPr lang="nb-NO"/>
+              <a:t>Rediger tekststiler i malen</a:t>
             </a:r>
           </a:p>
           <a:p>
             <a:pPr lvl="1"/>
             <a:r>
-              <a:rPr lang="en-US"/>
-              <a:t>Second level</a:t>
+              <a:rPr lang="nb-NO"/>
+              <a:t>Andre nivå</a:t>
             </a:r>
           </a:p>
           <a:p>
             <a:pPr lvl="2"/>
             <a:r>
-              <a:rPr lang="en-US"/>
-              <a:t>Third level</a:t>
+              <a:rPr lang="nb-NO"/>
+              <a:t>Tredje nivå</a:t>
             </a:r>
           </a:p>
           <a:p>
             <a:pPr lvl="3"/>
             <a:r>
-              <a:rPr lang="en-US"/>
-              <a:t>Fourth level</a:t>
+              <a:rPr lang="nb-NO"/>
+              <a:t>Fjerde nivå</a:t>
             </a:r>
           </a:p>
           <a:p>
             <a:pPr lvl="4"/>
             <a:r>
-              <a:rPr lang="en-US"/>
-              <a:t>Fifth level</a:t>
+              <a:rPr lang="nb-NO"/>
+              <a:t>Femte nivå</a:t>
             </a:r>
             <a:endParaRPr lang="en-US" dirty="0"/>
           </a:p>
@@ -1183,8 +1181,8 @@
         </p:nvSpPr>
         <p:spPr>
           <a:xfrm>
-            <a:off x="6172200" y="1825625"/>
-            <a:ext cx="5181600" cy="4351338"/>
+            <a:off x="2186791" y="862523"/>
+            <a:ext cx="1835825" cy="2055806"/>
           </a:xfrm>
         </p:spPr>
         <p:txBody>
@@ -1193,36 +1191,36 @@
           <a:p>
             <a:pPr lvl="0"/>
             <a:r>
-              <a:rPr lang="en-US"/>
-              <a:t>Click to edit Master text styles</a:t>
+              <a:rPr lang="nb-NO"/>
+              <a:t>Rediger tekststiler i malen</a:t>
             </a:r>
           </a:p>
           <a:p>
             <a:pPr lvl="1"/>
             <a:r>
-              <a:rPr lang="en-US"/>
-              <a:t>Second level</a:t>
+              <a:rPr lang="nb-NO"/>
+              <a:t>Andre nivå</a:t>
             </a:r>
           </a:p>
           <a:p>
             <a:pPr lvl="2"/>
             <a:r>
-              <a:rPr lang="en-US"/>
-              <a:t>Third level</a:t>
+              <a:rPr lang="nb-NO"/>
+              <a:t>Tredje nivå</a:t>
             </a:r>
           </a:p>
           <a:p>
             <a:pPr lvl="3"/>
             <a:r>
-              <a:rPr lang="en-US"/>
-              <a:t>Fourth level</a:t>
+              <a:rPr lang="nb-NO"/>
+              <a:t>Fjerde nivå</a:t>
             </a:r>
           </a:p>
           <a:p>
             <a:pPr lvl="4"/>
             <a:r>
-              <a:rPr lang="en-US"/>
-              <a:t>Fifth level</a:t>
+              <a:rPr lang="nb-NO"/>
+              <a:t>Femte nivå</a:t>
             </a:r>
             <a:endParaRPr lang="en-US" dirty="0"/>
           </a:p>
@@ -1245,7 +1243,7 @@
           <a:p>
             <a:fld id="{28498E41-FF62-4D38-9266-32847B9BE567}" type="datetimeFigureOut">
               <a:rPr lang="nb-NO" smtClean="0"/>
-              <a:t>13.05.2017</a:t>
+              <a:t>18.05.2017</a:t>
             </a:fld>
             <a:endParaRPr lang="nb-NO" dirty="0"/>
           </a:p>
@@ -1296,7 +1294,7 @@
     </p:spTree>
     <p:extLst>
       <p:ext uri="{BB962C8B-B14F-4D97-AF65-F5344CB8AC3E}">
-        <p14:creationId xmlns:p14="http://schemas.microsoft.com/office/powerpoint/2010/main" val="3672775702"/>
+        <p14:creationId xmlns:p14="http://schemas.microsoft.com/office/powerpoint/2010/main" val="1416969400"/>
       </p:ext>
     </p:extLst>
   </p:cSld>
@@ -1308,7 +1306,7 @@
 
 <file path=ppt/slideLayouts/slideLayout5.xml><?xml version="1.0" encoding="utf-8"?>
 <p:sldLayout xmlns:a="http://schemas.openxmlformats.org/drawingml/2006/main" xmlns:r="http://schemas.openxmlformats.org/officeDocument/2006/relationships" xmlns:p="http://schemas.openxmlformats.org/presentationml/2006/main" type="twoTxTwoObj" preserve="1">
-  <p:cSld name="Comparison">
+  <p:cSld name="Sammenligning">
     <p:spTree>
       <p:nvGrpSpPr>
         <p:cNvPr id="1" name=""/>
@@ -1335,8 +1333,8 @@
         </p:nvSpPr>
         <p:spPr>
           <a:xfrm>
-            <a:off x="839788" y="365125"/>
-            <a:ext cx="10515600" cy="1325563"/>
+            <a:off x="297534" y="172506"/>
+            <a:ext cx="3725645" cy="626267"/>
           </a:xfrm>
         </p:spPr>
         <p:txBody>
@@ -1344,8 +1342,8 @@
           <a:lstStyle/>
           <a:p>
             <a:r>
-              <a:rPr lang="en-US"/>
-              <a:t>Click to edit Master title style</a:t>
+              <a:rPr lang="nb-NO"/>
+              <a:t>Klikk for å redigere tittelstil</a:t>
             </a:r>
             <a:endParaRPr lang="en-US" dirty="0"/>
           </a:p>
@@ -1363,8 +1361,8 @@
         </p:nvSpPr>
         <p:spPr>
           <a:xfrm>
-            <a:off x="839788" y="1681163"/>
-            <a:ext cx="5157787" cy="823912"/>
+            <a:off x="297535" y="794272"/>
+            <a:ext cx="1827388" cy="389260"/>
           </a:xfrm>
         </p:spPr>
         <p:txBody>
@@ -1372,46 +1370,46 @@
           <a:lstStyle>
             <a:lvl1pPr marL="0" indent="0">
               <a:buNone/>
-              <a:defRPr sz="2400" b="1"/>
+              <a:defRPr sz="1134" b="1"/>
             </a:lvl1pPr>
-            <a:lvl2pPr marL="457200" indent="0">
-              <a:buNone/>
-              <a:defRPr sz="2000" b="1"/>
+            <a:lvl2pPr marL="215981" indent="0">
+              <a:buNone/>
+              <a:defRPr sz="945" b="1"/>
             </a:lvl2pPr>
-            <a:lvl3pPr marL="914400" indent="0">
-              <a:buNone/>
-              <a:defRPr sz="1800" b="1"/>
+            <a:lvl3pPr marL="431963" indent="0">
+              <a:buNone/>
+              <a:defRPr sz="850" b="1"/>
             </a:lvl3pPr>
-            <a:lvl4pPr marL="1371600" indent="0">
-              <a:buNone/>
-              <a:defRPr sz="1600" b="1"/>
+            <a:lvl4pPr marL="647944" indent="0">
+              <a:buNone/>
+              <a:defRPr sz="756" b="1"/>
             </a:lvl4pPr>
-            <a:lvl5pPr marL="1828800" indent="0">
-              <a:buNone/>
-              <a:defRPr sz="1600" b="1"/>
+            <a:lvl5pPr marL="863925" indent="0">
+              <a:buNone/>
+              <a:defRPr sz="756" b="1"/>
             </a:lvl5pPr>
-            <a:lvl6pPr marL="2286000" indent="0">
-              <a:buNone/>
-              <a:defRPr sz="1600" b="1"/>
+            <a:lvl6pPr marL="1079906" indent="0">
+              <a:buNone/>
+              <a:defRPr sz="756" b="1"/>
             </a:lvl6pPr>
-            <a:lvl7pPr marL="2743200" indent="0">
-              <a:buNone/>
-              <a:defRPr sz="1600" b="1"/>
+            <a:lvl7pPr marL="1295888" indent="0">
+              <a:buNone/>
+              <a:defRPr sz="756" b="1"/>
             </a:lvl7pPr>
-            <a:lvl8pPr marL="3200400" indent="0">
-              <a:buNone/>
-              <a:defRPr sz="1600" b="1"/>
+            <a:lvl8pPr marL="1511869" indent="0">
+              <a:buNone/>
+              <a:defRPr sz="756" b="1"/>
             </a:lvl8pPr>
-            <a:lvl9pPr marL="3657600" indent="0">
-              <a:buNone/>
-              <a:defRPr sz="1600" b="1"/>
+            <a:lvl9pPr marL="1727850" indent="0">
+              <a:buNone/>
+              <a:defRPr sz="756" b="1"/>
             </a:lvl9pPr>
           </a:lstStyle>
           <a:p>
             <a:pPr lvl="0"/>
             <a:r>
-              <a:rPr lang="en-US"/>
-              <a:t>Click to edit Master text styles</a:t>
+              <a:rPr lang="nb-NO"/>
+              <a:t>Rediger tekststiler i malen</a:t>
             </a:r>
           </a:p>
         </p:txBody>
@@ -1428,8 +1426,8 @@
         </p:nvSpPr>
         <p:spPr>
           <a:xfrm>
-            <a:off x="839788" y="2505075"/>
-            <a:ext cx="5157787" cy="3684588"/>
+            <a:off x="297535" y="1183532"/>
+            <a:ext cx="1827388" cy="1740798"/>
           </a:xfrm>
         </p:spPr>
         <p:txBody>
@@ -1438,36 +1436,36 @@
           <a:p>
             <a:pPr lvl="0"/>
             <a:r>
-              <a:rPr lang="en-US"/>
-              <a:t>Click to edit Master text styles</a:t>
+              <a:rPr lang="nb-NO"/>
+              <a:t>Rediger tekststiler i malen</a:t>
             </a:r>
           </a:p>
           <a:p>
             <a:pPr lvl="1"/>
             <a:r>
-              <a:rPr lang="en-US"/>
-              <a:t>Second level</a:t>
+              <a:rPr lang="nb-NO"/>
+              <a:t>Andre nivå</a:t>
             </a:r>
           </a:p>
           <a:p>
             <a:pPr lvl="2"/>
             <a:r>
-              <a:rPr lang="en-US"/>
-              <a:t>Third level</a:t>
+              <a:rPr lang="nb-NO"/>
+              <a:t>Tredje nivå</a:t>
             </a:r>
           </a:p>
           <a:p>
             <a:pPr lvl="3"/>
             <a:r>
-              <a:rPr lang="en-US"/>
-              <a:t>Fourth level</a:t>
+              <a:rPr lang="nb-NO"/>
+              <a:t>Fjerde nivå</a:t>
             </a:r>
           </a:p>
           <a:p>
             <a:pPr lvl="4"/>
             <a:r>
-              <a:rPr lang="en-US"/>
-              <a:t>Fifth level</a:t>
+              <a:rPr lang="nb-NO"/>
+              <a:t>Femte nivå</a:t>
             </a:r>
             <a:endParaRPr lang="en-US" dirty="0"/>
           </a:p>
@@ -1485,8 +1483,8 @@
         </p:nvSpPr>
         <p:spPr>
           <a:xfrm>
-            <a:off x="6172200" y="1681163"/>
-            <a:ext cx="5183188" cy="823912"/>
+            <a:off x="2186791" y="794272"/>
+            <a:ext cx="1836388" cy="389260"/>
           </a:xfrm>
         </p:spPr>
         <p:txBody>
@@ -1494,46 +1492,46 @@
           <a:lstStyle>
             <a:lvl1pPr marL="0" indent="0">
               <a:buNone/>
-              <a:defRPr sz="2400" b="1"/>
+              <a:defRPr sz="1134" b="1"/>
             </a:lvl1pPr>
-            <a:lvl2pPr marL="457200" indent="0">
-              <a:buNone/>
-              <a:defRPr sz="2000" b="1"/>
+            <a:lvl2pPr marL="215981" indent="0">
+              <a:buNone/>
+              <a:defRPr sz="945" b="1"/>
             </a:lvl2pPr>
-            <a:lvl3pPr marL="914400" indent="0">
-              <a:buNone/>
-              <a:defRPr sz="1800" b="1"/>
+            <a:lvl3pPr marL="431963" indent="0">
+              <a:buNone/>
+              <a:defRPr sz="850" b="1"/>
             </a:lvl3pPr>
-            <a:lvl4pPr marL="1371600" indent="0">
-              <a:buNone/>
-              <a:defRPr sz="1600" b="1"/>
+            <a:lvl4pPr marL="647944" indent="0">
+              <a:buNone/>
+              <a:defRPr sz="756" b="1"/>
             </a:lvl4pPr>
-            <a:lvl5pPr marL="1828800" indent="0">
-              <a:buNone/>
-              <a:defRPr sz="1600" b="1"/>
+            <a:lvl5pPr marL="863925" indent="0">
+              <a:buNone/>
+              <a:defRPr sz="756" b="1"/>
             </a:lvl5pPr>
-            <a:lvl6pPr marL="2286000" indent="0">
-              <a:buNone/>
-              <a:defRPr sz="1600" b="1"/>
+            <a:lvl6pPr marL="1079906" indent="0">
+              <a:buNone/>
+              <a:defRPr sz="756" b="1"/>
             </a:lvl6pPr>
-            <a:lvl7pPr marL="2743200" indent="0">
-              <a:buNone/>
-              <a:defRPr sz="1600" b="1"/>
+            <a:lvl7pPr marL="1295888" indent="0">
+              <a:buNone/>
+              <a:defRPr sz="756" b="1"/>
             </a:lvl7pPr>
-            <a:lvl8pPr marL="3200400" indent="0">
-              <a:buNone/>
-              <a:defRPr sz="1600" b="1"/>
+            <a:lvl8pPr marL="1511869" indent="0">
+              <a:buNone/>
+              <a:defRPr sz="756" b="1"/>
             </a:lvl8pPr>
-            <a:lvl9pPr marL="3657600" indent="0">
-              <a:buNone/>
-              <a:defRPr sz="1600" b="1"/>
+            <a:lvl9pPr marL="1727850" indent="0">
+              <a:buNone/>
+              <a:defRPr sz="756" b="1"/>
             </a:lvl9pPr>
           </a:lstStyle>
           <a:p>
             <a:pPr lvl="0"/>
             <a:r>
-              <a:rPr lang="en-US"/>
-              <a:t>Click to edit Master text styles</a:t>
+              <a:rPr lang="nb-NO"/>
+              <a:t>Rediger tekststiler i malen</a:t>
             </a:r>
           </a:p>
         </p:txBody>
@@ -1550,8 +1548,8 @@
         </p:nvSpPr>
         <p:spPr>
           <a:xfrm>
-            <a:off x="6172200" y="2505075"/>
-            <a:ext cx="5183188" cy="3684588"/>
+            <a:off x="2186791" y="1183532"/>
+            <a:ext cx="1836388" cy="1740798"/>
           </a:xfrm>
         </p:spPr>
         <p:txBody>
@@ -1560,36 +1558,36 @@
           <a:p>
             <a:pPr lvl="0"/>
             <a:r>
-              <a:rPr lang="en-US"/>
-              <a:t>Click to edit Master text styles</a:t>
+              <a:rPr lang="nb-NO"/>
+              <a:t>Rediger tekststiler i malen</a:t>
             </a:r>
           </a:p>
           <a:p>
             <a:pPr lvl="1"/>
             <a:r>
-              <a:rPr lang="en-US"/>
-              <a:t>Second level</a:t>
+              <a:rPr lang="nb-NO"/>
+              <a:t>Andre nivå</a:t>
             </a:r>
           </a:p>
           <a:p>
             <a:pPr lvl="2"/>
             <a:r>
-              <a:rPr lang="en-US"/>
-              <a:t>Third level</a:t>
+              <a:rPr lang="nb-NO"/>
+              <a:t>Tredje nivå</a:t>
             </a:r>
           </a:p>
           <a:p>
             <a:pPr lvl="3"/>
             <a:r>
-              <a:rPr lang="en-US"/>
-              <a:t>Fourth level</a:t>
+              <a:rPr lang="nb-NO"/>
+              <a:t>Fjerde nivå</a:t>
             </a:r>
           </a:p>
           <a:p>
             <a:pPr lvl="4"/>
             <a:r>
-              <a:rPr lang="en-US"/>
-              <a:t>Fifth level</a:t>
+              <a:rPr lang="nb-NO"/>
+              <a:t>Femte nivå</a:t>
             </a:r>
             <a:endParaRPr lang="en-US" dirty="0"/>
           </a:p>
@@ -1612,7 +1610,7 @@
           <a:p>
             <a:fld id="{28498E41-FF62-4D38-9266-32847B9BE567}" type="datetimeFigureOut">
               <a:rPr lang="nb-NO" smtClean="0"/>
-              <a:t>13.05.2017</a:t>
+              <a:t>18.05.2017</a:t>
             </a:fld>
             <a:endParaRPr lang="nb-NO" dirty="0"/>
           </a:p>
@@ -1663,7 +1661,7 @@
     </p:spTree>
     <p:extLst>
       <p:ext uri="{BB962C8B-B14F-4D97-AF65-F5344CB8AC3E}">
-        <p14:creationId xmlns:p14="http://schemas.microsoft.com/office/powerpoint/2010/main" val="2619015036"/>
+        <p14:creationId xmlns:p14="http://schemas.microsoft.com/office/powerpoint/2010/main" val="793824396"/>
       </p:ext>
     </p:extLst>
   </p:cSld>
@@ -1675,7 +1673,7 @@
 
 <file path=ppt/slideLayouts/slideLayout6.xml><?xml version="1.0" encoding="utf-8"?>
 <p:sldLayout xmlns:a="http://schemas.openxmlformats.org/drawingml/2006/main" xmlns:r="http://schemas.openxmlformats.org/officeDocument/2006/relationships" xmlns:p="http://schemas.openxmlformats.org/presentationml/2006/main" type="titleOnly" preserve="1">
-  <p:cSld name="Title Only">
+  <p:cSld name="Bare tittel">
     <p:spTree>
       <p:nvGrpSpPr>
         <p:cNvPr id="1" name=""/>
@@ -1706,8 +1704,8 @@
           <a:lstStyle/>
           <a:p>
             <a:r>
-              <a:rPr lang="en-US"/>
-              <a:t>Click to edit Master title style</a:t>
+              <a:rPr lang="nb-NO"/>
+              <a:t>Klikk for å redigere tittelstil</a:t>
             </a:r>
             <a:endParaRPr lang="en-US" dirty="0"/>
           </a:p>
@@ -1730,7 +1728,7 @@
           <a:p>
             <a:fld id="{28498E41-FF62-4D38-9266-32847B9BE567}" type="datetimeFigureOut">
               <a:rPr lang="nb-NO" smtClean="0"/>
-              <a:t>13.05.2017</a:t>
+              <a:t>18.05.2017</a:t>
             </a:fld>
             <a:endParaRPr lang="nb-NO" dirty="0"/>
           </a:p>
@@ -1781,7 +1779,7 @@
     </p:spTree>
     <p:extLst>
       <p:ext uri="{BB962C8B-B14F-4D97-AF65-F5344CB8AC3E}">
-        <p14:creationId xmlns:p14="http://schemas.microsoft.com/office/powerpoint/2010/main" val="2599163565"/>
+        <p14:creationId xmlns:p14="http://schemas.microsoft.com/office/powerpoint/2010/main" val="3817173115"/>
       </p:ext>
     </p:extLst>
   </p:cSld>
@@ -1793,7 +1791,7 @@
 
 <file path=ppt/slideLayouts/slideLayout7.xml><?xml version="1.0" encoding="utf-8"?>
 <p:sldLayout xmlns:a="http://schemas.openxmlformats.org/drawingml/2006/main" xmlns:r="http://schemas.openxmlformats.org/officeDocument/2006/relationships" xmlns:p="http://schemas.openxmlformats.org/presentationml/2006/main" type="blank" preserve="1">
-  <p:cSld name="Blank">
+  <p:cSld name="Tomt">
     <p:spTree>
       <p:nvGrpSpPr>
         <p:cNvPr id="1" name=""/>
@@ -1825,7 +1823,7 @@
           <a:p>
             <a:fld id="{28498E41-FF62-4D38-9266-32847B9BE567}" type="datetimeFigureOut">
               <a:rPr lang="nb-NO" smtClean="0"/>
-              <a:t>13.05.2017</a:t>
+              <a:t>18.05.2017</a:t>
             </a:fld>
             <a:endParaRPr lang="nb-NO" dirty="0"/>
           </a:p>
@@ -1876,7 +1874,7 @@
     </p:spTree>
     <p:extLst>
       <p:ext uri="{BB962C8B-B14F-4D97-AF65-F5344CB8AC3E}">
-        <p14:creationId xmlns:p14="http://schemas.microsoft.com/office/powerpoint/2010/main" val="2572022342"/>
+        <p14:creationId xmlns:p14="http://schemas.microsoft.com/office/powerpoint/2010/main" val="874508944"/>
       </p:ext>
     </p:extLst>
   </p:cSld>
@@ -1888,7 +1886,7 @@
 
 <file path=ppt/slideLayouts/slideLayout8.xml><?xml version="1.0" encoding="utf-8"?>
 <p:sldLayout xmlns:a="http://schemas.openxmlformats.org/drawingml/2006/main" xmlns:r="http://schemas.openxmlformats.org/officeDocument/2006/relationships" xmlns:p="http://schemas.openxmlformats.org/presentationml/2006/main" type="objTx" preserve="1">
-  <p:cSld name="Content with Caption">
+  <p:cSld name="Innhold med tekst">
     <p:spTree>
       <p:nvGrpSpPr>
         <p:cNvPr id="1" name=""/>
@@ -1915,21 +1913,21 @@
         </p:nvSpPr>
         <p:spPr>
           <a:xfrm>
-            <a:off x="839788" y="457200"/>
-            <a:ext cx="3932237" cy="1600200"/>
+            <a:off x="297534" y="216006"/>
+            <a:ext cx="1393180" cy="756021"/>
           </a:xfrm>
         </p:spPr>
         <p:txBody>
           <a:bodyPr anchor="b"/>
           <a:lstStyle>
             <a:lvl1pPr>
-              <a:defRPr sz="3200"/>
+              <a:defRPr sz="1512"/>
             </a:lvl1pPr>
           </a:lstStyle>
           <a:p>
             <a:r>
-              <a:rPr lang="en-US"/>
-              <a:t>Click to edit Master title style</a:t>
+              <a:rPr lang="nb-NO"/>
+              <a:t>Klikk for å redigere tittelstil</a:t>
             </a:r>
             <a:endParaRPr lang="en-US" dirty="0"/>
           </a:p>
@@ -1947,74 +1945,74 @@
         </p:nvSpPr>
         <p:spPr>
           <a:xfrm>
-            <a:off x="5183188" y="987425"/>
-            <a:ext cx="6172200" cy="4873625"/>
+            <a:off x="1836388" y="466513"/>
+            <a:ext cx="2186791" cy="2302563"/>
           </a:xfrm>
         </p:spPr>
         <p:txBody>
           <a:bodyPr/>
           <a:lstStyle>
             <a:lvl1pPr>
-              <a:defRPr sz="3200"/>
+              <a:defRPr sz="1512"/>
             </a:lvl1pPr>
             <a:lvl2pPr>
-              <a:defRPr sz="2800"/>
+              <a:defRPr sz="1323"/>
             </a:lvl2pPr>
             <a:lvl3pPr>
-              <a:defRPr sz="2400"/>
+              <a:defRPr sz="1134"/>
             </a:lvl3pPr>
             <a:lvl4pPr>
-              <a:defRPr sz="2000"/>
+              <a:defRPr sz="945"/>
             </a:lvl4pPr>
             <a:lvl5pPr>
-              <a:defRPr sz="2000"/>
+              <a:defRPr sz="945"/>
             </a:lvl5pPr>
             <a:lvl6pPr>
-              <a:defRPr sz="2000"/>
+              <a:defRPr sz="945"/>
             </a:lvl6pPr>
             <a:lvl7pPr>
-              <a:defRPr sz="2000"/>
+              <a:defRPr sz="945"/>
             </a:lvl7pPr>
             <a:lvl8pPr>
-              <a:defRPr sz="2000"/>
+              <a:defRPr sz="945"/>
             </a:lvl8pPr>
             <a:lvl9pPr>
-              <a:defRPr sz="2000"/>
+              <a:defRPr sz="945"/>
             </a:lvl9pPr>
           </a:lstStyle>
           <a:p>
             <a:pPr lvl="0"/>
             <a:r>
-              <a:rPr lang="en-US"/>
-              <a:t>Click to edit Master text styles</a:t>
+              <a:rPr lang="nb-NO"/>
+              <a:t>Rediger tekststiler i malen</a:t>
             </a:r>
           </a:p>
           <a:p>
             <a:pPr lvl="1"/>
             <a:r>
-              <a:rPr lang="en-US"/>
-              <a:t>Second level</a:t>
+              <a:rPr lang="nb-NO"/>
+              <a:t>Andre nivå</a:t>
             </a:r>
           </a:p>
           <a:p>
             <a:pPr lvl="2"/>
             <a:r>
-              <a:rPr lang="en-US"/>
-              <a:t>Third level</a:t>
+              <a:rPr lang="nb-NO"/>
+              <a:t>Tredje nivå</a:t>
             </a:r>
           </a:p>
           <a:p>
             <a:pPr lvl="3"/>
             <a:r>
-              <a:rPr lang="en-US"/>
-              <a:t>Fourth level</a:t>
+              <a:rPr lang="nb-NO"/>
+              <a:t>Fjerde nivå</a:t>
             </a:r>
           </a:p>
           <a:p>
             <a:pPr lvl="4"/>
             <a:r>
-              <a:rPr lang="en-US"/>
-              <a:t>Fifth level</a:t>
+              <a:rPr lang="nb-NO"/>
+              <a:t>Femte nivå</a:t>
             </a:r>
             <a:endParaRPr lang="en-US" dirty="0"/>
           </a:p>
@@ -2032,8 +2030,8 @@
         </p:nvSpPr>
         <p:spPr>
           <a:xfrm>
-            <a:off x="839788" y="2057400"/>
-            <a:ext cx="3932237" cy="3811588"/>
+            <a:off x="297534" y="972026"/>
+            <a:ext cx="1393180" cy="1800799"/>
           </a:xfrm>
         </p:spPr>
         <p:txBody>
@@ -2041,46 +2039,46 @@
           <a:lstStyle>
             <a:lvl1pPr marL="0" indent="0">
               <a:buNone/>
-              <a:defRPr sz="1600"/>
+              <a:defRPr sz="756"/>
             </a:lvl1pPr>
-            <a:lvl2pPr marL="457200" indent="0">
-              <a:buNone/>
-              <a:defRPr sz="1400"/>
+            <a:lvl2pPr marL="215981" indent="0">
+              <a:buNone/>
+              <a:defRPr sz="661"/>
             </a:lvl2pPr>
-            <a:lvl3pPr marL="914400" indent="0">
-              <a:buNone/>
-              <a:defRPr sz="1200"/>
+            <a:lvl3pPr marL="431963" indent="0">
+              <a:buNone/>
+              <a:defRPr sz="567"/>
             </a:lvl3pPr>
-            <a:lvl4pPr marL="1371600" indent="0">
-              <a:buNone/>
-              <a:defRPr sz="1000"/>
+            <a:lvl4pPr marL="647944" indent="0">
+              <a:buNone/>
+              <a:defRPr sz="472"/>
             </a:lvl4pPr>
-            <a:lvl5pPr marL="1828800" indent="0">
-              <a:buNone/>
-              <a:defRPr sz="1000"/>
+            <a:lvl5pPr marL="863925" indent="0">
+              <a:buNone/>
+              <a:defRPr sz="472"/>
             </a:lvl5pPr>
-            <a:lvl6pPr marL="2286000" indent="0">
-              <a:buNone/>
-              <a:defRPr sz="1000"/>
+            <a:lvl6pPr marL="1079906" indent="0">
+              <a:buNone/>
+              <a:defRPr sz="472"/>
             </a:lvl6pPr>
-            <a:lvl7pPr marL="2743200" indent="0">
-              <a:buNone/>
-              <a:defRPr sz="1000"/>
+            <a:lvl7pPr marL="1295888" indent="0">
+              <a:buNone/>
+              <a:defRPr sz="472"/>
             </a:lvl7pPr>
-            <a:lvl8pPr marL="3200400" indent="0">
-              <a:buNone/>
-              <a:defRPr sz="1000"/>
+            <a:lvl8pPr marL="1511869" indent="0">
+              <a:buNone/>
+              <a:defRPr sz="472"/>
             </a:lvl8pPr>
-            <a:lvl9pPr marL="3657600" indent="0">
-              <a:buNone/>
-              <a:defRPr sz="1000"/>
+            <a:lvl9pPr marL="1727850" indent="0">
+              <a:buNone/>
+              <a:defRPr sz="472"/>
             </a:lvl9pPr>
           </a:lstStyle>
           <a:p>
             <a:pPr lvl="0"/>
             <a:r>
-              <a:rPr lang="en-US"/>
-              <a:t>Click to edit Master text styles</a:t>
+              <a:rPr lang="nb-NO"/>
+              <a:t>Rediger tekststiler i malen</a:t>
             </a:r>
           </a:p>
         </p:txBody>
@@ -2102,7 +2100,7 @@
           <a:p>
             <a:fld id="{28498E41-FF62-4D38-9266-32847B9BE567}" type="datetimeFigureOut">
               <a:rPr lang="nb-NO" smtClean="0"/>
-              <a:t>13.05.2017</a:t>
+              <a:t>18.05.2017</a:t>
             </a:fld>
             <a:endParaRPr lang="nb-NO" dirty="0"/>
           </a:p>
@@ -2153,7 +2151,7 @@
     </p:spTree>
     <p:extLst>
       <p:ext uri="{BB962C8B-B14F-4D97-AF65-F5344CB8AC3E}">
-        <p14:creationId xmlns:p14="http://schemas.microsoft.com/office/powerpoint/2010/main" val="1216536147"/>
+        <p14:creationId xmlns:p14="http://schemas.microsoft.com/office/powerpoint/2010/main" val="519198528"/>
       </p:ext>
     </p:extLst>
   </p:cSld>
@@ -2165,7 +2163,7 @@
 
 <file path=ppt/slideLayouts/slideLayout9.xml><?xml version="1.0" encoding="utf-8"?>
 <p:sldLayout xmlns:a="http://schemas.openxmlformats.org/drawingml/2006/main" xmlns:r="http://schemas.openxmlformats.org/officeDocument/2006/relationships" xmlns:p="http://schemas.openxmlformats.org/presentationml/2006/main" type="picTx" preserve="1">
-  <p:cSld name="Picture with Caption">
+  <p:cSld name="Bilde med tekst">
     <p:spTree>
       <p:nvGrpSpPr>
         <p:cNvPr id="1" name=""/>
@@ -2192,21 +2190,21 @@
         </p:nvSpPr>
         <p:spPr>
           <a:xfrm>
-            <a:off x="839788" y="457200"/>
-            <a:ext cx="3932237" cy="1600200"/>
+            <a:off x="297534" y="216006"/>
+            <a:ext cx="1393180" cy="756021"/>
           </a:xfrm>
         </p:spPr>
         <p:txBody>
           <a:bodyPr anchor="b"/>
           <a:lstStyle>
             <a:lvl1pPr>
-              <a:defRPr sz="3200"/>
+              <a:defRPr sz="1512"/>
             </a:lvl1pPr>
           </a:lstStyle>
           <a:p>
             <a:r>
-              <a:rPr lang="en-US"/>
-              <a:t>Click to edit Master title style</a:t>
+              <a:rPr lang="nb-NO"/>
+              <a:t>Klikk for å redigere tittelstil</a:t>
             </a:r>
             <a:endParaRPr lang="en-US" dirty="0"/>
           </a:p>
@@ -2224,8 +2222,8 @@
         </p:nvSpPr>
         <p:spPr>
           <a:xfrm>
-            <a:off x="5183188" y="987425"/>
-            <a:ext cx="6172200" cy="4873625"/>
+            <a:off x="1836388" y="466513"/>
+            <a:ext cx="2186791" cy="2302563"/>
           </a:xfrm>
         </p:spPr>
         <p:txBody>
@@ -2233,46 +2231,47 @@
           <a:lstStyle>
             <a:lvl1pPr marL="0" indent="0">
               <a:buNone/>
-              <a:defRPr sz="3200"/>
+              <a:defRPr sz="1512"/>
             </a:lvl1pPr>
-            <a:lvl2pPr marL="457200" indent="0">
-              <a:buNone/>
-              <a:defRPr sz="2800"/>
+            <a:lvl2pPr marL="215981" indent="0">
+              <a:buNone/>
+              <a:defRPr sz="1323"/>
             </a:lvl2pPr>
-            <a:lvl3pPr marL="914400" indent="0">
-              <a:buNone/>
-              <a:defRPr sz="2400"/>
+            <a:lvl3pPr marL="431963" indent="0">
+              <a:buNone/>
+              <a:defRPr sz="1134"/>
             </a:lvl3pPr>
-            <a:lvl4pPr marL="1371600" indent="0">
-              <a:buNone/>
-              <a:defRPr sz="2000"/>
+            <a:lvl4pPr marL="647944" indent="0">
+              <a:buNone/>
+              <a:defRPr sz="945"/>
             </a:lvl4pPr>
-            <a:lvl5pPr marL="1828800" indent="0">
-              <a:buNone/>
-              <a:defRPr sz="2000"/>
+            <a:lvl5pPr marL="863925" indent="0">
+              <a:buNone/>
+              <a:defRPr sz="945"/>
             </a:lvl5pPr>
-            <a:lvl6pPr marL="2286000" indent="0">
-              <a:buNone/>
-              <a:defRPr sz="2000"/>
+            <a:lvl6pPr marL="1079906" indent="0">
+              <a:buNone/>
+              <a:defRPr sz="945"/>
             </a:lvl6pPr>
-            <a:lvl7pPr marL="2743200" indent="0">
-              <a:buNone/>
-              <a:defRPr sz="2000"/>
+            <a:lvl7pPr marL="1295888" indent="0">
+              <a:buNone/>
+              <a:defRPr sz="945"/>
             </a:lvl7pPr>
-            <a:lvl8pPr marL="3200400" indent="0">
-              <a:buNone/>
-              <a:defRPr sz="2000"/>
+            <a:lvl8pPr marL="1511869" indent="0">
+              <a:buNone/>
+              <a:defRPr sz="945"/>
             </a:lvl8pPr>
-            <a:lvl9pPr marL="3657600" indent="0">
-              <a:buNone/>
-              <a:defRPr sz="2000"/>
+            <a:lvl9pPr marL="1727850" indent="0">
+              <a:buNone/>
+              <a:defRPr sz="945"/>
             </a:lvl9pPr>
           </a:lstStyle>
           <a:p>
             <a:r>
-              <a:rPr lang="en-US" dirty="0"/>
-              <a:t>Click icon to add picture</a:t>
-            </a:r>
+              <a:rPr lang="nb-NO"/>
+              <a:t>Klikk ikonet for å legge til et bilde</a:t>
+            </a:r>
+            <a:endParaRPr lang="en-US" dirty="0"/>
           </a:p>
         </p:txBody>
       </p:sp>
@@ -2288,8 +2287,8 @@
         </p:nvSpPr>
         <p:spPr>
           <a:xfrm>
-            <a:off x="839788" y="2057400"/>
-            <a:ext cx="3932237" cy="3811588"/>
+            <a:off x="297534" y="972026"/>
+            <a:ext cx="1393180" cy="1800799"/>
           </a:xfrm>
         </p:spPr>
         <p:txBody>
@@ -2297,46 +2296,46 @@
           <a:lstStyle>
             <a:lvl1pPr marL="0" indent="0">
               <a:buNone/>
-              <a:defRPr sz="1600"/>
+              <a:defRPr sz="756"/>
             </a:lvl1pPr>
-            <a:lvl2pPr marL="457200" indent="0">
-              <a:buNone/>
-              <a:defRPr sz="1400"/>
+            <a:lvl2pPr marL="215981" indent="0">
+              <a:buNone/>
+              <a:defRPr sz="661"/>
             </a:lvl2pPr>
-            <a:lvl3pPr marL="914400" indent="0">
-              <a:buNone/>
-              <a:defRPr sz="1200"/>
+            <a:lvl3pPr marL="431963" indent="0">
+              <a:buNone/>
+              <a:defRPr sz="567"/>
             </a:lvl3pPr>
-            <a:lvl4pPr marL="1371600" indent="0">
-              <a:buNone/>
-              <a:defRPr sz="1000"/>
+            <a:lvl4pPr marL="647944" indent="0">
+              <a:buNone/>
+              <a:defRPr sz="472"/>
             </a:lvl4pPr>
-            <a:lvl5pPr marL="1828800" indent="0">
-              <a:buNone/>
-              <a:defRPr sz="1000"/>
+            <a:lvl5pPr marL="863925" indent="0">
+              <a:buNone/>
+              <a:defRPr sz="472"/>
             </a:lvl5pPr>
-            <a:lvl6pPr marL="2286000" indent="0">
-              <a:buNone/>
-              <a:defRPr sz="1000"/>
+            <a:lvl6pPr marL="1079906" indent="0">
+              <a:buNone/>
+              <a:defRPr sz="472"/>
             </a:lvl6pPr>
-            <a:lvl7pPr marL="2743200" indent="0">
-              <a:buNone/>
-              <a:defRPr sz="1000"/>
+            <a:lvl7pPr marL="1295888" indent="0">
+              <a:buNone/>
+              <a:defRPr sz="472"/>
             </a:lvl7pPr>
-            <a:lvl8pPr marL="3200400" indent="0">
-              <a:buNone/>
-              <a:defRPr sz="1000"/>
+            <a:lvl8pPr marL="1511869" indent="0">
+              <a:buNone/>
+              <a:defRPr sz="472"/>
             </a:lvl8pPr>
-            <a:lvl9pPr marL="3657600" indent="0">
-              <a:buNone/>
-              <a:defRPr sz="1000"/>
+            <a:lvl9pPr marL="1727850" indent="0">
+              <a:buNone/>
+              <a:defRPr sz="472"/>
             </a:lvl9pPr>
           </a:lstStyle>
           <a:p>
             <a:pPr lvl="0"/>
             <a:r>
-              <a:rPr lang="en-US"/>
-              <a:t>Click to edit Master text styles</a:t>
+              <a:rPr lang="nb-NO"/>
+              <a:t>Rediger tekststiler i malen</a:t>
             </a:r>
           </a:p>
         </p:txBody>
@@ -2358,7 +2357,7 @@
           <a:p>
             <a:fld id="{28498E41-FF62-4D38-9266-32847B9BE567}" type="datetimeFigureOut">
               <a:rPr lang="nb-NO" smtClean="0"/>
-              <a:t>13.05.2017</a:t>
+              <a:t>18.05.2017</a:t>
             </a:fld>
             <a:endParaRPr lang="nb-NO" dirty="0"/>
           </a:p>
@@ -2409,7 +2408,7 @@
     </p:spTree>
     <p:extLst>
       <p:ext uri="{BB962C8B-B14F-4D97-AF65-F5344CB8AC3E}">
-        <p14:creationId xmlns:p14="http://schemas.microsoft.com/office/powerpoint/2010/main" val="24560633"/>
+        <p14:creationId xmlns:p14="http://schemas.microsoft.com/office/powerpoint/2010/main" val="2397112566"/>
       </p:ext>
     </p:extLst>
   </p:cSld>
@@ -2453,8 +2452,8 @@
         </p:nvSpPr>
         <p:spPr>
           <a:xfrm>
-            <a:off x="838200" y="365125"/>
-            <a:ext cx="10515600" cy="1325563"/>
+            <a:off x="296972" y="172506"/>
+            <a:ext cx="3725645" cy="626267"/>
           </a:xfrm>
           <a:prstGeom prst="rect">
             <a:avLst/>
@@ -2467,8 +2466,8 @@
           <a:lstStyle/>
           <a:p>
             <a:r>
-              <a:rPr lang="en-US"/>
-              <a:t>Click to edit Master title style</a:t>
+              <a:rPr lang="nb-NO"/>
+              <a:t>Klikk for å redigere tittelstil</a:t>
             </a:r>
             <a:endParaRPr lang="en-US" dirty="0"/>
           </a:p>
@@ -2486,8 +2485,8 @@
         </p:nvSpPr>
         <p:spPr>
           <a:xfrm>
-            <a:off x="838200" y="1825625"/>
-            <a:ext cx="10515600" cy="4351338"/>
+            <a:off x="296972" y="862523"/>
+            <a:ext cx="3725645" cy="2055806"/>
           </a:xfrm>
           <a:prstGeom prst="rect">
             <a:avLst/>
@@ -2501,36 +2500,36 @@
           <a:p>
             <a:pPr lvl="0"/>
             <a:r>
-              <a:rPr lang="en-US"/>
-              <a:t>Click to edit Master text styles</a:t>
+              <a:rPr lang="nb-NO"/>
+              <a:t>Rediger tekststiler i malen</a:t>
             </a:r>
           </a:p>
           <a:p>
             <a:pPr lvl="1"/>
             <a:r>
-              <a:rPr lang="en-US"/>
-              <a:t>Second level</a:t>
+              <a:rPr lang="nb-NO"/>
+              <a:t>Andre nivå</a:t>
             </a:r>
           </a:p>
           <a:p>
             <a:pPr lvl="2"/>
             <a:r>
-              <a:rPr lang="en-US"/>
-              <a:t>Third level</a:t>
+              <a:rPr lang="nb-NO"/>
+              <a:t>Tredje nivå</a:t>
             </a:r>
           </a:p>
           <a:p>
             <a:pPr lvl="3"/>
             <a:r>
-              <a:rPr lang="en-US"/>
-              <a:t>Fourth level</a:t>
+              <a:rPr lang="nb-NO"/>
+              <a:t>Fjerde nivå</a:t>
             </a:r>
           </a:p>
           <a:p>
             <a:pPr lvl="4"/>
             <a:r>
-              <a:rPr lang="en-US"/>
-              <a:t>Fifth level</a:t>
+              <a:rPr lang="nb-NO"/>
+              <a:t>Femte nivå</a:t>
             </a:r>
             <a:endParaRPr lang="en-US" dirty="0"/>
           </a:p>
@@ -2548,8 +2547,8 @@
         </p:nvSpPr>
         <p:spPr>
           <a:xfrm>
-            <a:off x="838200" y="6356350"/>
-            <a:ext cx="2743200" cy="365125"/>
+            <a:off x="296972" y="3003082"/>
+            <a:ext cx="971907" cy="172505"/>
           </a:xfrm>
           <a:prstGeom prst="rect">
             <a:avLst/>
@@ -2559,7 +2558,7 @@
           <a:bodyPr vert="horz" lIns="91440" tIns="45720" rIns="91440" bIns="45720" rtlCol="0" anchor="ctr"/>
           <a:lstStyle>
             <a:lvl1pPr algn="l">
-              <a:defRPr sz="1200">
+              <a:defRPr sz="567">
                 <a:solidFill>
                   <a:schemeClr val="tx1">
                     <a:tint val="75000"/>
@@ -2571,7 +2570,7 @@
           <a:p>
             <a:fld id="{28498E41-FF62-4D38-9266-32847B9BE567}" type="datetimeFigureOut">
               <a:rPr lang="nb-NO" smtClean="0"/>
-              <a:t>13.05.2017</a:t>
+              <a:t>18.05.2017</a:t>
             </a:fld>
             <a:endParaRPr lang="nb-NO" dirty="0"/>
           </a:p>
@@ -2589,8 +2588,8 @@
         </p:nvSpPr>
         <p:spPr>
           <a:xfrm>
-            <a:off x="4038600" y="6356350"/>
-            <a:ext cx="4114800" cy="365125"/>
+            <a:off x="1430864" y="3003082"/>
+            <a:ext cx="1457861" cy="172505"/>
           </a:xfrm>
           <a:prstGeom prst="rect">
             <a:avLst/>
@@ -2600,7 +2599,7 @@
           <a:bodyPr vert="horz" lIns="91440" tIns="45720" rIns="91440" bIns="45720" rtlCol="0" anchor="ctr"/>
           <a:lstStyle>
             <a:lvl1pPr algn="ctr">
-              <a:defRPr sz="1200">
+              <a:defRPr sz="567">
                 <a:solidFill>
                   <a:schemeClr val="tx1">
                     <a:tint val="75000"/>
@@ -2626,8 +2625,8 @@
         </p:nvSpPr>
         <p:spPr>
           <a:xfrm>
-            <a:off x="8610600" y="6356350"/>
-            <a:ext cx="2743200" cy="365125"/>
+            <a:off x="3050709" y="3003082"/>
+            <a:ext cx="971907" cy="172505"/>
           </a:xfrm>
           <a:prstGeom prst="rect">
             <a:avLst/>
@@ -2637,7 +2636,7 @@
           <a:bodyPr vert="horz" lIns="91440" tIns="45720" rIns="91440" bIns="45720" rtlCol="0" anchor="ctr"/>
           <a:lstStyle>
             <a:lvl1pPr algn="r">
-              <a:defRPr sz="1200">
+              <a:defRPr sz="567">
                 <a:solidFill>
                   <a:schemeClr val="tx1">
                     <a:tint val="75000"/>
@@ -2658,27 +2657,27 @@
     </p:spTree>
     <p:extLst>
       <p:ext uri="{BB962C8B-B14F-4D97-AF65-F5344CB8AC3E}">
-        <p14:creationId xmlns:p14="http://schemas.microsoft.com/office/powerpoint/2010/main" val="3013723199"/>
+        <p14:creationId xmlns:p14="http://schemas.microsoft.com/office/powerpoint/2010/main" val="2146164725"/>
       </p:ext>
     </p:extLst>
   </p:cSld>
   <p:clrMap bg1="lt1" tx1="dk1" bg2="lt2" tx2="dk2" accent1="accent1" accent2="accent2" accent3="accent3" accent4="accent4" accent5="accent5" accent6="accent6" hlink="hlink" folHlink="folHlink"/>
   <p:sldLayoutIdLst>
-    <p:sldLayoutId id="2147483673" r:id="rId1"/>
-    <p:sldLayoutId id="2147483674" r:id="rId2"/>
-    <p:sldLayoutId id="2147483675" r:id="rId3"/>
-    <p:sldLayoutId id="2147483676" r:id="rId4"/>
-    <p:sldLayoutId id="2147483677" r:id="rId5"/>
-    <p:sldLayoutId id="2147483678" r:id="rId6"/>
-    <p:sldLayoutId id="2147483679" r:id="rId7"/>
-    <p:sldLayoutId id="2147483680" r:id="rId8"/>
-    <p:sldLayoutId id="2147483681" r:id="rId9"/>
-    <p:sldLayoutId id="2147483682" r:id="rId10"/>
-    <p:sldLayoutId id="2147483683" r:id="rId11"/>
+    <p:sldLayoutId id="2147483697" r:id="rId1"/>
+    <p:sldLayoutId id="2147483698" r:id="rId2"/>
+    <p:sldLayoutId id="2147483699" r:id="rId3"/>
+    <p:sldLayoutId id="2147483700" r:id="rId4"/>
+    <p:sldLayoutId id="2147483701" r:id="rId5"/>
+    <p:sldLayoutId id="2147483702" r:id="rId6"/>
+    <p:sldLayoutId id="2147483703" r:id="rId7"/>
+    <p:sldLayoutId id="2147483704" r:id="rId8"/>
+    <p:sldLayoutId id="2147483705" r:id="rId9"/>
+    <p:sldLayoutId id="2147483706" r:id="rId10"/>
+    <p:sldLayoutId id="2147483707" r:id="rId11"/>
   </p:sldLayoutIdLst>
   <p:txStyles>
     <p:titleStyle>
-      <a:lvl1pPr algn="l" defTabSz="914400" rtl="0" eaLnBrk="1" latinLnBrk="0" hangingPunct="1">
+      <a:lvl1pPr algn="l" defTabSz="431963" rtl="0" eaLnBrk="1" latinLnBrk="0" hangingPunct="1">
         <a:lnSpc>
           <a:spcPct val="90000"/>
         </a:lnSpc>
@@ -2686,7 +2685,7 @@
           <a:spcPct val="0"/>
         </a:spcBef>
         <a:buNone/>
-        <a:defRPr sz="4400" kern="1200">
+        <a:defRPr sz="2079" kern="1200">
           <a:solidFill>
             <a:schemeClr val="tx1"/>
           </a:solidFill>
@@ -2697,16 +2696,16 @@
       </a:lvl1pPr>
     </p:titleStyle>
     <p:bodyStyle>
-      <a:lvl1pPr marL="228600" indent="-228600" algn="l" defTabSz="914400" rtl="0" eaLnBrk="1" latinLnBrk="0" hangingPunct="1">
+      <a:lvl1pPr marL="107991" indent="-107991" algn="l" defTabSz="431963" rtl="0" eaLnBrk="1" latinLnBrk="0" hangingPunct="1">
         <a:lnSpc>
           <a:spcPct val="90000"/>
         </a:lnSpc>
         <a:spcBef>
-          <a:spcPts val="1000"/>
+          <a:spcPts val="472"/>
         </a:spcBef>
         <a:buFont typeface="Arial" panose="020B0604020202020204" pitchFamily="34" charset="0"/>
         <a:buChar char="•"/>
-        <a:defRPr sz="2800" kern="1200">
+        <a:defRPr sz="1323" kern="1200">
           <a:solidFill>
             <a:schemeClr val="tx1"/>
           </a:solidFill>
@@ -2715,16 +2714,16 @@
           <a:cs typeface="+mn-cs"/>
         </a:defRPr>
       </a:lvl1pPr>
-      <a:lvl2pPr marL="685800" indent="-228600" algn="l" defTabSz="914400" rtl="0" eaLnBrk="1" latinLnBrk="0" hangingPunct="1">
+      <a:lvl2pPr marL="323972" indent="-107991" algn="l" defTabSz="431963" rtl="0" eaLnBrk="1" latinLnBrk="0" hangingPunct="1">
         <a:lnSpc>
           <a:spcPct val="90000"/>
         </a:lnSpc>
         <a:spcBef>
-          <a:spcPts val="500"/>
+          <a:spcPts val="236"/>
         </a:spcBef>
         <a:buFont typeface="Arial" panose="020B0604020202020204" pitchFamily="34" charset="0"/>
         <a:buChar char="•"/>
-        <a:defRPr sz="2400" kern="1200">
+        <a:defRPr sz="1134" kern="1200">
           <a:solidFill>
             <a:schemeClr val="tx1"/>
           </a:solidFill>
@@ -2733,16 +2732,16 @@
           <a:cs typeface="+mn-cs"/>
         </a:defRPr>
       </a:lvl2pPr>
-      <a:lvl3pPr marL="1143000" indent="-228600" algn="l" defTabSz="914400" rtl="0" eaLnBrk="1" latinLnBrk="0" hangingPunct="1">
+      <a:lvl3pPr marL="539953" indent="-107991" algn="l" defTabSz="431963" rtl="0" eaLnBrk="1" latinLnBrk="0" hangingPunct="1">
         <a:lnSpc>
           <a:spcPct val="90000"/>
         </a:lnSpc>
         <a:spcBef>
-          <a:spcPts val="500"/>
+          <a:spcPts val="236"/>
         </a:spcBef>
         <a:buFont typeface="Arial" panose="020B0604020202020204" pitchFamily="34" charset="0"/>
         <a:buChar char="•"/>
-        <a:defRPr sz="2000" kern="1200">
+        <a:defRPr sz="945" kern="1200">
           <a:solidFill>
             <a:schemeClr val="tx1"/>
           </a:solidFill>
@@ -2751,16 +2750,16 @@
           <a:cs typeface="+mn-cs"/>
         </a:defRPr>
       </a:lvl3pPr>
-      <a:lvl4pPr marL="1600200" indent="-228600" algn="l" defTabSz="914400" rtl="0" eaLnBrk="1" latinLnBrk="0" hangingPunct="1">
+      <a:lvl4pPr marL="755934" indent="-107991" algn="l" defTabSz="431963" rtl="0" eaLnBrk="1" latinLnBrk="0" hangingPunct="1">
         <a:lnSpc>
           <a:spcPct val="90000"/>
         </a:lnSpc>
         <a:spcBef>
-          <a:spcPts val="500"/>
+          <a:spcPts val="236"/>
         </a:spcBef>
         <a:buFont typeface="Arial" panose="020B0604020202020204" pitchFamily="34" charset="0"/>
         <a:buChar char="•"/>
-        <a:defRPr sz="1800" kern="1200">
+        <a:defRPr sz="850" kern="1200">
           <a:solidFill>
             <a:schemeClr val="tx1"/>
           </a:solidFill>
@@ -2769,16 +2768,16 @@
           <a:cs typeface="+mn-cs"/>
         </a:defRPr>
       </a:lvl4pPr>
-      <a:lvl5pPr marL="2057400" indent="-228600" algn="l" defTabSz="914400" rtl="0" eaLnBrk="1" latinLnBrk="0" hangingPunct="1">
+      <a:lvl5pPr marL="971916" indent="-107991" algn="l" defTabSz="431963" rtl="0" eaLnBrk="1" latinLnBrk="0" hangingPunct="1">
         <a:lnSpc>
           <a:spcPct val="90000"/>
         </a:lnSpc>
         <a:spcBef>
-          <a:spcPts val="500"/>
+          <a:spcPts val="236"/>
         </a:spcBef>
         <a:buFont typeface="Arial" panose="020B0604020202020204" pitchFamily="34" charset="0"/>
         <a:buChar char="•"/>
-        <a:defRPr sz="1800" kern="1200">
+        <a:defRPr sz="850" kern="1200">
           <a:solidFill>
             <a:schemeClr val="tx1"/>
           </a:solidFill>
@@ -2787,16 +2786,16 @@
           <a:cs typeface="+mn-cs"/>
         </a:defRPr>
       </a:lvl5pPr>
-      <a:lvl6pPr marL="2514600" indent="-228600" algn="l" defTabSz="914400" rtl="0" eaLnBrk="1" latinLnBrk="0" hangingPunct="1">
+      <a:lvl6pPr marL="1187897" indent="-107991" algn="l" defTabSz="431963" rtl="0" eaLnBrk="1" latinLnBrk="0" hangingPunct="1">
         <a:lnSpc>
           <a:spcPct val="90000"/>
         </a:lnSpc>
         <a:spcBef>
-          <a:spcPts val="500"/>
+          <a:spcPts val="236"/>
         </a:spcBef>
         <a:buFont typeface="Arial" panose="020B0604020202020204" pitchFamily="34" charset="0"/>
         <a:buChar char="•"/>
-        <a:defRPr sz="1800" kern="1200">
+        <a:defRPr sz="850" kern="1200">
           <a:solidFill>
             <a:schemeClr val="tx1"/>
           </a:solidFill>
@@ -2805,16 +2804,16 @@
           <a:cs typeface="+mn-cs"/>
         </a:defRPr>
       </a:lvl6pPr>
-      <a:lvl7pPr marL="2971800" indent="-228600" algn="l" defTabSz="914400" rtl="0" eaLnBrk="1" latinLnBrk="0" hangingPunct="1">
+      <a:lvl7pPr marL="1403878" indent="-107991" algn="l" defTabSz="431963" rtl="0" eaLnBrk="1" latinLnBrk="0" hangingPunct="1">
         <a:lnSpc>
           <a:spcPct val="90000"/>
         </a:lnSpc>
         <a:spcBef>
-          <a:spcPts val="500"/>
+          <a:spcPts val="236"/>
         </a:spcBef>
         <a:buFont typeface="Arial" panose="020B0604020202020204" pitchFamily="34" charset="0"/>
         <a:buChar char="•"/>
-        <a:defRPr sz="1800" kern="1200">
+        <a:defRPr sz="850" kern="1200">
           <a:solidFill>
             <a:schemeClr val="tx1"/>
           </a:solidFill>
@@ -2823,16 +2822,16 @@
           <a:cs typeface="+mn-cs"/>
         </a:defRPr>
       </a:lvl7pPr>
-      <a:lvl8pPr marL="3429000" indent="-228600" algn="l" defTabSz="914400" rtl="0" eaLnBrk="1" latinLnBrk="0" hangingPunct="1">
+      <a:lvl8pPr marL="1619860" indent="-107991" algn="l" defTabSz="431963" rtl="0" eaLnBrk="1" latinLnBrk="0" hangingPunct="1">
         <a:lnSpc>
           <a:spcPct val="90000"/>
         </a:lnSpc>
         <a:spcBef>
-          <a:spcPts val="500"/>
+          <a:spcPts val="236"/>
         </a:spcBef>
         <a:buFont typeface="Arial" panose="020B0604020202020204" pitchFamily="34" charset="0"/>
         <a:buChar char="•"/>
-        <a:defRPr sz="1800" kern="1200">
+        <a:defRPr sz="850" kern="1200">
           <a:solidFill>
             <a:schemeClr val="tx1"/>
           </a:solidFill>
@@ -2841,16 +2840,16 @@
           <a:cs typeface="+mn-cs"/>
         </a:defRPr>
       </a:lvl8pPr>
-      <a:lvl9pPr marL="3886200" indent="-228600" algn="l" defTabSz="914400" rtl="0" eaLnBrk="1" latinLnBrk="0" hangingPunct="1">
+      <a:lvl9pPr marL="1835841" indent="-107991" algn="l" defTabSz="431963" rtl="0" eaLnBrk="1" latinLnBrk="0" hangingPunct="1">
         <a:lnSpc>
           <a:spcPct val="90000"/>
         </a:lnSpc>
         <a:spcBef>
-          <a:spcPts val="500"/>
+          <a:spcPts val="236"/>
         </a:spcBef>
         <a:buFont typeface="Arial" panose="020B0604020202020204" pitchFamily="34" charset="0"/>
         <a:buChar char="•"/>
-        <a:defRPr sz="1800" kern="1200">
+        <a:defRPr sz="850" kern="1200">
           <a:solidFill>
             <a:schemeClr val="tx1"/>
           </a:solidFill>
@@ -2864,8 +2863,8 @@
       <a:defPPr>
         <a:defRPr lang="en-US"/>
       </a:defPPr>
-      <a:lvl1pPr marL="0" algn="l" defTabSz="914400" rtl="0" eaLnBrk="1" latinLnBrk="0" hangingPunct="1">
-        <a:defRPr sz="1800" kern="1200">
+      <a:lvl1pPr marL="0" algn="l" defTabSz="431963" rtl="0" eaLnBrk="1" latinLnBrk="0" hangingPunct="1">
+        <a:defRPr sz="850" kern="1200">
           <a:solidFill>
             <a:schemeClr val="tx1"/>
           </a:solidFill>
@@ -2874,8 +2873,8 @@
           <a:cs typeface="+mn-cs"/>
         </a:defRPr>
       </a:lvl1pPr>
-      <a:lvl2pPr marL="457200" algn="l" defTabSz="914400" rtl="0" eaLnBrk="1" latinLnBrk="0" hangingPunct="1">
-        <a:defRPr sz="1800" kern="1200">
+      <a:lvl2pPr marL="215981" algn="l" defTabSz="431963" rtl="0" eaLnBrk="1" latinLnBrk="0" hangingPunct="1">
+        <a:defRPr sz="850" kern="1200">
           <a:solidFill>
             <a:schemeClr val="tx1"/>
           </a:solidFill>
@@ -2884,8 +2883,8 @@
           <a:cs typeface="+mn-cs"/>
         </a:defRPr>
       </a:lvl2pPr>
-      <a:lvl3pPr marL="914400" algn="l" defTabSz="914400" rtl="0" eaLnBrk="1" latinLnBrk="0" hangingPunct="1">
-        <a:defRPr sz="1800" kern="1200">
+      <a:lvl3pPr marL="431963" algn="l" defTabSz="431963" rtl="0" eaLnBrk="1" latinLnBrk="0" hangingPunct="1">
+        <a:defRPr sz="850" kern="1200">
           <a:solidFill>
             <a:schemeClr val="tx1"/>
           </a:solidFill>
@@ -2894,8 +2893,8 @@
           <a:cs typeface="+mn-cs"/>
         </a:defRPr>
       </a:lvl3pPr>
-      <a:lvl4pPr marL="1371600" algn="l" defTabSz="914400" rtl="0" eaLnBrk="1" latinLnBrk="0" hangingPunct="1">
-        <a:defRPr sz="1800" kern="1200">
+      <a:lvl4pPr marL="647944" algn="l" defTabSz="431963" rtl="0" eaLnBrk="1" latinLnBrk="0" hangingPunct="1">
+        <a:defRPr sz="850" kern="1200">
           <a:solidFill>
             <a:schemeClr val="tx1"/>
           </a:solidFill>
@@ -2904,8 +2903,8 @@
           <a:cs typeface="+mn-cs"/>
         </a:defRPr>
       </a:lvl4pPr>
-      <a:lvl5pPr marL="1828800" algn="l" defTabSz="914400" rtl="0" eaLnBrk="1" latinLnBrk="0" hangingPunct="1">
-        <a:defRPr sz="1800" kern="1200">
+      <a:lvl5pPr marL="863925" algn="l" defTabSz="431963" rtl="0" eaLnBrk="1" latinLnBrk="0" hangingPunct="1">
+        <a:defRPr sz="850" kern="1200">
           <a:solidFill>
             <a:schemeClr val="tx1"/>
           </a:solidFill>
@@ -2914,8 +2913,8 @@
           <a:cs typeface="+mn-cs"/>
         </a:defRPr>
       </a:lvl5pPr>
-      <a:lvl6pPr marL="2286000" algn="l" defTabSz="914400" rtl="0" eaLnBrk="1" latinLnBrk="0" hangingPunct="1">
-        <a:defRPr sz="1800" kern="1200">
+      <a:lvl6pPr marL="1079906" algn="l" defTabSz="431963" rtl="0" eaLnBrk="1" latinLnBrk="0" hangingPunct="1">
+        <a:defRPr sz="850" kern="1200">
           <a:solidFill>
             <a:schemeClr val="tx1"/>
           </a:solidFill>
@@ -2924,8 +2923,8 @@
           <a:cs typeface="+mn-cs"/>
         </a:defRPr>
       </a:lvl6pPr>
-      <a:lvl7pPr marL="2743200" algn="l" defTabSz="914400" rtl="0" eaLnBrk="1" latinLnBrk="0" hangingPunct="1">
-        <a:defRPr sz="1800" kern="1200">
+      <a:lvl7pPr marL="1295888" algn="l" defTabSz="431963" rtl="0" eaLnBrk="1" latinLnBrk="0" hangingPunct="1">
+        <a:defRPr sz="850" kern="1200">
           <a:solidFill>
             <a:schemeClr val="tx1"/>
           </a:solidFill>
@@ -2934,8 +2933,8 @@
           <a:cs typeface="+mn-cs"/>
         </a:defRPr>
       </a:lvl7pPr>
-      <a:lvl8pPr marL="3200400" algn="l" defTabSz="914400" rtl="0" eaLnBrk="1" latinLnBrk="0" hangingPunct="1">
-        <a:defRPr sz="1800" kern="1200">
+      <a:lvl8pPr marL="1511869" algn="l" defTabSz="431963" rtl="0" eaLnBrk="1" latinLnBrk="0" hangingPunct="1">
+        <a:defRPr sz="850" kern="1200">
           <a:solidFill>
             <a:schemeClr val="tx1"/>
           </a:solidFill>
@@ -2944,8 +2943,8 @@
           <a:cs typeface="+mn-cs"/>
         </a:defRPr>
       </a:lvl8pPr>
-      <a:lvl9pPr marL="3657600" algn="l" defTabSz="914400" rtl="0" eaLnBrk="1" latinLnBrk="0" hangingPunct="1">
-        <a:defRPr sz="1800" kern="1200">
+      <a:lvl9pPr marL="1727850" algn="l" defTabSz="431963" rtl="0" eaLnBrk="1" latinLnBrk="0" hangingPunct="1">
+        <a:defRPr sz="850" kern="1200">
           <a:solidFill>
             <a:schemeClr val="tx1"/>
           </a:solidFill>
@@ -2984,14 +2983,14 @@
         </p:nvSpPr>
         <p:spPr>
           <a:xfrm>
-            <a:off x="199901" y="2660050"/>
-            <a:ext cx="2265540" cy="1490366"/>
+            <a:off x="76205" y="839133"/>
+            <a:ext cx="1012509" cy="528032"/>
           </a:xfrm>
           <a:prstGeom prst="roundRect">
             <a:avLst/>
           </a:prstGeom>
           <a:noFill/>
-          <a:ln w="19050">
+          <a:ln w="12700">
             <a:solidFill>
               <a:schemeClr val="tx1"/>
             </a:solidFill>
@@ -3019,7 +3018,7 @@
           <a:p>
             <a:pPr algn="ctr"/>
             <a:r>
-              <a:rPr lang="en-US" sz="2400" dirty="0">
+              <a:rPr lang="en-US" sz="1000" dirty="0">
                 <a:solidFill>
                   <a:schemeClr val="tx1"/>
                 </a:solidFill>
@@ -3037,14 +3036,14 @@
         </p:nvSpPr>
         <p:spPr>
           <a:xfrm>
-            <a:off x="5554811" y="5057344"/>
-            <a:ext cx="1864800" cy="1490366"/>
+            <a:off x="1913061" y="1690207"/>
+            <a:ext cx="1413786" cy="528032"/>
           </a:xfrm>
           <a:prstGeom prst="roundRect">
             <a:avLst/>
           </a:prstGeom>
           <a:noFill/>
-          <a:ln w="19050">
+          <a:ln w="12700">
             <a:solidFill>
               <a:schemeClr val="tx1"/>
             </a:solidFill>
@@ -3072,12 +3071,12 @@
           <a:p>
             <a:pPr algn="ctr"/>
             <a:r>
-              <a:rPr lang="en-US" sz="2400" dirty="0">
+              <a:rPr lang="en-US" sz="1000" dirty="0">
                 <a:solidFill>
                   <a:schemeClr val="tx1"/>
                 </a:solidFill>
               </a:rPr>
-              <a:t>Gate and create new hypotheses</a:t>
+              <a:t>Gate, filter, score and create new nodes</a:t>
             </a:r>
           </a:p>
         </p:txBody>
@@ -3090,14 +3089,14 @@
         </p:nvSpPr>
         <p:spPr>
           <a:xfrm>
-            <a:off x="5553061" y="2660050"/>
-            <a:ext cx="1864800" cy="1490400"/>
+            <a:off x="1505121" y="831002"/>
+            <a:ext cx="866963" cy="528044"/>
           </a:xfrm>
           <a:prstGeom prst="roundRect">
             <a:avLst/>
           </a:prstGeom>
           <a:noFill/>
-          <a:ln w="25400" cap="sq" cmpd="sng">
+          <a:ln w="12700" cap="sq" cmpd="sng">
             <a:solidFill>
               <a:schemeClr val="tx1"/>
             </a:solidFill>
@@ -3127,7 +3126,7 @@
           <a:p>
             <a:pPr algn="ctr"/>
             <a:r>
-              <a:rPr lang="en-US" sz="2400" dirty="0">
+              <a:rPr lang="en-US" sz="1000" dirty="0">
                 <a:solidFill>
                   <a:schemeClr val="tx1"/>
                 </a:solidFill>
@@ -3139,20 +3138,20 @@
       </p:sp>
       <p:sp>
         <p:nvSpPr>
-          <p:cNvPr id="10" name="Rounded Rectangle 9"/>
+          <p:cNvPr id="11" name="Rounded Rectangle 10"/>
           <p:cNvSpPr/>
           <p:nvPr/>
         </p:nvSpPr>
         <p:spPr>
           <a:xfrm>
-            <a:off x="7710615" y="5057344"/>
-            <a:ext cx="1864800" cy="1490366"/>
+            <a:off x="938982" y="1698124"/>
+            <a:ext cx="812885" cy="519036"/>
           </a:xfrm>
           <a:prstGeom prst="roundRect">
             <a:avLst/>
           </a:prstGeom>
           <a:noFill/>
-          <a:ln w="19050">
+          <a:ln w="12700">
             <a:solidFill>
               <a:schemeClr val="tx1"/>
             </a:solidFill>
@@ -3180,32 +3179,32 @@
           <a:p>
             <a:pPr algn="ctr"/>
             <a:r>
-              <a:rPr lang="en-US" sz="2400" dirty="0">
+              <a:rPr lang="en-US" sz="1000" dirty="0">
                 <a:solidFill>
                   <a:schemeClr val="tx1"/>
                 </a:solidFill>
               </a:rPr>
-              <a:t>Score hypotheses</a:t>
-            </a:r>
-          </a:p>
-        </p:txBody>
-      </p:sp>
-      <p:sp>
-        <p:nvSpPr>
-          <p:cNvPr id="11" name="Rounded Rectangle 10"/>
+              <a:t>Predict state –&gt; Radar time</a:t>
+            </a:r>
+          </a:p>
+        </p:txBody>
+      </p:sp>
+      <p:sp>
+        <p:nvSpPr>
+          <p:cNvPr id="12" name="Rounded Rectangle 11"/>
           <p:cNvSpPr/>
           <p:nvPr/>
         </p:nvSpPr>
         <p:spPr>
           <a:xfrm>
-            <a:off x="3397841" y="5057344"/>
-            <a:ext cx="1864800" cy="1490366"/>
+            <a:off x="3423125" y="29047"/>
+            <a:ext cx="876232" cy="528032"/>
           </a:xfrm>
           <a:prstGeom prst="roundRect">
             <a:avLst/>
           </a:prstGeom>
           <a:noFill/>
-          <a:ln w="19050">
+          <a:ln w="12700">
             <a:solidFill>
               <a:schemeClr val="tx1"/>
             </a:solidFill>
@@ -3233,60 +3232,7 @@
           <a:p>
             <a:pPr algn="ctr"/>
             <a:r>
-              <a:rPr lang="en-US" sz="2400" dirty="0">
-                <a:solidFill>
-                  <a:schemeClr val="tx1"/>
-                </a:solidFill>
-              </a:rPr>
-              <a:t>Predict target positions</a:t>
-            </a:r>
-          </a:p>
-        </p:txBody>
-      </p:sp>
-      <p:sp>
-        <p:nvSpPr>
-          <p:cNvPr id="12" name="Rounded Rectangle 11"/>
-          <p:cNvSpPr/>
-          <p:nvPr/>
-        </p:nvSpPr>
-        <p:spPr>
-          <a:xfrm>
-            <a:off x="9866419" y="262826"/>
-            <a:ext cx="1863632" cy="1490366"/>
-          </a:xfrm>
-          <a:prstGeom prst="roundRect">
-            <a:avLst/>
-          </a:prstGeom>
-          <a:noFill/>
-          <a:ln w="19050">
-            <a:solidFill>
-              <a:schemeClr val="tx1"/>
-            </a:solidFill>
-          </a:ln>
-        </p:spPr>
-        <p:style>
-          <a:lnRef idx="2">
-            <a:schemeClr val="dk1">
-              <a:shade val="50000"/>
-            </a:schemeClr>
-          </a:lnRef>
-          <a:fillRef idx="1">
-            <a:schemeClr val="dk1"/>
-          </a:fillRef>
-          <a:effectRef idx="0">
-            <a:schemeClr val="dk1"/>
-          </a:effectRef>
-          <a:fontRef idx="minor">
-            <a:schemeClr val="lt1"/>
-          </a:fontRef>
-        </p:style>
-        <p:txBody>
-          <a:bodyPr rtlCol="0" anchor="ctr"/>
-          <a:lstStyle/>
-          <a:p>
-            <a:pPr algn="ctr"/>
-            <a:r>
-              <a:rPr lang="en-US" sz="2400" dirty="0">
+              <a:rPr lang="en-US" sz="1000" dirty="0">
                 <a:solidFill>
                   <a:schemeClr val="tx1"/>
                 </a:solidFill>
@@ -3297,7 +3243,7 @@
           <a:p>
             <a:pPr algn="ctr"/>
             <a:r>
-              <a:rPr lang="en-US" sz="2400" dirty="0">
+              <a:rPr lang="en-US" sz="1000" dirty="0">
                 <a:solidFill>
                   <a:schemeClr val="tx1"/>
                 </a:solidFill>
@@ -3307,43 +3253,6 @@
           </a:p>
         </p:txBody>
       </p:sp>
-      <p:cxnSp>
-        <p:nvCxnSpPr>
-          <p:cNvPr id="29" name="Curved Connector 28"/>
-          <p:cNvCxnSpPr>
-            <a:cxnSpLocks/>
-            <a:stCxn id="10" idx="3"/>
-            <a:endCxn id="23" idx="1"/>
-          </p:cNvCxnSpPr>
-          <p:nvPr/>
-        </p:nvCxnSpPr>
-        <p:spPr>
-          <a:xfrm>
-            <a:off x="9575415" y="5802527"/>
-            <a:ext cx="291004" cy="0"/>
-          </a:xfrm>
-          <a:prstGeom prst="straightConnector1">
-            <a:avLst/>
-          </a:prstGeom>
-          <a:ln>
-            <a:tailEnd type="triangle"/>
-          </a:ln>
-        </p:spPr>
-        <p:style>
-          <a:lnRef idx="1">
-            <a:schemeClr val="dk1"/>
-          </a:lnRef>
-          <a:fillRef idx="0">
-            <a:schemeClr val="dk1"/>
-          </a:fillRef>
-          <a:effectRef idx="0">
-            <a:schemeClr val="dk1"/>
-          </a:effectRef>
-          <a:fontRef idx="minor">
-            <a:schemeClr val="tx1"/>
-          </a:fontRef>
-        </p:style>
-      </p:cxnSp>
       <p:cxnSp>
         <p:nvCxnSpPr>
           <p:cNvPr id="37" name="Curved Connector 36"/>
@@ -3355,9 +3264,9 @@
           <p:nvPr/>
         </p:nvCxnSpPr>
         <p:spPr>
-          <a:xfrm>
-            <a:off x="5262641" y="5802527"/>
-            <a:ext cx="292170" cy="0"/>
+          <a:xfrm flipV="1">
+            <a:off x="1751867" y="1954223"/>
+            <a:ext cx="161194" cy="3419"/>
           </a:xfrm>
           <a:prstGeom prst="straightConnector1">
             <a:avLst/>
@@ -3393,8 +3302,8 @@
         </p:nvCxnSpPr>
         <p:spPr>
           <a:xfrm rot="16200000" flipH="1">
-            <a:off x="1539201" y="3943886"/>
-            <a:ext cx="1652111" cy="2065170"/>
+            <a:off x="465483" y="1484142"/>
+            <a:ext cx="590477" cy="356522"/>
           </a:xfrm>
           <a:prstGeom prst="bentConnector2">
             <a:avLst/>
@@ -3424,14 +3333,14 @@
           <p:cNvCxnSpPr>
             <a:cxnSpLocks/>
             <a:stCxn id="8" idx="3"/>
-            <a:endCxn id="10" idx="1"/>
+            <a:endCxn id="23" idx="1"/>
           </p:cNvCxnSpPr>
           <p:nvPr/>
         </p:nvCxnSpPr>
         <p:spPr>
-          <a:xfrm>
-            <a:off x="7419611" y="5802527"/>
-            <a:ext cx="291004" cy="0"/>
+          <a:xfrm flipV="1">
+            <a:off x="3326847" y="1938149"/>
+            <a:ext cx="96278" cy="16074"/>
           </a:xfrm>
           <a:prstGeom prst="straightConnector1">
             <a:avLst/>
@@ -3463,14 +3372,14 @@
         </p:nvSpPr>
         <p:spPr>
           <a:xfrm>
-            <a:off x="9866419" y="2660084"/>
-            <a:ext cx="1863632" cy="1490366"/>
+            <a:off x="3423125" y="834668"/>
+            <a:ext cx="876232" cy="528032"/>
           </a:xfrm>
           <a:prstGeom prst="roundRect">
             <a:avLst/>
           </a:prstGeom>
           <a:noFill/>
-          <a:ln w="19050">
+          <a:ln w="12700">
             <a:solidFill>
               <a:schemeClr val="tx1"/>
             </a:solidFill>
@@ -3499,7 +3408,7 @@
           <a:p>
             <a:pPr algn="ctr"/>
             <a:r>
-              <a:rPr lang="en-US" sz="2400" dirty="0">
+              <a:rPr lang="en-US" sz="1000" dirty="0">
                 <a:solidFill>
                   <a:schemeClr val="tx1"/>
                 </a:solidFill>
@@ -3521,8 +3430,8 @@
         </p:nvCxnSpPr>
         <p:spPr>
           <a:xfrm flipV="1">
-            <a:off x="10798235" y="1753192"/>
-            <a:ext cx="0" cy="906892"/>
+            <a:off x="3861241" y="557080"/>
+            <a:ext cx="0" cy="277589"/>
           </a:xfrm>
           <a:prstGeom prst="straightConnector1">
             <a:avLst/>
@@ -3554,14 +3463,14 @@
         </p:nvSpPr>
         <p:spPr>
           <a:xfrm>
-            <a:off x="9866419" y="5057344"/>
-            <a:ext cx="1863632" cy="1490366"/>
+            <a:off x="3423125" y="1674133"/>
+            <a:ext cx="876232" cy="528032"/>
           </a:xfrm>
           <a:prstGeom prst="roundRect">
             <a:avLst/>
           </a:prstGeom>
           <a:noFill/>
-          <a:ln w="19050">
+          <a:ln w="12700">
             <a:solidFill>
               <a:schemeClr val="tx1"/>
             </a:solidFill>
@@ -3589,7 +3498,7 @@
           <a:p>
             <a:pPr algn="ctr"/>
             <a:r>
-              <a:rPr lang="en-US" sz="2400" dirty="0">
+              <a:rPr lang="en-US" sz="1000" dirty="0">
                 <a:solidFill>
                   <a:schemeClr val="tx1"/>
                 </a:solidFill>
@@ -3611,8 +3520,8 @@
         </p:nvCxnSpPr>
         <p:spPr>
           <a:xfrm flipV="1">
-            <a:off x="10798235" y="4150450"/>
-            <a:ext cx="0" cy="906894"/>
+            <a:off x="3861241" y="1362701"/>
+            <a:ext cx="0" cy="311433"/>
           </a:xfrm>
           <a:prstGeom prst="straightConnector1">
             <a:avLst/>
@@ -3644,14 +3553,14 @@
         </p:nvSpPr>
         <p:spPr>
           <a:xfrm>
-            <a:off x="7710032" y="2660084"/>
-            <a:ext cx="1864800" cy="1490366"/>
+            <a:off x="2491417" y="805517"/>
+            <a:ext cx="834790" cy="528032"/>
           </a:xfrm>
           <a:prstGeom prst="roundRect">
             <a:avLst/>
           </a:prstGeom>
           <a:noFill/>
-          <a:ln w="19050">
+          <a:ln w="12700">
             <a:solidFill>
               <a:schemeClr val="tx1"/>
             </a:solidFill>
@@ -3680,7 +3589,7 @@
           <a:p>
             <a:pPr algn="ctr"/>
             <a:r>
-              <a:rPr lang="en-US" sz="2400" dirty="0">
+              <a:rPr lang="en-US" sz="1000" dirty="0">
                 <a:solidFill>
                   <a:schemeClr val="tx1"/>
                 </a:solidFill>
@@ -3702,8 +3611,8 @@
         </p:nvCxnSpPr>
         <p:spPr>
           <a:xfrm flipH="1">
-            <a:off x="7419028" y="1008009"/>
-            <a:ext cx="291587" cy="0"/>
+            <a:off x="2571142" y="293064"/>
+            <a:ext cx="97624" cy="1"/>
           </a:xfrm>
           <a:prstGeom prst="straightConnector1">
             <a:avLst/>
@@ -3735,14 +3644,14 @@
         </p:nvSpPr>
         <p:spPr>
           <a:xfrm>
-            <a:off x="7710615" y="262826"/>
-            <a:ext cx="1864800" cy="1490366"/>
+            <a:off x="2668767" y="29047"/>
+            <a:ext cx="657441" cy="528032"/>
           </a:xfrm>
           <a:prstGeom prst="roundRect">
             <a:avLst/>
           </a:prstGeom>
           <a:noFill/>
-          <a:ln w="19050">
+          <a:ln w="12700">
             <a:solidFill>
               <a:schemeClr val="tx1"/>
             </a:solidFill>
@@ -3770,7 +3679,7 @@
           <a:p>
             <a:pPr algn="ctr"/>
             <a:r>
-              <a:rPr lang="en-US" sz="2400" dirty="0">
+              <a:rPr lang="en-US" sz="1000" dirty="0">
                 <a:solidFill>
                   <a:schemeClr val="tx1"/>
                 </a:solidFill>
@@ -3791,12 +3700,14 @@
           <p:nvPr/>
         </p:nvCxnSpPr>
         <p:spPr>
-          <a:xfrm flipV="1">
-            <a:off x="8642432" y="1753192"/>
-            <a:ext cx="583" cy="906892"/>
-          </a:xfrm>
-          <a:prstGeom prst="straightConnector1">
-            <a:avLst/>
+          <a:xfrm rot="5400000" flipH="1" flipV="1">
+            <a:off x="2828930" y="636962"/>
+            <a:ext cx="248438" cy="88675"/>
+          </a:xfrm>
+          <a:prstGeom prst="curvedConnector3">
+            <a:avLst>
+              <a:gd name="adj1" fmla="val 50000"/>
+            </a:avLst>
           </a:prstGeom>
           <a:ln>
             <a:tailEnd type="triangle"/>
@@ -3829,8 +3740,8 @@
         </p:nvCxnSpPr>
         <p:spPr>
           <a:xfrm flipH="1">
-            <a:off x="9575415" y="1008009"/>
-            <a:ext cx="291004" cy="0"/>
+            <a:off x="3326207" y="293063"/>
+            <a:ext cx="96918" cy="0"/>
           </a:xfrm>
           <a:prstGeom prst="straightConnector1">
             <a:avLst/>
@@ -3862,14 +3773,14 @@
         </p:nvSpPr>
         <p:spPr>
           <a:xfrm>
-            <a:off x="5554228" y="262826"/>
-            <a:ext cx="1864800" cy="1490366"/>
+            <a:off x="1716820" y="29048"/>
+            <a:ext cx="854322" cy="528032"/>
           </a:xfrm>
           <a:prstGeom prst="roundRect">
             <a:avLst/>
           </a:prstGeom>
           <a:noFill/>
-          <a:ln w="19050">
+          <a:ln w="12700">
             <a:solidFill>
               <a:schemeClr val="tx1"/>
             </a:solidFill>
@@ -3897,7 +3808,7 @@
           <a:p>
             <a:pPr algn="ctr"/>
             <a:r>
-              <a:rPr lang="en-US" sz="2400" dirty="0">
+              <a:rPr lang="en-US" sz="1000" dirty="0">
                 <a:solidFill>
                   <a:schemeClr val="tx1"/>
                 </a:solidFill>
@@ -3915,14 +3826,14 @@
         </p:nvSpPr>
         <p:spPr>
           <a:xfrm>
-            <a:off x="3397841" y="262826"/>
-            <a:ext cx="1864800" cy="1490366"/>
+            <a:off x="701905" y="29048"/>
+            <a:ext cx="917339" cy="528032"/>
           </a:xfrm>
           <a:prstGeom prst="roundRect">
             <a:avLst/>
           </a:prstGeom>
           <a:noFill/>
-          <a:ln w="19050">
+          <a:ln w="12700">
             <a:solidFill>
               <a:schemeClr val="tx1"/>
             </a:solidFill>
@@ -3950,7 +3861,7 @@
           <a:p>
             <a:pPr algn="ctr"/>
             <a:r>
-              <a:rPr lang="en-US" sz="2400" dirty="0">
+              <a:rPr lang="en-US" sz="1000" dirty="0">
                 <a:solidFill>
                   <a:schemeClr val="tx1"/>
                 </a:solidFill>
@@ -3972,8 +3883,8 @@
         </p:nvCxnSpPr>
         <p:spPr>
           <a:xfrm rot="10800000" flipV="1">
-            <a:off x="1332671" y="1008008"/>
-            <a:ext cx="2065170" cy="1652041"/>
+            <a:off x="582461" y="293063"/>
+            <a:ext cx="119445" cy="546069"/>
           </a:xfrm>
           <a:prstGeom prst="bentConnector2">
             <a:avLst/>
@@ -4008,12 +3919,14 @@
           <p:nvPr/>
         </p:nvCxnSpPr>
         <p:spPr>
-          <a:xfrm flipH="1" flipV="1">
-            <a:off x="6485461" y="4150450"/>
-            <a:ext cx="1750" cy="906894"/>
-          </a:xfrm>
-          <a:prstGeom prst="straightConnector1">
-            <a:avLst/>
+          <a:xfrm rot="16200000" flipV="1">
+            <a:off x="2113699" y="1183951"/>
+            <a:ext cx="331161" cy="681351"/>
+          </a:xfrm>
+          <a:prstGeom prst="bentConnector3">
+            <a:avLst>
+              <a:gd name="adj1" fmla="val 50000"/>
+            </a:avLst>
           </a:prstGeom>
           <a:ln>
             <a:tailEnd type="triangle"/>
@@ -4039,18 +3952,20 @@
           <p:cNvPr id="119" name="Curved Connector 37"/>
           <p:cNvCxnSpPr>
             <a:cxnSpLocks/>
-            <a:stCxn id="9" idx="1"/>
+            <a:stCxn id="9" idx="0"/>
             <a:endCxn id="54" idx="2"/>
           </p:cNvCxnSpPr>
           <p:nvPr/>
         </p:nvCxnSpPr>
         <p:spPr>
-          <a:xfrm rot="10800000">
-            <a:off x="4330241" y="1753192"/>
-            <a:ext cx="1222820" cy="1652058"/>
-          </a:xfrm>
-          <a:prstGeom prst="bentConnector2">
-            <a:avLst/>
+          <a:xfrm rot="16200000" flipV="1">
+            <a:off x="1412627" y="305027"/>
+            <a:ext cx="273922" cy="778028"/>
+          </a:xfrm>
+          <a:prstGeom prst="bentConnector3">
+            <a:avLst>
+              <a:gd name="adj1" fmla="val 50000"/>
+            </a:avLst>
           </a:prstGeom>
           <a:ln>
             <a:tailEnd type="triangle"/>
@@ -4079,13 +3994,16 @@
         </p:nvSpPr>
         <p:spPr>
           <a:xfrm>
-            <a:off x="6446321" y="4142231"/>
-            <a:ext cx="1380933" cy="523220"/>
+            <a:off x="1475903" y="1319975"/>
+            <a:ext cx="815808" cy="338554"/>
           </a:xfrm>
           <a:prstGeom prst="rect">
             <a:avLst/>
           </a:prstGeom>
           <a:noFill/>
+          <a:ln w="12700">
+            <a:noFill/>
+          </a:ln>
         </p:spPr>
         <p:txBody>
           <a:bodyPr wrap="square" rtlCol="0">
@@ -4094,15 +4012,15 @@
           <a:lstStyle/>
           <a:p>
             <a:r>
-              <a:rPr lang="en-US" sz="1400" dirty="0"/>
+              <a:rPr lang="en-US" sz="800" dirty="0"/>
               <a:t>Unused</a:t>
             </a:r>
             <a:r>
-              <a:rPr lang="nb-NO" sz="1400" dirty="0"/>
+              <a:rPr lang="nb-NO" sz="800" dirty="0"/>
               <a:t> </a:t>
             </a:r>
             <a:r>
-              <a:rPr lang="en-US" sz="1400" dirty="0"/>
+              <a:rPr lang="en-US" sz="800" dirty="0"/>
               <a:t>measurements</a:t>
             </a:r>
           </a:p>
@@ -4120,8 +4038,8 @@
         </p:nvCxnSpPr>
         <p:spPr>
           <a:xfrm rot="5400000" flipH="1" flipV="1">
-            <a:off x="7111374" y="3526287"/>
-            <a:ext cx="906894" cy="2155221"/>
+            <a:off x="2586054" y="1367449"/>
+            <a:ext cx="356658" cy="288858"/>
           </a:xfrm>
           <a:prstGeom prst="curvedConnector3">
             <a:avLst>
@@ -4155,8 +4073,8 @@
         </p:nvSpPr>
         <p:spPr>
           <a:xfrm>
-            <a:off x="8497566" y="4246041"/>
-            <a:ext cx="815178" cy="307777"/>
+            <a:off x="2382858" y="1272149"/>
+            <a:ext cx="650788" cy="215444"/>
           </a:xfrm>
           <a:prstGeom prst="rect">
             <a:avLst/>
@@ -4170,10 +4088,10 @@
           <a:lstStyle/>
           <a:p>
             <a:r>
-              <a:rPr lang="nb-NO" sz="1400" dirty="0"/>
+              <a:rPr lang="nb-NO" sz="800" dirty="0"/>
               <a:t>Time log</a:t>
             </a:r>
-            <a:endParaRPr lang="en-US" sz="1400" dirty="0"/>
+            <a:endParaRPr lang="en-US" sz="800" dirty="0"/>
           </a:p>
         </p:txBody>
       </p:sp>
@@ -4189,8 +4107,8 @@
         </p:nvCxnSpPr>
         <p:spPr>
           <a:xfrm flipH="1">
-            <a:off x="5262641" y="1008009"/>
-            <a:ext cx="291587" cy="0"/>
+            <a:off x="1619244" y="293064"/>
+            <a:ext cx="97577" cy="0"/>
           </a:xfrm>
           <a:prstGeom prst="straightConnector1">
             <a:avLst/>
@@ -4222,8 +4140,8 @@
         </p:nvSpPr>
         <p:spPr>
           <a:xfrm>
-            <a:off x="4316219" y="1921386"/>
-            <a:ext cx="770642" cy="738664"/>
+            <a:off x="1155721" y="507473"/>
+            <a:ext cx="983472" cy="215444"/>
           </a:xfrm>
           <a:prstGeom prst="rect">
             <a:avLst/>
@@ -4237,22 +4155,314 @@
           <a:lstStyle/>
           <a:p>
             <a:r>
-              <a:rPr lang="nb-NO" sz="1400" dirty="0"/>
-              <a:t>New </a:t>
-            </a:r>
-          </a:p>
-          <a:p>
-            <a:r>
-              <a:rPr lang="nb-NO" sz="1400" dirty="0"/>
-              <a:t>initial </a:t>
-            </a:r>
-          </a:p>
-          <a:p>
-            <a:r>
-              <a:rPr lang="nb-NO" sz="1400" dirty="0"/>
-              <a:t>targets</a:t>
-            </a:r>
-            <a:endParaRPr lang="en-US" sz="1400" dirty="0"/>
+              <a:rPr lang="nb-NO" sz="800" dirty="0"/>
+              <a:t>New initial targets</a:t>
+            </a:r>
+            <a:endParaRPr lang="en-US" sz="800" dirty="0"/>
+          </a:p>
+        </p:txBody>
+      </p:sp>
+      <p:sp>
+        <p:nvSpPr>
+          <p:cNvPr id="31" name="Rounded Rectangle 7"/>
+          <p:cNvSpPr/>
+          <p:nvPr/>
+        </p:nvSpPr>
+        <p:spPr>
+          <a:xfrm>
+            <a:off x="1495025" y="2575468"/>
+            <a:ext cx="872967" cy="528032"/>
+          </a:xfrm>
+          <a:prstGeom prst="roundRect">
+            <a:avLst/>
+          </a:prstGeom>
+          <a:noFill/>
+          <a:ln w="12700">
+            <a:solidFill>
+              <a:schemeClr val="tx1"/>
+            </a:solidFill>
+          </a:ln>
+        </p:spPr>
+        <p:style>
+          <a:lnRef idx="2">
+            <a:schemeClr val="dk1">
+              <a:shade val="50000"/>
+            </a:schemeClr>
+          </a:lnRef>
+          <a:fillRef idx="1">
+            <a:schemeClr val="dk1"/>
+          </a:fillRef>
+          <a:effectRef idx="0">
+            <a:schemeClr val="dk1"/>
+          </a:effectRef>
+          <a:fontRef idx="minor">
+            <a:schemeClr val="lt1"/>
+          </a:fontRef>
+        </p:style>
+        <p:txBody>
+          <a:bodyPr rtlCol="0" anchor="ctr"/>
+          <a:lstStyle/>
+          <a:p>
+            <a:pPr algn="ctr"/>
+            <a:r>
+              <a:rPr lang="en-US" sz="1000" dirty="0">
+                <a:solidFill>
+                  <a:schemeClr val="tx1"/>
+                </a:solidFill>
+              </a:rPr>
+              <a:t>Gate, filter and score</a:t>
+            </a:r>
+          </a:p>
+        </p:txBody>
+      </p:sp>
+      <p:sp>
+        <p:nvSpPr>
+          <p:cNvPr id="33" name="Rounded Rectangle 10"/>
+          <p:cNvSpPr/>
+          <p:nvPr/>
+        </p:nvSpPr>
+        <p:spPr>
+          <a:xfrm>
+            <a:off x="526576" y="2579966"/>
+            <a:ext cx="812886" cy="519036"/>
+          </a:xfrm>
+          <a:prstGeom prst="roundRect">
+            <a:avLst/>
+          </a:prstGeom>
+          <a:noFill/>
+          <a:ln w="12700">
+            <a:solidFill>
+              <a:schemeClr val="tx1"/>
+            </a:solidFill>
+          </a:ln>
+        </p:spPr>
+        <p:style>
+          <a:lnRef idx="2">
+            <a:schemeClr val="dk1">
+              <a:shade val="50000"/>
+            </a:schemeClr>
+          </a:lnRef>
+          <a:fillRef idx="1">
+            <a:schemeClr val="dk1"/>
+          </a:fillRef>
+          <a:effectRef idx="0">
+            <a:schemeClr val="dk1"/>
+          </a:effectRef>
+          <a:fontRef idx="minor">
+            <a:schemeClr val="lt1"/>
+          </a:fontRef>
+        </p:style>
+        <p:txBody>
+          <a:bodyPr rtlCol="0" anchor="ctr"/>
+          <a:lstStyle/>
+          <a:p>
+            <a:pPr algn="ctr"/>
+            <a:r>
+              <a:rPr lang="en-US" sz="1000" dirty="0">
+                <a:solidFill>
+                  <a:schemeClr val="tx1"/>
+                </a:solidFill>
+              </a:rPr>
+              <a:t>Predict state –&gt; </a:t>
+            </a:r>
+          </a:p>
+          <a:p>
+            <a:pPr algn="ctr"/>
+            <a:r>
+              <a:rPr lang="en-US" sz="1000">
+                <a:solidFill>
+                  <a:schemeClr val="tx1"/>
+                </a:solidFill>
+              </a:rPr>
+              <a:t>AIS times</a:t>
+            </a:r>
+            <a:endParaRPr lang="en-US" sz="1000" dirty="0">
+              <a:solidFill>
+                <a:schemeClr val="tx1"/>
+              </a:solidFill>
+            </a:endParaRPr>
+          </a:p>
+        </p:txBody>
+      </p:sp>
+      <p:cxnSp>
+        <p:nvCxnSpPr>
+          <p:cNvPr id="39" name="Curved Connector 37"/>
+          <p:cNvCxnSpPr>
+            <a:cxnSpLocks/>
+            <a:stCxn id="4" idx="1"/>
+            <a:endCxn id="33" idx="1"/>
+          </p:cNvCxnSpPr>
+          <p:nvPr/>
+        </p:nvCxnSpPr>
+        <p:spPr>
+          <a:xfrm rot="10800000" flipH="1" flipV="1">
+            <a:off x="76204" y="1103148"/>
+            <a:ext cx="450371" cy="1736335"/>
+          </a:xfrm>
+          <a:prstGeom prst="bentConnector3">
+            <a:avLst>
+              <a:gd name="adj1" fmla="val -7402"/>
+            </a:avLst>
+          </a:prstGeom>
+          <a:ln>
+            <a:tailEnd type="triangle"/>
+          </a:ln>
+        </p:spPr>
+        <p:style>
+          <a:lnRef idx="1">
+            <a:schemeClr val="dk1"/>
+          </a:lnRef>
+          <a:fillRef idx="0">
+            <a:schemeClr val="dk1"/>
+          </a:fillRef>
+          <a:effectRef idx="0">
+            <a:schemeClr val="dk1"/>
+          </a:effectRef>
+          <a:fontRef idx="minor">
+            <a:schemeClr val="tx1"/>
+          </a:fontRef>
+        </p:style>
+      </p:cxnSp>
+      <p:sp>
+        <p:nvSpPr>
+          <p:cNvPr id="47" name="TekstSylinder 46"/>
+          <p:cNvSpPr txBox="1"/>
+          <p:nvPr/>
+        </p:nvSpPr>
+        <p:spPr>
+          <a:xfrm>
+            <a:off x="510089" y="1954223"/>
+            <a:ext cx="445380" cy="215444"/>
+          </a:xfrm>
+          <a:prstGeom prst="rect">
+            <a:avLst/>
+          </a:prstGeom>
+          <a:noFill/>
+          <a:ln w="12700">
+            <a:noFill/>
+          </a:ln>
+        </p:spPr>
+        <p:txBody>
+          <a:bodyPr wrap="square" rtlCol="0">
+            <a:spAutoFit/>
+          </a:bodyPr>
+          <a:lstStyle/>
+          <a:p>
+            <a:r>
+              <a:rPr lang="nb-NO" sz="800" dirty="0"/>
+              <a:t>Radar</a:t>
+            </a:r>
+            <a:endParaRPr lang="en-US" sz="800" dirty="0"/>
+          </a:p>
+        </p:txBody>
+      </p:sp>
+      <p:cxnSp>
+        <p:nvCxnSpPr>
+          <p:cNvPr id="52" name="Curved Connector 36"/>
+          <p:cNvCxnSpPr>
+            <a:cxnSpLocks/>
+            <a:stCxn id="33" idx="3"/>
+            <a:endCxn id="31" idx="1"/>
+          </p:cNvCxnSpPr>
+          <p:nvPr/>
+        </p:nvCxnSpPr>
+        <p:spPr>
+          <a:xfrm>
+            <a:off x="1339462" y="2839484"/>
+            <a:ext cx="155563" cy="0"/>
+          </a:xfrm>
+          <a:prstGeom prst="straightConnector1">
+            <a:avLst/>
+          </a:prstGeom>
+          <a:ln>
+            <a:tailEnd type="triangle"/>
+          </a:ln>
+        </p:spPr>
+        <p:style>
+          <a:lnRef idx="1">
+            <a:schemeClr val="dk1"/>
+          </a:lnRef>
+          <a:fillRef idx="0">
+            <a:schemeClr val="dk1"/>
+          </a:fillRef>
+          <a:effectRef idx="0">
+            <a:schemeClr val="dk1"/>
+          </a:effectRef>
+          <a:fontRef idx="minor">
+            <a:schemeClr val="tx1"/>
+          </a:fontRef>
+        </p:style>
+      </p:cxnSp>
+      <p:cxnSp>
+        <p:nvCxnSpPr>
+          <p:cNvPr id="58" name="Curved Connector 36"/>
+          <p:cNvCxnSpPr>
+            <a:cxnSpLocks/>
+            <a:stCxn id="31" idx="3"/>
+            <a:endCxn id="11" idx="2"/>
+          </p:cNvCxnSpPr>
+          <p:nvPr/>
+        </p:nvCxnSpPr>
+        <p:spPr>
+          <a:xfrm flipH="1" flipV="1">
+            <a:off x="1345425" y="2217160"/>
+            <a:ext cx="1022567" cy="622324"/>
+          </a:xfrm>
+          <a:prstGeom prst="bentConnector4">
+            <a:avLst>
+              <a:gd name="adj1" fmla="val -22356"/>
+              <a:gd name="adj2" fmla="val 71212"/>
+            </a:avLst>
+          </a:prstGeom>
+          <a:ln>
+            <a:tailEnd type="triangle"/>
+          </a:ln>
+        </p:spPr>
+        <p:style>
+          <a:lnRef idx="1">
+            <a:schemeClr val="dk1"/>
+          </a:lnRef>
+          <a:fillRef idx="0">
+            <a:schemeClr val="dk1"/>
+          </a:fillRef>
+          <a:effectRef idx="0">
+            <a:schemeClr val="dk1"/>
+          </a:effectRef>
+          <a:fontRef idx="minor">
+            <a:schemeClr val="tx1"/>
+          </a:fontRef>
+        </p:style>
+      </p:cxnSp>
+      <p:sp>
+        <p:nvSpPr>
+          <p:cNvPr id="61" name="TekstSylinder 60"/>
+          <p:cNvSpPr txBox="1"/>
+          <p:nvPr/>
+        </p:nvSpPr>
+        <p:spPr>
+          <a:xfrm>
+            <a:off x="187169" y="2823354"/>
+            <a:ext cx="339406" cy="215444"/>
+          </a:xfrm>
+          <a:prstGeom prst="rect">
+            <a:avLst/>
+          </a:prstGeom>
+          <a:noFill/>
+          <a:ln w="12700">
+            <a:noFill/>
+          </a:ln>
+        </p:spPr>
+        <p:txBody>
+          <a:bodyPr wrap="square" rtlCol="0">
+            <a:spAutoFit/>
+          </a:bodyPr>
+          <a:lstStyle/>
+          <a:p>
+            <a:r>
+              <a:rPr lang="nb-NO" sz="800" dirty="0"/>
+              <a:t>AIS</a:t>
+            </a:r>
+            <a:endParaRPr lang="en-US" sz="800" dirty="0"/>
           </a:p>
         </p:txBody>
       </p:sp>
@@ -4272,7 +4482,7 @@
 <file path=ppt/theme/theme1.xml><?xml version="1.0" encoding="utf-8"?>
 <a:theme xmlns:a="http://schemas.openxmlformats.org/drawingml/2006/main" name="Office Theme">
   <a:themeElements>
-    <a:clrScheme name="Office Theme">
+    <a:clrScheme name="Office-tema">
       <a:dk1>
         <a:sysClr val="windowText" lastClr="000000"/>
       </a:dk1>
@@ -4286,7 +4496,7 @@
         <a:srgbClr val="E7E6E6"/>
       </a:lt2>
       <a:accent1>
-        <a:srgbClr val="5B9BD5"/>
+        <a:srgbClr val="4472C4"/>
       </a:accent1>
       <a:accent2>
         <a:srgbClr val="ED7D31"/>
@@ -4298,7 +4508,7 @@
         <a:srgbClr val="FFC000"/>
       </a:accent4>
       <a:accent5>
-        <a:srgbClr val="4472C4"/>
+        <a:srgbClr val="5B9BD5"/>
       </a:accent5>
       <a:accent6>
         <a:srgbClr val="70AD47"/>
@@ -4310,14 +4520,14 @@
         <a:srgbClr val="954F72"/>
       </a:folHlink>
     </a:clrScheme>
-    <a:fontScheme name="Office Theme">
+    <a:fontScheme name="Office-tema">
       <a:majorFont>
         <a:latin typeface="Calibri Light" panose="020F0302020204030204"/>
         <a:ea typeface=""/>
         <a:cs typeface=""/>
-        <a:font script="Jpan" typeface="ＭＳ Ｐゴシック"/>
+        <a:font script="Jpan" typeface="游ゴシック Light"/>
         <a:font script="Hang" typeface="맑은 고딕"/>
-        <a:font script="Hans" typeface="宋体"/>
+        <a:font script="Hans" typeface="等线 Light"/>
         <a:font script="Hant" typeface="新細明體"/>
         <a:font script="Arab" typeface="Times New Roman"/>
         <a:font script="Hebr" typeface="Times New Roman"/>
@@ -4350,9 +4560,9 @@
         <a:latin typeface="Calibri" panose="020F0502020204030204"/>
         <a:ea typeface=""/>
         <a:cs typeface=""/>
-        <a:font script="Jpan" typeface="ＭＳ Ｐゴシック"/>
+        <a:font script="Jpan" typeface="游ゴシック"/>
         <a:font script="Hang" typeface="맑은 고딕"/>
-        <a:font script="Hans" typeface="宋体"/>
+        <a:font script="Hans" typeface="等线"/>
         <a:font script="Hant" typeface="新細明體"/>
         <a:font script="Arab" typeface="Arial"/>
         <a:font script="Hebr" typeface="Arial"/>
@@ -4382,7 +4592,7 @@
         <a:font script="Geor" typeface="Sylfaen"/>
       </a:minorFont>
     </a:fontScheme>
-    <a:fmtScheme name="Office Theme">
+    <a:fmtScheme name="Office-tema">
       <a:fillStyleLst>
         <a:solidFill>
           <a:schemeClr val="phClr"/>

--- a/Figures/algorithm_flowchart.pptx
+++ b/Figures/algorithm_flowchart.pptx
@@ -2,12 +2,12 @@
 <file path=ppt/presentation.xml><?xml version="1.0" encoding="utf-8"?>
 <p:presentation xmlns:a="http://schemas.openxmlformats.org/drawingml/2006/main" xmlns:r="http://schemas.openxmlformats.org/officeDocument/2006/relationships" xmlns:p="http://schemas.openxmlformats.org/presentationml/2006/main" saveSubsetFonts="1">
   <p:sldMasterIdLst>
-    <p:sldMasterId id="2147483696" r:id="rId1"/>
+    <p:sldMasterId id="2147483708" r:id="rId1"/>
   </p:sldMasterIdLst>
   <p:sldIdLst>
     <p:sldId id="256" r:id="rId2"/>
   </p:sldIdLst>
-  <p:sldSz cx="4319588" cy="3240088"/>
+  <p:sldSz cx="4319588" cy="2879725"/>
   <p:notesSz cx="6858000" cy="9144000"/>
   <p:defaultTextStyle>
     <a:defPPr>
@@ -145,15 +145,15 @@
         </p:nvSpPr>
         <p:spPr>
           <a:xfrm>
-            <a:off x="323969" y="530264"/>
-            <a:ext cx="3671650" cy="1128031"/>
+            <a:off x="323969" y="471289"/>
+            <a:ext cx="3671650" cy="1002571"/>
           </a:xfrm>
         </p:spPr>
         <p:txBody>
           <a:bodyPr anchor="b"/>
           <a:lstStyle>
             <a:lvl1pPr algn="ctr">
-              <a:defRPr sz="2834"/>
+              <a:defRPr sz="2519"/>
             </a:lvl1pPr>
           </a:lstStyle>
           <a:p>
@@ -177,8 +177,8 @@
         </p:nvSpPr>
         <p:spPr>
           <a:xfrm>
-            <a:off x="539949" y="1701796"/>
-            <a:ext cx="3239691" cy="782271"/>
+            <a:off x="539949" y="1512522"/>
+            <a:ext cx="3239691" cy="695267"/>
           </a:xfrm>
         </p:spPr>
         <p:txBody>
@@ -186,39 +186,39 @@
           <a:lstStyle>
             <a:lvl1pPr marL="0" indent="0" algn="ctr">
               <a:buNone/>
-              <a:defRPr sz="1134"/>
+              <a:defRPr sz="1008"/>
             </a:lvl1pPr>
-            <a:lvl2pPr marL="215981" indent="0" algn="ctr">
-              <a:buNone/>
-              <a:defRPr sz="945"/>
+            <a:lvl2pPr marL="191978" indent="0" algn="ctr">
+              <a:buNone/>
+              <a:defRPr sz="840"/>
             </a:lvl2pPr>
-            <a:lvl3pPr marL="431963" indent="0" algn="ctr">
-              <a:buNone/>
-              <a:defRPr sz="850"/>
+            <a:lvl3pPr marL="383957" indent="0" algn="ctr">
+              <a:buNone/>
+              <a:defRPr sz="756"/>
             </a:lvl3pPr>
-            <a:lvl4pPr marL="647944" indent="0" algn="ctr">
-              <a:buNone/>
-              <a:defRPr sz="756"/>
+            <a:lvl4pPr marL="575935" indent="0" algn="ctr">
+              <a:buNone/>
+              <a:defRPr sz="672"/>
             </a:lvl4pPr>
-            <a:lvl5pPr marL="863925" indent="0" algn="ctr">
-              <a:buNone/>
-              <a:defRPr sz="756"/>
+            <a:lvl5pPr marL="767913" indent="0" algn="ctr">
+              <a:buNone/>
+              <a:defRPr sz="672"/>
             </a:lvl5pPr>
-            <a:lvl6pPr marL="1079906" indent="0" algn="ctr">
-              <a:buNone/>
-              <a:defRPr sz="756"/>
+            <a:lvl6pPr marL="959891" indent="0" algn="ctr">
+              <a:buNone/>
+              <a:defRPr sz="672"/>
             </a:lvl6pPr>
-            <a:lvl7pPr marL="1295888" indent="0" algn="ctr">
-              <a:buNone/>
-              <a:defRPr sz="756"/>
+            <a:lvl7pPr marL="1151870" indent="0" algn="ctr">
+              <a:buNone/>
+              <a:defRPr sz="672"/>
             </a:lvl7pPr>
-            <a:lvl8pPr marL="1511869" indent="0" algn="ctr">
-              <a:buNone/>
-              <a:defRPr sz="756"/>
+            <a:lvl8pPr marL="1343848" indent="0" algn="ctr">
+              <a:buNone/>
+              <a:defRPr sz="672"/>
             </a:lvl8pPr>
-            <a:lvl9pPr marL="1727850" indent="0" algn="ctr">
-              <a:buNone/>
-              <a:defRPr sz="756"/>
+            <a:lvl9pPr marL="1535826" indent="0" algn="ctr">
+              <a:buNone/>
+              <a:defRPr sz="672"/>
             </a:lvl9pPr>
           </a:lstStyle>
           <a:p>
@@ -247,7 +247,7 @@
           <a:p>
             <a:fld id="{28498E41-FF62-4D38-9266-32847B9BE567}" type="datetimeFigureOut">
               <a:rPr lang="nb-NO" smtClean="0"/>
-              <a:t>18.05.2017</a:t>
+              <a:t>20.05.2017</a:t>
             </a:fld>
             <a:endParaRPr lang="nb-NO" dirty="0"/>
           </a:p>
@@ -298,7 +298,7 @@
     </p:spTree>
     <p:extLst>
       <p:ext uri="{BB962C8B-B14F-4D97-AF65-F5344CB8AC3E}">
-        <p14:creationId xmlns:p14="http://schemas.microsoft.com/office/powerpoint/2010/main" val="2106174648"/>
+        <p14:creationId xmlns:p14="http://schemas.microsoft.com/office/powerpoint/2010/main" val="2542835751"/>
       </p:ext>
     </p:extLst>
   </p:cSld>
@@ -417,7 +417,7 @@
           <a:p>
             <a:fld id="{28498E41-FF62-4D38-9266-32847B9BE567}" type="datetimeFigureOut">
               <a:rPr lang="nb-NO" smtClean="0"/>
-              <a:t>18.05.2017</a:t>
+              <a:t>20.05.2017</a:t>
             </a:fld>
             <a:endParaRPr lang="nb-NO" dirty="0"/>
           </a:p>
@@ -468,7 +468,7 @@
     </p:spTree>
     <p:extLst>
       <p:ext uri="{BB962C8B-B14F-4D97-AF65-F5344CB8AC3E}">
-        <p14:creationId xmlns:p14="http://schemas.microsoft.com/office/powerpoint/2010/main" val="2125027048"/>
+        <p14:creationId xmlns:p14="http://schemas.microsoft.com/office/powerpoint/2010/main" val="960586520"/>
       </p:ext>
     </p:extLst>
   </p:cSld>
@@ -507,8 +507,8 @@
         </p:nvSpPr>
         <p:spPr>
           <a:xfrm>
-            <a:off x="3091205" y="172505"/>
-            <a:ext cx="931411" cy="2745825"/>
+            <a:off x="3091205" y="153319"/>
+            <a:ext cx="931411" cy="2440434"/>
           </a:xfrm>
         </p:spPr>
         <p:txBody>
@@ -535,8 +535,8 @@
         </p:nvSpPr>
         <p:spPr>
           <a:xfrm>
-            <a:off x="296972" y="172505"/>
-            <a:ext cx="2740239" cy="2745825"/>
+            <a:off x="296972" y="153319"/>
+            <a:ext cx="2740239" cy="2440434"/>
           </a:xfrm>
         </p:spPr>
         <p:txBody>
@@ -597,7 +597,7 @@
           <a:p>
             <a:fld id="{28498E41-FF62-4D38-9266-32847B9BE567}" type="datetimeFigureOut">
               <a:rPr lang="nb-NO" smtClean="0"/>
-              <a:t>18.05.2017</a:t>
+              <a:t>20.05.2017</a:t>
             </a:fld>
             <a:endParaRPr lang="nb-NO" dirty="0"/>
           </a:p>
@@ -648,7 +648,7 @@
     </p:spTree>
     <p:extLst>
       <p:ext uri="{BB962C8B-B14F-4D97-AF65-F5344CB8AC3E}">
-        <p14:creationId xmlns:p14="http://schemas.microsoft.com/office/powerpoint/2010/main" val="2541555186"/>
+        <p14:creationId xmlns:p14="http://schemas.microsoft.com/office/powerpoint/2010/main" val="4187335967"/>
       </p:ext>
     </p:extLst>
   </p:cSld>
@@ -767,7 +767,7 @@
           <a:p>
             <a:fld id="{28498E41-FF62-4D38-9266-32847B9BE567}" type="datetimeFigureOut">
               <a:rPr lang="nb-NO" smtClean="0"/>
-              <a:t>18.05.2017</a:t>
+              <a:t>20.05.2017</a:t>
             </a:fld>
             <a:endParaRPr lang="nb-NO" dirty="0"/>
           </a:p>
@@ -818,7 +818,7 @@
     </p:spTree>
     <p:extLst>
       <p:ext uri="{BB962C8B-B14F-4D97-AF65-F5344CB8AC3E}">
-        <p14:creationId xmlns:p14="http://schemas.microsoft.com/office/powerpoint/2010/main" val="2849293904"/>
+        <p14:creationId xmlns:p14="http://schemas.microsoft.com/office/powerpoint/2010/main" val="2300119002"/>
       </p:ext>
     </p:extLst>
   </p:cSld>
@@ -857,15 +857,15 @@
         </p:nvSpPr>
         <p:spPr>
           <a:xfrm>
-            <a:off x="294722" y="807773"/>
-            <a:ext cx="3725645" cy="1347786"/>
+            <a:off x="294722" y="717932"/>
+            <a:ext cx="3725645" cy="1197885"/>
           </a:xfrm>
         </p:spPr>
         <p:txBody>
           <a:bodyPr anchor="b"/>
           <a:lstStyle>
             <a:lvl1pPr>
-              <a:defRPr sz="2834"/>
+              <a:defRPr sz="2519"/>
             </a:lvl1pPr>
           </a:lstStyle>
           <a:p>
@@ -889,8 +889,8 @@
         </p:nvSpPr>
         <p:spPr>
           <a:xfrm>
-            <a:off x="294722" y="2168310"/>
-            <a:ext cx="3725645" cy="708769"/>
+            <a:off x="294722" y="1927150"/>
+            <a:ext cx="3725645" cy="629940"/>
           </a:xfrm>
         </p:spPr>
         <p:txBody>
@@ -898,15 +898,15 @@
           <a:lstStyle>
             <a:lvl1pPr marL="0" indent="0">
               <a:buNone/>
-              <a:defRPr sz="1134">
+              <a:defRPr sz="1008">
                 <a:solidFill>
                   <a:schemeClr val="tx1"/>
                 </a:solidFill>
               </a:defRPr>
             </a:lvl1pPr>
-            <a:lvl2pPr marL="215981" indent="0">
-              <a:buNone/>
-              <a:defRPr sz="945">
+            <a:lvl2pPr marL="191978" indent="0">
+              <a:buNone/>
+              <a:defRPr sz="840">
                 <a:solidFill>
                   <a:schemeClr val="tx1">
                     <a:tint val="75000"/>
@@ -914,9 +914,9 @@
                 </a:solidFill>
               </a:defRPr>
             </a:lvl2pPr>
-            <a:lvl3pPr marL="431963" indent="0">
-              <a:buNone/>
-              <a:defRPr sz="850">
+            <a:lvl3pPr marL="383957" indent="0">
+              <a:buNone/>
+              <a:defRPr sz="756">
                 <a:solidFill>
                   <a:schemeClr val="tx1">
                     <a:tint val="75000"/>
@@ -924,9 +924,9 @@
                 </a:solidFill>
               </a:defRPr>
             </a:lvl3pPr>
-            <a:lvl4pPr marL="647944" indent="0">
-              <a:buNone/>
-              <a:defRPr sz="756">
+            <a:lvl4pPr marL="575935" indent="0">
+              <a:buNone/>
+              <a:defRPr sz="672">
                 <a:solidFill>
                   <a:schemeClr val="tx1">
                     <a:tint val="75000"/>
@@ -934,9 +934,9 @@
                 </a:solidFill>
               </a:defRPr>
             </a:lvl4pPr>
-            <a:lvl5pPr marL="863925" indent="0">
-              <a:buNone/>
-              <a:defRPr sz="756">
+            <a:lvl5pPr marL="767913" indent="0">
+              <a:buNone/>
+              <a:defRPr sz="672">
                 <a:solidFill>
                   <a:schemeClr val="tx1">
                     <a:tint val="75000"/>
@@ -944,9 +944,9 @@
                 </a:solidFill>
               </a:defRPr>
             </a:lvl5pPr>
-            <a:lvl6pPr marL="1079906" indent="0">
-              <a:buNone/>
-              <a:defRPr sz="756">
+            <a:lvl6pPr marL="959891" indent="0">
+              <a:buNone/>
+              <a:defRPr sz="672">
                 <a:solidFill>
                   <a:schemeClr val="tx1">
                     <a:tint val="75000"/>
@@ -954,9 +954,9 @@
                 </a:solidFill>
               </a:defRPr>
             </a:lvl6pPr>
-            <a:lvl7pPr marL="1295888" indent="0">
-              <a:buNone/>
-              <a:defRPr sz="756">
+            <a:lvl7pPr marL="1151870" indent="0">
+              <a:buNone/>
+              <a:defRPr sz="672">
                 <a:solidFill>
                   <a:schemeClr val="tx1">
                     <a:tint val="75000"/>
@@ -964,9 +964,9 @@
                 </a:solidFill>
               </a:defRPr>
             </a:lvl7pPr>
-            <a:lvl8pPr marL="1511869" indent="0">
-              <a:buNone/>
-              <a:defRPr sz="756">
+            <a:lvl8pPr marL="1343848" indent="0">
+              <a:buNone/>
+              <a:defRPr sz="672">
                 <a:solidFill>
                   <a:schemeClr val="tx1">
                     <a:tint val="75000"/>
@@ -974,9 +974,9 @@
                 </a:solidFill>
               </a:defRPr>
             </a:lvl8pPr>
-            <a:lvl9pPr marL="1727850" indent="0">
-              <a:buNone/>
-              <a:defRPr sz="756">
+            <a:lvl9pPr marL="1535826" indent="0">
+              <a:buNone/>
+              <a:defRPr sz="672">
                 <a:solidFill>
                   <a:schemeClr val="tx1">
                     <a:tint val="75000"/>
@@ -1011,7 +1011,7 @@
           <a:p>
             <a:fld id="{28498E41-FF62-4D38-9266-32847B9BE567}" type="datetimeFigureOut">
               <a:rPr lang="nb-NO" smtClean="0"/>
-              <a:t>18.05.2017</a:t>
+              <a:t>20.05.2017</a:t>
             </a:fld>
             <a:endParaRPr lang="nb-NO" dirty="0"/>
           </a:p>
@@ -1062,7 +1062,7 @@
     </p:spTree>
     <p:extLst>
       <p:ext uri="{BB962C8B-B14F-4D97-AF65-F5344CB8AC3E}">
-        <p14:creationId xmlns:p14="http://schemas.microsoft.com/office/powerpoint/2010/main" val="3977076913"/>
+        <p14:creationId xmlns:p14="http://schemas.microsoft.com/office/powerpoint/2010/main" val="2837438595"/>
       </p:ext>
     </p:extLst>
   </p:cSld>
@@ -1124,8 +1124,8 @@
         </p:nvSpPr>
         <p:spPr>
           <a:xfrm>
-            <a:off x="296972" y="862523"/>
-            <a:ext cx="1835825" cy="2055806"/>
+            <a:off x="296972" y="766593"/>
+            <a:ext cx="1835825" cy="1827159"/>
           </a:xfrm>
         </p:spPr>
         <p:txBody>
@@ -1181,8 +1181,8 @@
         </p:nvSpPr>
         <p:spPr>
           <a:xfrm>
-            <a:off x="2186791" y="862523"/>
-            <a:ext cx="1835825" cy="2055806"/>
+            <a:off x="2186791" y="766593"/>
+            <a:ext cx="1835825" cy="1827159"/>
           </a:xfrm>
         </p:spPr>
         <p:txBody>
@@ -1243,7 +1243,7 @@
           <a:p>
             <a:fld id="{28498E41-FF62-4D38-9266-32847B9BE567}" type="datetimeFigureOut">
               <a:rPr lang="nb-NO" smtClean="0"/>
-              <a:t>18.05.2017</a:t>
+              <a:t>20.05.2017</a:t>
             </a:fld>
             <a:endParaRPr lang="nb-NO" dirty="0"/>
           </a:p>
@@ -1294,7 +1294,7 @@
     </p:spTree>
     <p:extLst>
       <p:ext uri="{BB962C8B-B14F-4D97-AF65-F5344CB8AC3E}">
-        <p14:creationId xmlns:p14="http://schemas.microsoft.com/office/powerpoint/2010/main" val="1416969400"/>
+        <p14:creationId xmlns:p14="http://schemas.microsoft.com/office/powerpoint/2010/main" val="2987760191"/>
       </p:ext>
     </p:extLst>
   </p:cSld>
@@ -1333,8 +1333,8 @@
         </p:nvSpPr>
         <p:spPr>
           <a:xfrm>
-            <a:off x="297534" y="172506"/>
-            <a:ext cx="3725645" cy="626267"/>
+            <a:off x="297534" y="153319"/>
+            <a:ext cx="3725645" cy="556614"/>
           </a:xfrm>
         </p:spPr>
         <p:txBody>
@@ -1361,8 +1361,8 @@
         </p:nvSpPr>
         <p:spPr>
           <a:xfrm>
-            <a:off x="297535" y="794272"/>
-            <a:ext cx="1827388" cy="389260"/>
+            <a:off x="297535" y="705933"/>
+            <a:ext cx="1827388" cy="345967"/>
           </a:xfrm>
         </p:spPr>
         <p:txBody>
@@ -1370,39 +1370,39 @@
           <a:lstStyle>
             <a:lvl1pPr marL="0" indent="0">
               <a:buNone/>
-              <a:defRPr sz="1134" b="1"/>
+              <a:defRPr sz="1008" b="1"/>
             </a:lvl1pPr>
-            <a:lvl2pPr marL="215981" indent="0">
-              <a:buNone/>
-              <a:defRPr sz="945" b="1"/>
+            <a:lvl2pPr marL="191978" indent="0">
+              <a:buNone/>
+              <a:defRPr sz="840" b="1"/>
             </a:lvl2pPr>
-            <a:lvl3pPr marL="431963" indent="0">
-              <a:buNone/>
-              <a:defRPr sz="850" b="1"/>
+            <a:lvl3pPr marL="383957" indent="0">
+              <a:buNone/>
+              <a:defRPr sz="756" b="1"/>
             </a:lvl3pPr>
-            <a:lvl4pPr marL="647944" indent="0">
-              <a:buNone/>
-              <a:defRPr sz="756" b="1"/>
+            <a:lvl4pPr marL="575935" indent="0">
+              <a:buNone/>
+              <a:defRPr sz="672" b="1"/>
             </a:lvl4pPr>
-            <a:lvl5pPr marL="863925" indent="0">
-              <a:buNone/>
-              <a:defRPr sz="756" b="1"/>
+            <a:lvl5pPr marL="767913" indent="0">
+              <a:buNone/>
+              <a:defRPr sz="672" b="1"/>
             </a:lvl5pPr>
-            <a:lvl6pPr marL="1079906" indent="0">
-              <a:buNone/>
-              <a:defRPr sz="756" b="1"/>
+            <a:lvl6pPr marL="959891" indent="0">
+              <a:buNone/>
+              <a:defRPr sz="672" b="1"/>
             </a:lvl6pPr>
-            <a:lvl7pPr marL="1295888" indent="0">
-              <a:buNone/>
-              <a:defRPr sz="756" b="1"/>
+            <a:lvl7pPr marL="1151870" indent="0">
+              <a:buNone/>
+              <a:defRPr sz="672" b="1"/>
             </a:lvl7pPr>
-            <a:lvl8pPr marL="1511869" indent="0">
-              <a:buNone/>
-              <a:defRPr sz="756" b="1"/>
+            <a:lvl8pPr marL="1343848" indent="0">
+              <a:buNone/>
+              <a:defRPr sz="672" b="1"/>
             </a:lvl8pPr>
-            <a:lvl9pPr marL="1727850" indent="0">
-              <a:buNone/>
-              <a:defRPr sz="756" b="1"/>
+            <a:lvl9pPr marL="1535826" indent="0">
+              <a:buNone/>
+              <a:defRPr sz="672" b="1"/>
             </a:lvl9pPr>
           </a:lstStyle>
           <a:p>
@@ -1426,8 +1426,8 @@
         </p:nvSpPr>
         <p:spPr>
           <a:xfrm>
-            <a:off x="297535" y="1183532"/>
-            <a:ext cx="1827388" cy="1740798"/>
+            <a:off x="297535" y="1051899"/>
+            <a:ext cx="1827388" cy="1547186"/>
           </a:xfrm>
         </p:spPr>
         <p:txBody>
@@ -1483,8 +1483,8 @@
         </p:nvSpPr>
         <p:spPr>
           <a:xfrm>
-            <a:off x="2186791" y="794272"/>
-            <a:ext cx="1836388" cy="389260"/>
+            <a:off x="2186791" y="705933"/>
+            <a:ext cx="1836388" cy="345967"/>
           </a:xfrm>
         </p:spPr>
         <p:txBody>
@@ -1492,39 +1492,39 @@
           <a:lstStyle>
             <a:lvl1pPr marL="0" indent="0">
               <a:buNone/>
-              <a:defRPr sz="1134" b="1"/>
+              <a:defRPr sz="1008" b="1"/>
             </a:lvl1pPr>
-            <a:lvl2pPr marL="215981" indent="0">
-              <a:buNone/>
-              <a:defRPr sz="945" b="1"/>
+            <a:lvl2pPr marL="191978" indent="0">
+              <a:buNone/>
+              <a:defRPr sz="840" b="1"/>
             </a:lvl2pPr>
-            <a:lvl3pPr marL="431963" indent="0">
-              <a:buNone/>
-              <a:defRPr sz="850" b="1"/>
+            <a:lvl3pPr marL="383957" indent="0">
+              <a:buNone/>
+              <a:defRPr sz="756" b="1"/>
             </a:lvl3pPr>
-            <a:lvl4pPr marL="647944" indent="0">
-              <a:buNone/>
-              <a:defRPr sz="756" b="1"/>
+            <a:lvl4pPr marL="575935" indent="0">
+              <a:buNone/>
+              <a:defRPr sz="672" b="1"/>
             </a:lvl4pPr>
-            <a:lvl5pPr marL="863925" indent="0">
-              <a:buNone/>
-              <a:defRPr sz="756" b="1"/>
+            <a:lvl5pPr marL="767913" indent="0">
+              <a:buNone/>
+              <a:defRPr sz="672" b="1"/>
             </a:lvl5pPr>
-            <a:lvl6pPr marL="1079906" indent="0">
-              <a:buNone/>
-              <a:defRPr sz="756" b="1"/>
+            <a:lvl6pPr marL="959891" indent="0">
+              <a:buNone/>
+              <a:defRPr sz="672" b="1"/>
             </a:lvl6pPr>
-            <a:lvl7pPr marL="1295888" indent="0">
-              <a:buNone/>
-              <a:defRPr sz="756" b="1"/>
+            <a:lvl7pPr marL="1151870" indent="0">
+              <a:buNone/>
+              <a:defRPr sz="672" b="1"/>
             </a:lvl7pPr>
-            <a:lvl8pPr marL="1511869" indent="0">
-              <a:buNone/>
-              <a:defRPr sz="756" b="1"/>
+            <a:lvl8pPr marL="1343848" indent="0">
+              <a:buNone/>
+              <a:defRPr sz="672" b="1"/>
             </a:lvl8pPr>
-            <a:lvl9pPr marL="1727850" indent="0">
-              <a:buNone/>
-              <a:defRPr sz="756" b="1"/>
+            <a:lvl9pPr marL="1535826" indent="0">
+              <a:buNone/>
+              <a:defRPr sz="672" b="1"/>
             </a:lvl9pPr>
           </a:lstStyle>
           <a:p>
@@ -1548,8 +1548,8 @@
         </p:nvSpPr>
         <p:spPr>
           <a:xfrm>
-            <a:off x="2186791" y="1183532"/>
-            <a:ext cx="1836388" cy="1740798"/>
+            <a:off x="2186791" y="1051899"/>
+            <a:ext cx="1836388" cy="1547186"/>
           </a:xfrm>
         </p:spPr>
         <p:txBody>
@@ -1610,7 +1610,7 @@
           <a:p>
             <a:fld id="{28498E41-FF62-4D38-9266-32847B9BE567}" type="datetimeFigureOut">
               <a:rPr lang="nb-NO" smtClean="0"/>
-              <a:t>18.05.2017</a:t>
+              <a:t>20.05.2017</a:t>
             </a:fld>
             <a:endParaRPr lang="nb-NO" dirty="0"/>
           </a:p>
@@ -1661,7 +1661,7 @@
     </p:spTree>
     <p:extLst>
       <p:ext uri="{BB962C8B-B14F-4D97-AF65-F5344CB8AC3E}">
-        <p14:creationId xmlns:p14="http://schemas.microsoft.com/office/powerpoint/2010/main" val="793824396"/>
+        <p14:creationId xmlns:p14="http://schemas.microsoft.com/office/powerpoint/2010/main" val="3354807656"/>
       </p:ext>
     </p:extLst>
   </p:cSld>
@@ -1728,7 +1728,7 @@
           <a:p>
             <a:fld id="{28498E41-FF62-4D38-9266-32847B9BE567}" type="datetimeFigureOut">
               <a:rPr lang="nb-NO" smtClean="0"/>
-              <a:t>18.05.2017</a:t>
+              <a:t>20.05.2017</a:t>
             </a:fld>
             <a:endParaRPr lang="nb-NO" dirty="0"/>
           </a:p>
@@ -1779,7 +1779,7 @@
     </p:spTree>
     <p:extLst>
       <p:ext uri="{BB962C8B-B14F-4D97-AF65-F5344CB8AC3E}">
-        <p14:creationId xmlns:p14="http://schemas.microsoft.com/office/powerpoint/2010/main" val="3817173115"/>
+        <p14:creationId xmlns:p14="http://schemas.microsoft.com/office/powerpoint/2010/main" val="1293856838"/>
       </p:ext>
     </p:extLst>
   </p:cSld>
@@ -1823,7 +1823,7 @@
           <a:p>
             <a:fld id="{28498E41-FF62-4D38-9266-32847B9BE567}" type="datetimeFigureOut">
               <a:rPr lang="nb-NO" smtClean="0"/>
-              <a:t>18.05.2017</a:t>
+              <a:t>20.05.2017</a:t>
             </a:fld>
             <a:endParaRPr lang="nb-NO" dirty="0"/>
           </a:p>
@@ -1874,7 +1874,7 @@
     </p:spTree>
     <p:extLst>
       <p:ext uri="{BB962C8B-B14F-4D97-AF65-F5344CB8AC3E}">
-        <p14:creationId xmlns:p14="http://schemas.microsoft.com/office/powerpoint/2010/main" val="874508944"/>
+        <p14:creationId xmlns:p14="http://schemas.microsoft.com/office/powerpoint/2010/main" val="4198117832"/>
       </p:ext>
     </p:extLst>
   </p:cSld>
@@ -1913,15 +1913,15 @@
         </p:nvSpPr>
         <p:spPr>
           <a:xfrm>
-            <a:off x="297534" y="216006"/>
-            <a:ext cx="1393180" cy="756021"/>
+            <a:off x="297534" y="191982"/>
+            <a:ext cx="1393180" cy="671936"/>
           </a:xfrm>
         </p:spPr>
         <p:txBody>
           <a:bodyPr anchor="b"/>
           <a:lstStyle>
             <a:lvl1pPr>
-              <a:defRPr sz="1512"/>
+              <a:defRPr sz="1344"/>
             </a:lvl1pPr>
           </a:lstStyle>
           <a:p>
@@ -1945,39 +1945,39 @@
         </p:nvSpPr>
         <p:spPr>
           <a:xfrm>
-            <a:off x="1836388" y="466513"/>
-            <a:ext cx="2186791" cy="2302563"/>
+            <a:off x="1836388" y="414628"/>
+            <a:ext cx="2186791" cy="2046471"/>
           </a:xfrm>
         </p:spPr>
         <p:txBody>
           <a:bodyPr/>
           <a:lstStyle>
             <a:lvl1pPr>
-              <a:defRPr sz="1512"/>
+              <a:defRPr sz="1344"/>
             </a:lvl1pPr>
             <a:lvl2pPr>
-              <a:defRPr sz="1323"/>
+              <a:defRPr sz="1176"/>
             </a:lvl2pPr>
             <a:lvl3pPr>
-              <a:defRPr sz="1134"/>
+              <a:defRPr sz="1008"/>
             </a:lvl3pPr>
             <a:lvl4pPr>
-              <a:defRPr sz="945"/>
+              <a:defRPr sz="840"/>
             </a:lvl4pPr>
             <a:lvl5pPr>
-              <a:defRPr sz="945"/>
+              <a:defRPr sz="840"/>
             </a:lvl5pPr>
             <a:lvl6pPr>
-              <a:defRPr sz="945"/>
+              <a:defRPr sz="840"/>
             </a:lvl6pPr>
             <a:lvl7pPr>
-              <a:defRPr sz="945"/>
+              <a:defRPr sz="840"/>
             </a:lvl7pPr>
             <a:lvl8pPr>
-              <a:defRPr sz="945"/>
+              <a:defRPr sz="840"/>
             </a:lvl8pPr>
             <a:lvl9pPr>
-              <a:defRPr sz="945"/>
+              <a:defRPr sz="840"/>
             </a:lvl9pPr>
           </a:lstStyle>
           <a:p>
@@ -2030,8 +2030,8 @@
         </p:nvSpPr>
         <p:spPr>
           <a:xfrm>
-            <a:off x="297534" y="972026"/>
-            <a:ext cx="1393180" cy="1800799"/>
+            <a:off x="297534" y="863918"/>
+            <a:ext cx="1393180" cy="1600514"/>
           </a:xfrm>
         </p:spPr>
         <p:txBody>
@@ -2039,39 +2039,39 @@
           <a:lstStyle>
             <a:lvl1pPr marL="0" indent="0">
               <a:buNone/>
-              <a:defRPr sz="756"/>
+              <a:defRPr sz="672"/>
             </a:lvl1pPr>
-            <a:lvl2pPr marL="215981" indent="0">
-              <a:buNone/>
-              <a:defRPr sz="661"/>
+            <a:lvl2pPr marL="191978" indent="0">
+              <a:buNone/>
+              <a:defRPr sz="588"/>
             </a:lvl2pPr>
-            <a:lvl3pPr marL="431963" indent="0">
-              <a:buNone/>
-              <a:defRPr sz="567"/>
+            <a:lvl3pPr marL="383957" indent="0">
+              <a:buNone/>
+              <a:defRPr sz="504"/>
             </a:lvl3pPr>
-            <a:lvl4pPr marL="647944" indent="0">
-              <a:buNone/>
-              <a:defRPr sz="472"/>
+            <a:lvl4pPr marL="575935" indent="0">
+              <a:buNone/>
+              <a:defRPr sz="420"/>
             </a:lvl4pPr>
-            <a:lvl5pPr marL="863925" indent="0">
-              <a:buNone/>
-              <a:defRPr sz="472"/>
+            <a:lvl5pPr marL="767913" indent="0">
+              <a:buNone/>
+              <a:defRPr sz="420"/>
             </a:lvl5pPr>
-            <a:lvl6pPr marL="1079906" indent="0">
-              <a:buNone/>
-              <a:defRPr sz="472"/>
+            <a:lvl6pPr marL="959891" indent="0">
+              <a:buNone/>
+              <a:defRPr sz="420"/>
             </a:lvl6pPr>
-            <a:lvl7pPr marL="1295888" indent="0">
-              <a:buNone/>
-              <a:defRPr sz="472"/>
+            <a:lvl7pPr marL="1151870" indent="0">
+              <a:buNone/>
+              <a:defRPr sz="420"/>
             </a:lvl7pPr>
-            <a:lvl8pPr marL="1511869" indent="0">
-              <a:buNone/>
-              <a:defRPr sz="472"/>
+            <a:lvl8pPr marL="1343848" indent="0">
+              <a:buNone/>
+              <a:defRPr sz="420"/>
             </a:lvl8pPr>
-            <a:lvl9pPr marL="1727850" indent="0">
-              <a:buNone/>
-              <a:defRPr sz="472"/>
+            <a:lvl9pPr marL="1535826" indent="0">
+              <a:buNone/>
+              <a:defRPr sz="420"/>
             </a:lvl9pPr>
           </a:lstStyle>
           <a:p>
@@ -2100,7 +2100,7 @@
           <a:p>
             <a:fld id="{28498E41-FF62-4D38-9266-32847B9BE567}" type="datetimeFigureOut">
               <a:rPr lang="nb-NO" smtClean="0"/>
-              <a:t>18.05.2017</a:t>
+              <a:t>20.05.2017</a:t>
             </a:fld>
             <a:endParaRPr lang="nb-NO" dirty="0"/>
           </a:p>
@@ -2151,7 +2151,7 @@
     </p:spTree>
     <p:extLst>
       <p:ext uri="{BB962C8B-B14F-4D97-AF65-F5344CB8AC3E}">
-        <p14:creationId xmlns:p14="http://schemas.microsoft.com/office/powerpoint/2010/main" val="519198528"/>
+        <p14:creationId xmlns:p14="http://schemas.microsoft.com/office/powerpoint/2010/main" val="967731580"/>
       </p:ext>
     </p:extLst>
   </p:cSld>
@@ -2190,15 +2190,15 @@
         </p:nvSpPr>
         <p:spPr>
           <a:xfrm>
-            <a:off x="297534" y="216006"/>
-            <a:ext cx="1393180" cy="756021"/>
+            <a:off x="297534" y="191982"/>
+            <a:ext cx="1393180" cy="671936"/>
           </a:xfrm>
         </p:spPr>
         <p:txBody>
           <a:bodyPr anchor="b"/>
           <a:lstStyle>
             <a:lvl1pPr>
-              <a:defRPr sz="1512"/>
+              <a:defRPr sz="1344"/>
             </a:lvl1pPr>
           </a:lstStyle>
           <a:p>
@@ -2222,8 +2222,8 @@
         </p:nvSpPr>
         <p:spPr>
           <a:xfrm>
-            <a:off x="1836388" y="466513"/>
-            <a:ext cx="2186791" cy="2302563"/>
+            <a:off x="1836388" y="414628"/>
+            <a:ext cx="2186791" cy="2046471"/>
           </a:xfrm>
         </p:spPr>
         <p:txBody>
@@ -2231,39 +2231,39 @@
           <a:lstStyle>
             <a:lvl1pPr marL="0" indent="0">
               <a:buNone/>
-              <a:defRPr sz="1512"/>
+              <a:defRPr sz="1344"/>
             </a:lvl1pPr>
-            <a:lvl2pPr marL="215981" indent="0">
-              <a:buNone/>
-              <a:defRPr sz="1323"/>
+            <a:lvl2pPr marL="191978" indent="0">
+              <a:buNone/>
+              <a:defRPr sz="1176"/>
             </a:lvl2pPr>
-            <a:lvl3pPr marL="431963" indent="0">
-              <a:buNone/>
-              <a:defRPr sz="1134"/>
+            <a:lvl3pPr marL="383957" indent="0">
+              <a:buNone/>
+              <a:defRPr sz="1008"/>
             </a:lvl3pPr>
-            <a:lvl4pPr marL="647944" indent="0">
-              <a:buNone/>
-              <a:defRPr sz="945"/>
+            <a:lvl4pPr marL="575935" indent="0">
+              <a:buNone/>
+              <a:defRPr sz="840"/>
             </a:lvl4pPr>
-            <a:lvl5pPr marL="863925" indent="0">
-              <a:buNone/>
-              <a:defRPr sz="945"/>
+            <a:lvl5pPr marL="767913" indent="0">
+              <a:buNone/>
+              <a:defRPr sz="840"/>
             </a:lvl5pPr>
-            <a:lvl6pPr marL="1079906" indent="0">
-              <a:buNone/>
-              <a:defRPr sz="945"/>
+            <a:lvl6pPr marL="959891" indent="0">
+              <a:buNone/>
+              <a:defRPr sz="840"/>
             </a:lvl6pPr>
-            <a:lvl7pPr marL="1295888" indent="0">
-              <a:buNone/>
-              <a:defRPr sz="945"/>
+            <a:lvl7pPr marL="1151870" indent="0">
+              <a:buNone/>
+              <a:defRPr sz="840"/>
             </a:lvl7pPr>
-            <a:lvl8pPr marL="1511869" indent="0">
-              <a:buNone/>
-              <a:defRPr sz="945"/>
+            <a:lvl8pPr marL="1343848" indent="0">
+              <a:buNone/>
+              <a:defRPr sz="840"/>
             </a:lvl8pPr>
-            <a:lvl9pPr marL="1727850" indent="0">
-              <a:buNone/>
-              <a:defRPr sz="945"/>
+            <a:lvl9pPr marL="1535826" indent="0">
+              <a:buNone/>
+              <a:defRPr sz="840"/>
             </a:lvl9pPr>
           </a:lstStyle>
           <a:p>
@@ -2287,8 +2287,8 @@
         </p:nvSpPr>
         <p:spPr>
           <a:xfrm>
-            <a:off x="297534" y="972026"/>
-            <a:ext cx="1393180" cy="1800799"/>
+            <a:off x="297534" y="863918"/>
+            <a:ext cx="1393180" cy="1600514"/>
           </a:xfrm>
         </p:spPr>
         <p:txBody>
@@ -2296,39 +2296,39 @@
           <a:lstStyle>
             <a:lvl1pPr marL="0" indent="0">
               <a:buNone/>
-              <a:defRPr sz="756"/>
+              <a:defRPr sz="672"/>
             </a:lvl1pPr>
-            <a:lvl2pPr marL="215981" indent="0">
-              <a:buNone/>
-              <a:defRPr sz="661"/>
+            <a:lvl2pPr marL="191978" indent="0">
+              <a:buNone/>
+              <a:defRPr sz="588"/>
             </a:lvl2pPr>
-            <a:lvl3pPr marL="431963" indent="0">
-              <a:buNone/>
-              <a:defRPr sz="567"/>
+            <a:lvl3pPr marL="383957" indent="0">
+              <a:buNone/>
+              <a:defRPr sz="504"/>
             </a:lvl3pPr>
-            <a:lvl4pPr marL="647944" indent="0">
-              <a:buNone/>
-              <a:defRPr sz="472"/>
+            <a:lvl4pPr marL="575935" indent="0">
+              <a:buNone/>
+              <a:defRPr sz="420"/>
             </a:lvl4pPr>
-            <a:lvl5pPr marL="863925" indent="0">
-              <a:buNone/>
-              <a:defRPr sz="472"/>
+            <a:lvl5pPr marL="767913" indent="0">
+              <a:buNone/>
+              <a:defRPr sz="420"/>
             </a:lvl5pPr>
-            <a:lvl6pPr marL="1079906" indent="0">
-              <a:buNone/>
-              <a:defRPr sz="472"/>
+            <a:lvl6pPr marL="959891" indent="0">
+              <a:buNone/>
+              <a:defRPr sz="420"/>
             </a:lvl6pPr>
-            <a:lvl7pPr marL="1295888" indent="0">
-              <a:buNone/>
-              <a:defRPr sz="472"/>
+            <a:lvl7pPr marL="1151870" indent="0">
+              <a:buNone/>
+              <a:defRPr sz="420"/>
             </a:lvl7pPr>
-            <a:lvl8pPr marL="1511869" indent="0">
-              <a:buNone/>
-              <a:defRPr sz="472"/>
+            <a:lvl8pPr marL="1343848" indent="0">
+              <a:buNone/>
+              <a:defRPr sz="420"/>
             </a:lvl8pPr>
-            <a:lvl9pPr marL="1727850" indent="0">
-              <a:buNone/>
-              <a:defRPr sz="472"/>
+            <a:lvl9pPr marL="1535826" indent="0">
+              <a:buNone/>
+              <a:defRPr sz="420"/>
             </a:lvl9pPr>
           </a:lstStyle>
           <a:p>
@@ -2357,7 +2357,7 @@
           <a:p>
             <a:fld id="{28498E41-FF62-4D38-9266-32847B9BE567}" type="datetimeFigureOut">
               <a:rPr lang="nb-NO" smtClean="0"/>
-              <a:t>18.05.2017</a:t>
+              <a:t>20.05.2017</a:t>
             </a:fld>
             <a:endParaRPr lang="nb-NO" dirty="0"/>
           </a:p>
@@ -2408,7 +2408,7 @@
     </p:spTree>
     <p:extLst>
       <p:ext uri="{BB962C8B-B14F-4D97-AF65-F5344CB8AC3E}">
-        <p14:creationId xmlns:p14="http://schemas.microsoft.com/office/powerpoint/2010/main" val="2397112566"/>
+        <p14:creationId xmlns:p14="http://schemas.microsoft.com/office/powerpoint/2010/main" val="1121405203"/>
       </p:ext>
     </p:extLst>
   </p:cSld>
@@ -2452,8 +2452,8 @@
         </p:nvSpPr>
         <p:spPr>
           <a:xfrm>
-            <a:off x="296972" y="172506"/>
-            <a:ext cx="3725645" cy="626267"/>
+            <a:off x="296972" y="153319"/>
+            <a:ext cx="3725645" cy="556614"/>
           </a:xfrm>
           <a:prstGeom prst="rect">
             <a:avLst/>
@@ -2485,8 +2485,8 @@
         </p:nvSpPr>
         <p:spPr>
           <a:xfrm>
-            <a:off x="296972" y="862523"/>
-            <a:ext cx="3725645" cy="2055806"/>
+            <a:off x="296972" y="766593"/>
+            <a:ext cx="3725645" cy="1827159"/>
           </a:xfrm>
           <a:prstGeom prst="rect">
             <a:avLst/>
@@ -2547,8 +2547,8 @@
         </p:nvSpPr>
         <p:spPr>
           <a:xfrm>
-            <a:off x="296972" y="3003082"/>
-            <a:ext cx="971907" cy="172505"/>
+            <a:off x="296972" y="2669079"/>
+            <a:ext cx="971907" cy="153319"/>
           </a:xfrm>
           <a:prstGeom prst="rect">
             <a:avLst/>
@@ -2558,7 +2558,7 @@
           <a:bodyPr vert="horz" lIns="91440" tIns="45720" rIns="91440" bIns="45720" rtlCol="0" anchor="ctr"/>
           <a:lstStyle>
             <a:lvl1pPr algn="l">
-              <a:defRPr sz="567">
+              <a:defRPr sz="504">
                 <a:solidFill>
                   <a:schemeClr val="tx1">
                     <a:tint val="75000"/>
@@ -2570,7 +2570,7 @@
           <a:p>
             <a:fld id="{28498E41-FF62-4D38-9266-32847B9BE567}" type="datetimeFigureOut">
               <a:rPr lang="nb-NO" smtClean="0"/>
-              <a:t>18.05.2017</a:t>
+              <a:t>20.05.2017</a:t>
             </a:fld>
             <a:endParaRPr lang="nb-NO" dirty="0"/>
           </a:p>
@@ -2588,8 +2588,8 @@
         </p:nvSpPr>
         <p:spPr>
           <a:xfrm>
-            <a:off x="1430864" y="3003082"/>
-            <a:ext cx="1457861" cy="172505"/>
+            <a:off x="1430864" y="2669079"/>
+            <a:ext cx="1457861" cy="153319"/>
           </a:xfrm>
           <a:prstGeom prst="rect">
             <a:avLst/>
@@ -2599,7 +2599,7 @@
           <a:bodyPr vert="horz" lIns="91440" tIns="45720" rIns="91440" bIns="45720" rtlCol="0" anchor="ctr"/>
           <a:lstStyle>
             <a:lvl1pPr algn="ctr">
-              <a:defRPr sz="567">
+              <a:defRPr sz="504">
                 <a:solidFill>
                   <a:schemeClr val="tx1">
                     <a:tint val="75000"/>
@@ -2625,8 +2625,8 @@
         </p:nvSpPr>
         <p:spPr>
           <a:xfrm>
-            <a:off x="3050709" y="3003082"/>
-            <a:ext cx="971907" cy="172505"/>
+            <a:off x="3050709" y="2669079"/>
+            <a:ext cx="971907" cy="153319"/>
           </a:xfrm>
           <a:prstGeom prst="rect">
             <a:avLst/>
@@ -2636,7 +2636,7 @@
           <a:bodyPr vert="horz" lIns="91440" tIns="45720" rIns="91440" bIns="45720" rtlCol="0" anchor="ctr"/>
           <a:lstStyle>
             <a:lvl1pPr algn="r">
-              <a:defRPr sz="567">
+              <a:defRPr sz="504">
                 <a:solidFill>
                   <a:schemeClr val="tx1">
                     <a:tint val="75000"/>
@@ -2657,27 +2657,27 @@
     </p:spTree>
     <p:extLst>
       <p:ext uri="{BB962C8B-B14F-4D97-AF65-F5344CB8AC3E}">
-        <p14:creationId xmlns:p14="http://schemas.microsoft.com/office/powerpoint/2010/main" val="2146164725"/>
+        <p14:creationId xmlns:p14="http://schemas.microsoft.com/office/powerpoint/2010/main" val="2857289232"/>
       </p:ext>
     </p:extLst>
   </p:cSld>
   <p:clrMap bg1="lt1" tx1="dk1" bg2="lt2" tx2="dk2" accent1="accent1" accent2="accent2" accent3="accent3" accent4="accent4" accent5="accent5" accent6="accent6" hlink="hlink" folHlink="folHlink"/>
   <p:sldLayoutIdLst>
-    <p:sldLayoutId id="2147483697" r:id="rId1"/>
-    <p:sldLayoutId id="2147483698" r:id="rId2"/>
-    <p:sldLayoutId id="2147483699" r:id="rId3"/>
-    <p:sldLayoutId id="2147483700" r:id="rId4"/>
-    <p:sldLayoutId id="2147483701" r:id="rId5"/>
-    <p:sldLayoutId id="2147483702" r:id="rId6"/>
-    <p:sldLayoutId id="2147483703" r:id="rId7"/>
-    <p:sldLayoutId id="2147483704" r:id="rId8"/>
-    <p:sldLayoutId id="2147483705" r:id="rId9"/>
-    <p:sldLayoutId id="2147483706" r:id="rId10"/>
-    <p:sldLayoutId id="2147483707" r:id="rId11"/>
+    <p:sldLayoutId id="2147483709" r:id="rId1"/>
+    <p:sldLayoutId id="2147483710" r:id="rId2"/>
+    <p:sldLayoutId id="2147483711" r:id="rId3"/>
+    <p:sldLayoutId id="2147483712" r:id="rId4"/>
+    <p:sldLayoutId id="2147483713" r:id="rId5"/>
+    <p:sldLayoutId id="2147483714" r:id="rId6"/>
+    <p:sldLayoutId id="2147483715" r:id="rId7"/>
+    <p:sldLayoutId id="2147483716" r:id="rId8"/>
+    <p:sldLayoutId id="2147483717" r:id="rId9"/>
+    <p:sldLayoutId id="2147483718" r:id="rId10"/>
+    <p:sldLayoutId id="2147483719" r:id="rId11"/>
   </p:sldLayoutIdLst>
   <p:txStyles>
     <p:titleStyle>
-      <a:lvl1pPr algn="l" defTabSz="431963" rtl="0" eaLnBrk="1" latinLnBrk="0" hangingPunct="1">
+      <a:lvl1pPr algn="l" defTabSz="383957" rtl="0" eaLnBrk="1" latinLnBrk="0" hangingPunct="1">
         <a:lnSpc>
           <a:spcPct val="90000"/>
         </a:lnSpc>
@@ -2685,7 +2685,7 @@
           <a:spcPct val="0"/>
         </a:spcBef>
         <a:buNone/>
-        <a:defRPr sz="2079" kern="1200">
+        <a:defRPr sz="1848" kern="1200">
           <a:solidFill>
             <a:schemeClr val="tx1"/>
           </a:solidFill>
@@ -2696,16 +2696,16 @@
       </a:lvl1pPr>
     </p:titleStyle>
     <p:bodyStyle>
-      <a:lvl1pPr marL="107991" indent="-107991" algn="l" defTabSz="431963" rtl="0" eaLnBrk="1" latinLnBrk="0" hangingPunct="1">
+      <a:lvl1pPr marL="95989" indent="-95989" algn="l" defTabSz="383957" rtl="0" eaLnBrk="1" latinLnBrk="0" hangingPunct="1">
         <a:lnSpc>
           <a:spcPct val="90000"/>
         </a:lnSpc>
         <a:spcBef>
-          <a:spcPts val="472"/>
+          <a:spcPts val="420"/>
         </a:spcBef>
         <a:buFont typeface="Arial" panose="020B0604020202020204" pitchFamily="34" charset="0"/>
         <a:buChar char="•"/>
-        <a:defRPr sz="1323" kern="1200">
+        <a:defRPr sz="1176" kern="1200">
           <a:solidFill>
             <a:schemeClr val="tx1"/>
           </a:solidFill>
@@ -2714,16 +2714,16 @@
           <a:cs typeface="+mn-cs"/>
         </a:defRPr>
       </a:lvl1pPr>
-      <a:lvl2pPr marL="323972" indent="-107991" algn="l" defTabSz="431963" rtl="0" eaLnBrk="1" latinLnBrk="0" hangingPunct="1">
+      <a:lvl2pPr marL="287967" indent="-95989" algn="l" defTabSz="383957" rtl="0" eaLnBrk="1" latinLnBrk="0" hangingPunct="1">
         <a:lnSpc>
           <a:spcPct val="90000"/>
         </a:lnSpc>
         <a:spcBef>
-          <a:spcPts val="236"/>
+          <a:spcPts val="210"/>
         </a:spcBef>
         <a:buFont typeface="Arial" panose="020B0604020202020204" pitchFamily="34" charset="0"/>
         <a:buChar char="•"/>
-        <a:defRPr sz="1134" kern="1200">
+        <a:defRPr sz="1008" kern="1200">
           <a:solidFill>
             <a:schemeClr val="tx1"/>
           </a:solidFill>
@@ -2732,16 +2732,16 @@
           <a:cs typeface="+mn-cs"/>
         </a:defRPr>
       </a:lvl2pPr>
-      <a:lvl3pPr marL="539953" indent="-107991" algn="l" defTabSz="431963" rtl="0" eaLnBrk="1" latinLnBrk="0" hangingPunct="1">
+      <a:lvl3pPr marL="479946" indent="-95989" algn="l" defTabSz="383957" rtl="0" eaLnBrk="1" latinLnBrk="0" hangingPunct="1">
         <a:lnSpc>
           <a:spcPct val="90000"/>
         </a:lnSpc>
         <a:spcBef>
-          <a:spcPts val="236"/>
+          <a:spcPts val="210"/>
         </a:spcBef>
         <a:buFont typeface="Arial" panose="020B0604020202020204" pitchFamily="34" charset="0"/>
         <a:buChar char="•"/>
-        <a:defRPr sz="945" kern="1200">
+        <a:defRPr sz="840" kern="1200">
           <a:solidFill>
             <a:schemeClr val="tx1"/>
           </a:solidFill>
@@ -2750,16 +2750,16 @@
           <a:cs typeface="+mn-cs"/>
         </a:defRPr>
       </a:lvl3pPr>
-      <a:lvl4pPr marL="755934" indent="-107991" algn="l" defTabSz="431963" rtl="0" eaLnBrk="1" latinLnBrk="0" hangingPunct="1">
+      <a:lvl4pPr marL="671924" indent="-95989" algn="l" defTabSz="383957" rtl="0" eaLnBrk="1" latinLnBrk="0" hangingPunct="1">
         <a:lnSpc>
           <a:spcPct val="90000"/>
         </a:lnSpc>
         <a:spcBef>
-          <a:spcPts val="236"/>
+          <a:spcPts val="210"/>
         </a:spcBef>
         <a:buFont typeface="Arial" panose="020B0604020202020204" pitchFamily="34" charset="0"/>
         <a:buChar char="•"/>
-        <a:defRPr sz="850" kern="1200">
+        <a:defRPr sz="756" kern="1200">
           <a:solidFill>
             <a:schemeClr val="tx1"/>
           </a:solidFill>
@@ -2768,16 +2768,16 @@
           <a:cs typeface="+mn-cs"/>
         </a:defRPr>
       </a:lvl4pPr>
-      <a:lvl5pPr marL="971916" indent="-107991" algn="l" defTabSz="431963" rtl="0" eaLnBrk="1" latinLnBrk="0" hangingPunct="1">
+      <a:lvl5pPr marL="863902" indent="-95989" algn="l" defTabSz="383957" rtl="0" eaLnBrk="1" latinLnBrk="0" hangingPunct="1">
         <a:lnSpc>
           <a:spcPct val="90000"/>
         </a:lnSpc>
         <a:spcBef>
-          <a:spcPts val="236"/>
+          <a:spcPts val="210"/>
         </a:spcBef>
         <a:buFont typeface="Arial" panose="020B0604020202020204" pitchFamily="34" charset="0"/>
         <a:buChar char="•"/>
-        <a:defRPr sz="850" kern="1200">
+        <a:defRPr sz="756" kern="1200">
           <a:solidFill>
             <a:schemeClr val="tx1"/>
           </a:solidFill>
@@ -2786,16 +2786,16 @@
           <a:cs typeface="+mn-cs"/>
         </a:defRPr>
       </a:lvl5pPr>
-      <a:lvl6pPr marL="1187897" indent="-107991" algn="l" defTabSz="431963" rtl="0" eaLnBrk="1" latinLnBrk="0" hangingPunct="1">
+      <a:lvl6pPr marL="1055881" indent="-95989" algn="l" defTabSz="383957" rtl="0" eaLnBrk="1" latinLnBrk="0" hangingPunct="1">
         <a:lnSpc>
           <a:spcPct val="90000"/>
         </a:lnSpc>
         <a:spcBef>
-          <a:spcPts val="236"/>
+          <a:spcPts val="210"/>
         </a:spcBef>
         <a:buFont typeface="Arial" panose="020B0604020202020204" pitchFamily="34" charset="0"/>
         <a:buChar char="•"/>
-        <a:defRPr sz="850" kern="1200">
+        <a:defRPr sz="756" kern="1200">
           <a:solidFill>
             <a:schemeClr val="tx1"/>
           </a:solidFill>
@@ -2804,16 +2804,16 @@
           <a:cs typeface="+mn-cs"/>
         </a:defRPr>
       </a:lvl6pPr>
-      <a:lvl7pPr marL="1403878" indent="-107991" algn="l" defTabSz="431963" rtl="0" eaLnBrk="1" latinLnBrk="0" hangingPunct="1">
+      <a:lvl7pPr marL="1247859" indent="-95989" algn="l" defTabSz="383957" rtl="0" eaLnBrk="1" latinLnBrk="0" hangingPunct="1">
         <a:lnSpc>
           <a:spcPct val="90000"/>
         </a:lnSpc>
         <a:spcBef>
-          <a:spcPts val="236"/>
+          <a:spcPts val="210"/>
         </a:spcBef>
         <a:buFont typeface="Arial" panose="020B0604020202020204" pitchFamily="34" charset="0"/>
         <a:buChar char="•"/>
-        <a:defRPr sz="850" kern="1200">
+        <a:defRPr sz="756" kern="1200">
           <a:solidFill>
             <a:schemeClr val="tx1"/>
           </a:solidFill>
@@ -2822,16 +2822,16 @@
           <a:cs typeface="+mn-cs"/>
         </a:defRPr>
       </a:lvl7pPr>
-      <a:lvl8pPr marL="1619860" indent="-107991" algn="l" defTabSz="431963" rtl="0" eaLnBrk="1" latinLnBrk="0" hangingPunct="1">
+      <a:lvl8pPr marL="1439837" indent="-95989" algn="l" defTabSz="383957" rtl="0" eaLnBrk="1" latinLnBrk="0" hangingPunct="1">
         <a:lnSpc>
           <a:spcPct val="90000"/>
         </a:lnSpc>
         <a:spcBef>
-          <a:spcPts val="236"/>
+          <a:spcPts val="210"/>
         </a:spcBef>
         <a:buFont typeface="Arial" panose="020B0604020202020204" pitchFamily="34" charset="0"/>
         <a:buChar char="•"/>
-        <a:defRPr sz="850" kern="1200">
+        <a:defRPr sz="756" kern="1200">
           <a:solidFill>
             <a:schemeClr val="tx1"/>
           </a:solidFill>
@@ -2840,16 +2840,16 @@
           <a:cs typeface="+mn-cs"/>
         </a:defRPr>
       </a:lvl8pPr>
-      <a:lvl9pPr marL="1835841" indent="-107991" algn="l" defTabSz="431963" rtl="0" eaLnBrk="1" latinLnBrk="0" hangingPunct="1">
+      <a:lvl9pPr marL="1631815" indent="-95989" algn="l" defTabSz="383957" rtl="0" eaLnBrk="1" latinLnBrk="0" hangingPunct="1">
         <a:lnSpc>
           <a:spcPct val="90000"/>
         </a:lnSpc>
         <a:spcBef>
-          <a:spcPts val="236"/>
+          <a:spcPts val="210"/>
         </a:spcBef>
         <a:buFont typeface="Arial" panose="020B0604020202020204" pitchFamily="34" charset="0"/>
         <a:buChar char="•"/>
-        <a:defRPr sz="850" kern="1200">
+        <a:defRPr sz="756" kern="1200">
           <a:solidFill>
             <a:schemeClr val="tx1"/>
           </a:solidFill>
@@ -2863,8 +2863,8 @@
       <a:defPPr>
         <a:defRPr lang="en-US"/>
       </a:defPPr>
-      <a:lvl1pPr marL="0" algn="l" defTabSz="431963" rtl="0" eaLnBrk="1" latinLnBrk="0" hangingPunct="1">
-        <a:defRPr sz="850" kern="1200">
+      <a:lvl1pPr marL="0" algn="l" defTabSz="383957" rtl="0" eaLnBrk="1" latinLnBrk="0" hangingPunct="1">
+        <a:defRPr sz="756" kern="1200">
           <a:solidFill>
             <a:schemeClr val="tx1"/>
           </a:solidFill>
@@ -2873,8 +2873,8 @@
           <a:cs typeface="+mn-cs"/>
         </a:defRPr>
       </a:lvl1pPr>
-      <a:lvl2pPr marL="215981" algn="l" defTabSz="431963" rtl="0" eaLnBrk="1" latinLnBrk="0" hangingPunct="1">
-        <a:defRPr sz="850" kern="1200">
+      <a:lvl2pPr marL="191978" algn="l" defTabSz="383957" rtl="0" eaLnBrk="1" latinLnBrk="0" hangingPunct="1">
+        <a:defRPr sz="756" kern="1200">
           <a:solidFill>
             <a:schemeClr val="tx1"/>
           </a:solidFill>
@@ -2883,8 +2883,8 @@
           <a:cs typeface="+mn-cs"/>
         </a:defRPr>
       </a:lvl2pPr>
-      <a:lvl3pPr marL="431963" algn="l" defTabSz="431963" rtl="0" eaLnBrk="1" latinLnBrk="0" hangingPunct="1">
-        <a:defRPr sz="850" kern="1200">
+      <a:lvl3pPr marL="383957" algn="l" defTabSz="383957" rtl="0" eaLnBrk="1" latinLnBrk="0" hangingPunct="1">
+        <a:defRPr sz="756" kern="1200">
           <a:solidFill>
             <a:schemeClr val="tx1"/>
           </a:solidFill>
@@ -2893,8 +2893,8 @@
           <a:cs typeface="+mn-cs"/>
         </a:defRPr>
       </a:lvl3pPr>
-      <a:lvl4pPr marL="647944" algn="l" defTabSz="431963" rtl="0" eaLnBrk="1" latinLnBrk="0" hangingPunct="1">
-        <a:defRPr sz="850" kern="1200">
+      <a:lvl4pPr marL="575935" algn="l" defTabSz="383957" rtl="0" eaLnBrk="1" latinLnBrk="0" hangingPunct="1">
+        <a:defRPr sz="756" kern="1200">
           <a:solidFill>
             <a:schemeClr val="tx1"/>
           </a:solidFill>
@@ -2903,8 +2903,8 @@
           <a:cs typeface="+mn-cs"/>
         </a:defRPr>
       </a:lvl4pPr>
-      <a:lvl5pPr marL="863925" algn="l" defTabSz="431963" rtl="0" eaLnBrk="1" latinLnBrk="0" hangingPunct="1">
-        <a:defRPr sz="850" kern="1200">
+      <a:lvl5pPr marL="767913" algn="l" defTabSz="383957" rtl="0" eaLnBrk="1" latinLnBrk="0" hangingPunct="1">
+        <a:defRPr sz="756" kern="1200">
           <a:solidFill>
             <a:schemeClr val="tx1"/>
           </a:solidFill>
@@ -2913,8 +2913,8 @@
           <a:cs typeface="+mn-cs"/>
         </a:defRPr>
       </a:lvl5pPr>
-      <a:lvl6pPr marL="1079906" algn="l" defTabSz="431963" rtl="0" eaLnBrk="1" latinLnBrk="0" hangingPunct="1">
-        <a:defRPr sz="850" kern="1200">
+      <a:lvl6pPr marL="959891" algn="l" defTabSz="383957" rtl="0" eaLnBrk="1" latinLnBrk="0" hangingPunct="1">
+        <a:defRPr sz="756" kern="1200">
           <a:solidFill>
             <a:schemeClr val="tx1"/>
           </a:solidFill>
@@ -2923,8 +2923,8 @@
           <a:cs typeface="+mn-cs"/>
         </a:defRPr>
       </a:lvl6pPr>
-      <a:lvl7pPr marL="1295888" algn="l" defTabSz="431963" rtl="0" eaLnBrk="1" latinLnBrk="0" hangingPunct="1">
-        <a:defRPr sz="850" kern="1200">
+      <a:lvl7pPr marL="1151870" algn="l" defTabSz="383957" rtl="0" eaLnBrk="1" latinLnBrk="0" hangingPunct="1">
+        <a:defRPr sz="756" kern="1200">
           <a:solidFill>
             <a:schemeClr val="tx1"/>
           </a:solidFill>
@@ -2933,8 +2933,8 @@
           <a:cs typeface="+mn-cs"/>
         </a:defRPr>
       </a:lvl7pPr>
-      <a:lvl8pPr marL="1511869" algn="l" defTabSz="431963" rtl="0" eaLnBrk="1" latinLnBrk="0" hangingPunct="1">
-        <a:defRPr sz="850" kern="1200">
+      <a:lvl8pPr marL="1343848" algn="l" defTabSz="383957" rtl="0" eaLnBrk="1" latinLnBrk="0" hangingPunct="1">
+        <a:defRPr sz="756" kern="1200">
           <a:solidFill>
             <a:schemeClr val="tx1"/>
           </a:solidFill>
@@ -2943,8 +2943,8 @@
           <a:cs typeface="+mn-cs"/>
         </a:defRPr>
       </a:lvl8pPr>
-      <a:lvl9pPr marL="1727850" algn="l" defTabSz="431963" rtl="0" eaLnBrk="1" latinLnBrk="0" hangingPunct="1">
-        <a:defRPr sz="850" kern="1200">
+      <a:lvl9pPr marL="1535826" algn="l" defTabSz="383957" rtl="0" eaLnBrk="1" latinLnBrk="0" hangingPunct="1">
+        <a:defRPr sz="756" kern="1200">
           <a:solidFill>
             <a:schemeClr val="tx1"/>
           </a:solidFill>
@@ -2983,7 +2983,7 @@
         </p:nvSpPr>
         <p:spPr>
           <a:xfrm>
-            <a:off x="76205" y="839133"/>
+            <a:off x="93700" y="606366"/>
             <a:ext cx="1012509" cy="528032"/>
           </a:xfrm>
           <a:prstGeom prst="roundRect">
@@ -3036,7 +3036,7 @@
         </p:nvSpPr>
         <p:spPr>
           <a:xfrm>
-            <a:off x="1913061" y="1690207"/>
+            <a:off x="1913061" y="1457907"/>
             <a:ext cx="1413786" cy="528032"/>
           </a:xfrm>
           <a:prstGeom prst="roundRect">
@@ -3089,7 +3089,7 @@
         </p:nvSpPr>
         <p:spPr>
           <a:xfrm>
-            <a:off x="1505121" y="831002"/>
+            <a:off x="1505123" y="603486"/>
             <a:ext cx="866963" cy="528044"/>
           </a:xfrm>
           <a:prstGeom prst="roundRect">
@@ -3144,7 +3144,7 @@
         </p:nvSpPr>
         <p:spPr>
           <a:xfrm>
-            <a:off x="938982" y="1698124"/>
+            <a:off x="938983" y="1465824"/>
             <a:ext cx="812885" cy="519036"/>
           </a:xfrm>
           <a:prstGeom prst="roundRect">
@@ -3197,8 +3197,8 @@
         </p:nvSpPr>
         <p:spPr>
           <a:xfrm>
-            <a:off x="3423125" y="29047"/>
-            <a:ext cx="876232" cy="528032"/>
+            <a:off x="3231022" y="0"/>
+            <a:ext cx="1068335" cy="419014"/>
           </a:xfrm>
           <a:prstGeom prst="roundRect">
             <a:avLst/>
@@ -3237,18 +3237,7 @@
                   <a:schemeClr val="tx1"/>
                 </a:solidFill>
               </a:rPr>
-              <a:t>Cluster-wise association </a:t>
-            </a:r>
-          </a:p>
-          <a:p>
-            <a:pPr algn="ctr"/>
-            <a:r>
-              <a:rPr lang="en-US" sz="1000" dirty="0">
-                <a:solidFill>
-                  <a:schemeClr val="tx1"/>
-                </a:solidFill>
-              </a:rPr>
-              <a:t>(ILP)</a:t>
+              <a:t>Cluster-wise association (ILP)</a:t>
             </a:r>
           </a:p>
         </p:txBody>
@@ -3265,8 +3254,8 @@
         </p:nvCxnSpPr>
         <p:spPr>
           <a:xfrm flipV="1">
-            <a:off x="1751867" y="1954223"/>
-            <a:ext cx="161194" cy="3419"/>
+            <a:off x="1751868" y="1721923"/>
+            <a:ext cx="161193" cy="3419"/>
           </a:xfrm>
           <a:prstGeom prst="straightConnector1">
             <a:avLst/>
@@ -3302,8 +3291,8 @@
         </p:nvCxnSpPr>
         <p:spPr>
           <a:xfrm rot="16200000" flipH="1">
-            <a:off x="465483" y="1484142"/>
-            <a:ext cx="590477" cy="356522"/>
+            <a:off x="473997" y="1260356"/>
+            <a:ext cx="590944" cy="339028"/>
           </a:xfrm>
           <a:prstGeom prst="bentConnector2">
             <a:avLst/>
@@ -3339,7 +3328,7 @@
         </p:nvCxnSpPr>
         <p:spPr>
           <a:xfrm flipV="1">
-            <a:off x="3326847" y="1938149"/>
+            <a:off x="3326847" y="1705849"/>
             <a:ext cx="96278" cy="16074"/>
           </a:xfrm>
           <a:prstGeom prst="straightConnector1">
@@ -3372,7 +3361,7 @@
         </p:nvSpPr>
         <p:spPr>
           <a:xfrm>
-            <a:off x="3423125" y="834668"/>
+            <a:off x="3423125" y="654486"/>
             <a:ext cx="876232" cy="528032"/>
           </a:xfrm>
           <a:prstGeom prst="roundRect">
@@ -3429,9 +3418,9 @@
           <p:nvPr/>
         </p:nvCxnSpPr>
         <p:spPr>
-          <a:xfrm flipV="1">
-            <a:off x="3861241" y="557080"/>
-            <a:ext cx="0" cy="277589"/>
+          <a:xfrm flipH="1" flipV="1">
+            <a:off x="3765190" y="419014"/>
+            <a:ext cx="96051" cy="235472"/>
           </a:xfrm>
           <a:prstGeom prst="straightConnector1">
             <a:avLst/>
@@ -3463,7 +3452,7 @@
         </p:nvSpPr>
         <p:spPr>
           <a:xfrm>
-            <a:off x="3423125" y="1674133"/>
+            <a:off x="3423125" y="1441833"/>
             <a:ext cx="876232" cy="528032"/>
           </a:xfrm>
           <a:prstGeom prst="roundRect">
@@ -3520,8 +3509,8 @@
         </p:nvCxnSpPr>
         <p:spPr>
           <a:xfrm flipV="1">
-            <a:off x="3861241" y="1362701"/>
-            <a:ext cx="0" cy="311433"/>
+            <a:off x="3861241" y="1182518"/>
+            <a:ext cx="0" cy="259315"/>
           </a:xfrm>
           <a:prstGeom prst="straightConnector1">
             <a:avLst/>
@@ -3553,8 +3542,8 @@
         </p:nvSpPr>
         <p:spPr>
           <a:xfrm>
-            <a:off x="2491417" y="805517"/>
-            <a:ext cx="834790" cy="528032"/>
+            <a:off x="2458660" y="597030"/>
+            <a:ext cx="722955" cy="528032"/>
           </a:xfrm>
           <a:prstGeom prst="roundRect">
             <a:avLst/>
@@ -3611,8 +3600,8 @@
         </p:nvCxnSpPr>
         <p:spPr>
           <a:xfrm flipH="1">
-            <a:off x="2571142" y="293064"/>
-            <a:ext cx="97624" cy="1"/>
+            <a:off x="2367993" y="209507"/>
+            <a:ext cx="123424" cy="9550"/>
           </a:xfrm>
           <a:prstGeom prst="straightConnector1">
             <a:avLst/>
@@ -3644,8 +3633,8 @@
         </p:nvSpPr>
         <p:spPr>
           <a:xfrm>
-            <a:off x="2668767" y="29047"/>
-            <a:ext cx="657441" cy="528032"/>
+            <a:off x="2491417" y="0"/>
+            <a:ext cx="657441" cy="419014"/>
           </a:xfrm>
           <a:prstGeom prst="roundRect">
             <a:avLst/>
@@ -3700,14 +3689,12 @@
           <p:nvPr/>
         </p:nvCxnSpPr>
         <p:spPr>
-          <a:xfrm rot="5400000" flipH="1" flipV="1">
-            <a:off x="2828930" y="636962"/>
-            <a:ext cx="248438" cy="88675"/>
-          </a:xfrm>
-          <a:prstGeom prst="curvedConnector3">
-            <a:avLst>
-              <a:gd name="adj1" fmla="val 50000"/>
-            </a:avLst>
+          <a:xfrm flipV="1">
+            <a:off x="2820138" y="419014"/>
+            <a:ext cx="0" cy="178016"/>
+          </a:xfrm>
+          <a:prstGeom prst="straightConnector1">
+            <a:avLst/>
           </a:prstGeom>
           <a:ln>
             <a:tailEnd type="triangle"/>
@@ -3740,8 +3727,8 @@
         </p:nvCxnSpPr>
         <p:spPr>
           <a:xfrm flipH="1">
-            <a:off x="3326207" y="293063"/>
-            <a:ext cx="96918" cy="0"/>
+            <a:off x="3148858" y="209507"/>
+            <a:ext cx="82164" cy="0"/>
           </a:xfrm>
           <a:prstGeom prst="straightConnector1">
             <a:avLst/>
@@ -3773,8 +3760,8 @@
         </p:nvSpPr>
         <p:spPr>
           <a:xfrm>
-            <a:off x="1716820" y="29048"/>
-            <a:ext cx="854322" cy="528032"/>
+            <a:off x="1513671" y="9550"/>
+            <a:ext cx="854322" cy="419014"/>
           </a:xfrm>
           <a:prstGeom prst="roundRect">
             <a:avLst/>
@@ -3826,8 +3813,8 @@
         </p:nvSpPr>
         <p:spPr>
           <a:xfrm>
-            <a:off x="701905" y="29048"/>
-            <a:ext cx="917339" cy="528032"/>
+            <a:off x="261285" y="5264"/>
+            <a:ext cx="917339" cy="419014"/>
           </a:xfrm>
           <a:prstGeom prst="roundRect">
             <a:avLst/>
@@ -3882,12 +3869,15 @@
           <p:nvPr/>
         </p:nvCxnSpPr>
         <p:spPr>
-          <a:xfrm rot="10800000" flipV="1">
-            <a:off x="582461" y="293063"/>
-            <a:ext cx="119445" cy="546069"/>
-          </a:xfrm>
-          <a:prstGeom prst="bentConnector2">
-            <a:avLst/>
+          <a:xfrm rot="10800000" flipH="1" flipV="1">
+            <a:off x="261285" y="214770"/>
+            <a:ext cx="338670" cy="391595"/>
+          </a:xfrm>
+          <a:prstGeom prst="bentConnector4">
+            <a:avLst>
+              <a:gd name="adj1" fmla="val -43717"/>
+              <a:gd name="adj2" fmla="val 76750"/>
+            </a:avLst>
           </a:prstGeom>
           <a:ln>
             <a:tailEnd type="triangle"/>
@@ -3920,8 +3910,8 @@
         </p:nvCxnSpPr>
         <p:spPr>
           <a:xfrm rot="16200000" flipV="1">
-            <a:off x="2113699" y="1183951"/>
-            <a:ext cx="331161" cy="681351"/>
+            <a:off x="2116092" y="954044"/>
+            <a:ext cx="326377" cy="681349"/>
           </a:xfrm>
           <a:prstGeom prst="bentConnector3">
             <a:avLst>
@@ -3959,12 +3949,12 @@
         </p:nvCxnSpPr>
         <p:spPr>
           <a:xfrm rot="16200000" flipV="1">
-            <a:off x="1412627" y="305027"/>
-            <a:ext cx="273922" cy="778028"/>
+            <a:off x="1239676" y="-95443"/>
+            <a:ext cx="179208" cy="1218650"/>
           </a:xfrm>
           <a:prstGeom prst="bentConnector3">
             <a:avLst>
-              <a:gd name="adj1" fmla="val 50000"/>
+              <a:gd name="adj1" fmla="val 36781"/>
             </a:avLst>
           </a:prstGeom>
           <a:ln>
@@ -3994,7 +3984,7 @@
         </p:nvSpPr>
         <p:spPr>
           <a:xfrm>
-            <a:off x="1475903" y="1319975"/>
+            <a:off x="1475903" y="1139793"/>
             <a:ext cx="815808" cy="338554"/>
           </a:xfrm>
           <a:prstGeom prst="rect">
@@ -4038,8 +4028,8 @@
         </p:nvCxnSpPr>
         <p:spPr>
           <a:xfrm rot="5400000" flipH="1" flipV="1">
-            <a:off x="2586054" y="1367449"/>
-            <a:ext cx="356658" cy="288858"/>
+            <a:off x="2553624" y="1191393"/>
+            <a:ext cx="332845" cy="200184"/>
           </a:xfrm>
           <a:prstGeom prst="curvedConnector3">
             <a:avLst>
@@ -4073,7 +4063,7 @@
         </p:nvSpPr>
         <p:spPr>
           <a:xfrm>
-            <a:off x="2382858" y="1272149"/>
+            <a:off x="2382858" y="1091967"/>
             <a:ext cx="650788" cy="215444"/>
           </a:xfrm>
           <a:prstGeom prst="rect">
@@ -4106,9 +4096,9 @@
           <p:nvPr/>
         </p:nvCxnSpPr>
         <p:spPr>
-          <a:xfrm flipH="1">
-            <a:off x="1619244" y="293064"/>
-            <a:ext cx="97577" cy="0"/>
+          <a:xfrm flipH="1" flipV="1">
+            <a:off x="1178624" y="214771"/>
+            <a:ext cx="335047" cy="4286"/>
           </a:xfrm>
           <a:prstGeom prst="straightConnector1">
             <a:avLst/>
@@ -4140,7 +4130,7 @@
         </p:nvSpPr>
         <p:spPr>
           <a:xfrm>
-            <a:off x="1155721" y="507473"/>
+            <a:off x="810104" y="376784"/>
             <a:ext cx="983472" cy="215444"/>
           </a:xfrm>
           <a:prstGeom prst="rect">
@@ -4170,7 +4160,7 @@
         </p:nvSpPr>
         <p:spPr>
           <a:xfrm>
-            <a:off x="1495025" y="2575468"/>
+            <a:off x="1495026" y="2243676"/>
             <a:ext cx="872967" cy="528032"/>
           </a:xfrm>
           <a:prstGeom prst="roundRect">
@@ -4223,7 +4213,7 @@
         </p:nvSpPr>
         <p:spPr>
           <a:xfrm>
-            <a:off x="526576" y="2579966"/>
+            <a:off x="532539" y="2243676"/>
             <a:ext cx="812886" cy="519036"/>
           </a:xfrm>
           <a:prstGeom prst="roundRect">
@@ -4296,12 +4286,12 @@
         </p:nvCxnSpPr>
         <p:spPr>
           <a:xfrm rot="10800000" flipH="1" flipV="1">
-            <a:off x="76204" y="1103148"/>
-            <a:ext cx="450371" cy="1736335"/>
+            <a:off x="93699" y="870382"/>
+            <a:ext cx="438839" cy="1632812"/>
           </a:xfrm>
           <a:prstGeom prst="bentConnector3">
             <a:avLst>
-              <a:gd name="adj1" fmla="val -7402"/>
+              <a:gd name="adj1" fmla="val -13225"/>
             </a:avLst>
           </a:prstGeom>
           <a:ln>
@@ -4331,7 +4321,7 @@
         </p:nvSpPr>
         <p:spPr>
           <a:xfrm>
-            <a:off x="510089" y="1954223"/>
+            <a:off x="520297" y="1677803"/>
             <a:ext cx="445380" cy="215444"/>
           </a:xfrm>
           <a:prstGeom prst="rect">
@@ -4368,8 +4358,8 @@
         </p:nvCxnSpPr>
         <p:spPr>
           <a:xfrm>
-            <a:off x="1339462" y="2839484"/>
-            <a:ext cx="155563" cy="0"/>
+            <a:off x="1345425" y="2503194"/>
+            <a:ext cx="149601" cy="4498"/>
           </a:xfrm>
           <a:prstGeom prst="straightConnector1">
             <a:avLst/>
@@ -4405,13 +4395,13 @@
         </p:nvCxnSpPr>
         <p:spPr>
           <a:xfrm flipH="1" flipV="1">
-            <a:off x="1345425" y="2217160"/>
-            <a:ext cx="1022567" cy="622324"/>
+            <a:off x="1345426" y="1984860"/>
+            <a:ext cx="1022567" cy="522832"/>
           </a:xfrm>
           <a:prstGeom prst="bentConnector4">
             <a:avLst>
-              <a:gd name="adj1" fmla="val -22356"/>
-              <a:gd name="adj2" fmla="val 71212"/>
+              <a:gd name="adj1" fmla="val -12163"/>
+              <a:gd name="adj2" fmla="val 75249"/>
             </a:avLst>
           </a:prstGeom>
           <a:ln>
@@ -4441,7 +4431,7 @@
         </p:nvSpPr>
         <p:spPr>
           <a:xfrm>
-            <a:off x="187169" y="2823354"/>
+            <a:off x="118333" y="2525231"/>
             <a:ext cx="339406" cy="215444"/>
           </a:xfrm>
           <a:prstGeom prst="rect">

--- a/Figures/algorithm_flowchart.pptx
+++ b/Figures/algorithm_flowchart.pptx
@@ -247,7 +247,7 @@
           <a:p>
             <a:fld id="{28498E41-FF62-4D38-9266-32847B9BE567}" type="datetimeFigureOut">
               <a:rPr lang="nb-NO" smtClean="0"/>
-              <a:t>20.05.2017</a:t>
+              <a:t>22.05.2017</a:t>
             </a:fld>
             <a:endParaRPr lang="nb-NO" dirty="0"/>
           </a:p>
@@ -417,7 +417,7 @@
           <a:p>
             <a:fld id="{28498E41-FF62-4D38-9266-32847B9BE567}" type="datetimeFigureOut">
               <a:rPr lang="nb-NO" smtClean="0"/>
-              <a:t>20.05.2017</a:t>
+              <a:t>22.05.2017</a:t>
             </a:fld>
             <a:endParaRPr lang="nb-NO" dirty="0"/>
           </a:p>
@@ -597,7 +597,7 @@
           <a:p>
             <a:fld id="{28498E41-FF62-4D38-9266-32847B9BE567}" type="datetimeFigureOut">
               <a:rPr lang="nb-NO" smtClean="0"/>
-              <a:t>20.05.2017</a:t>
+              <a:t>22.05.2017</a:t>
             </a:fld>
             <a:endParaRPr lang="nb-NO" dirty="0"/>
           </a:p>
@@ -767,7 +767,7 @@
           <a:p>
             <a:fld id="{28498E41-FF62-4D38-9266-32847B9BE567}" type="datetimeFigureOut">
               <a:rPr lang="nb-NO" smtClean="0"/>
-              <a:t>20.05.2017</a:t>
+              <a:t>22.05.2017</a:t>
             </a:fld>
             <a:endParaRPr lang="nb-NO" dirty="0"/>
           </a:p>
@@ -1011,7 +1011,7 @@
           <a:p>
             <a:fld id="{28498E41-FF62-4D38-9266-32847B9BE567}" type="datetimeFigureOut">
               <a:rPr lang="nb-NO" smtClean="0"/>
-              <a:t>20.05.2017</a:t>
+              <a:t>22.05.2017</a:t>
             </a:fld>
             <a:endParaRPr lang="nb-NO" dirty="0"/>
           </a:p>
@@ -1243,7 +1243,7 @@
           <a:p>
             <a:fld id="{28498E41-FF62-4D38-9266-32847B9BE567}" type="datetimeFigureOut">
               <a:rPr lang="nb-NO" smtClean="0"/>
-              <a:t>20.05.2017</a:t>
+              <a:t>22.05.2017</a:t>
             </a:fld>
             <a:endParaRPr lang="nb-NO" dirty="0"/>
           </a:p>
@@ -1610,7 +1610,7 @@
           <a:p>
             <a:fld id="{28498E41-FF62-4D38-9266-32847B9BE567}" type="datetimeFigureOut">
               <a:rPr lang="nb-NO" smtClean="0"/>
-              <a:t>20.05.2017</a:t>
+              <a:t>22.05.2017</a:t>
             </a:fld>
             <a:endParaRPr lang="nb-NO" dirty="0"/>
           </a:p>
@@ -1728,7 +1728,7 @@
           <a:p>
             <a:fld id="{28498E41-FF62-4D38-9266-32847B9BE567}" type="datetimeFigureOut">
               <a:rPr lang="nb-NO" smtClean="0"/>
-              <a:t>20.05.2017</a:t>
+              <a:t>22.05.2017</a:t>
             </a:fld>
             <a:endParaRPr lang="nb-NO" dirty="0"/>
           </a:p>
@@ -1823,7 +1823,7 @@
           <a:p>
             <a:fld id="{28498E41-FF62-4D38-9266-32847B9BE567}" type="datetimeFigureOut">
               <a:rPr lang="nb-NO" smtClean="0"/>
-              <a:t>20.05.2017</a:t>
+              <a:t>22.05.2017</a:t>
             </a:fld>
             <a:endParaRPr lang="nb-NO" dirty="0"/>
           </a:p>
@@ -2100,7 +2100,7 @@
           <a:p>
             <a:fld id="{28498E41-FF62-4D38-9266-32847B9BE567}" type="datetimeFigureOut">
               <a:rPr lang="nb-NO" smtClean="0"/>
-              <a:t>20.05.2017</a:t>
+              <a:t>22.05.2017</a:t>
             </a:fld>
             <a:endParaRPr lang="nb-NO" dirty="0"/>
           </a:p>
@@ -2357,7 +2357,7 @@
           <a:p>
             <a:fld id="{28498E41-FF62-4D38-9266-32847B9BE567}" type="datetimeFigureOut">
               <a:rPr lang="nb-NO" smtClean="0"/>
-              <a:t>20.05.2017</a:t>
+              <a:t>22.05.2017</a:t>
             </a:fld>
             <a:endParaRPr lang="nb-NO" dirty="0"/>
           </a:p>
@@ -2570,7 +2570,7 @@
           <a:p>
             <a:fld id="{28498E41-FF62-4D38-9266-32847B9BE567}" type="datetimeFigureOut">
               <a:rPr lang="nb-NO" smtClean="0"/>
-              <a:t>20.05.2017</a:t>
+              <a:t>22.05.2017</a:t>
             </a:fld>
             <a:endParaRPr lang="nb-NO" dirty="0"/>
           </a:p>
@@ -3036,7 +3036,7 @@
         </p:nvSpPr>
         <p:spPr>
           <a:xfrm>
-            <a:off x="1913061" y="1457907"/>
+            <a:off x="1856205" y="1457907"/>
             <a:ext cx="1413786" cy="528032"/>
           </a:xfrm>
           <a:prstGeom prst="roundRect">
@@ -3255,7 +3255,7 @@
         <p:spPr>
           <a:xfrm flipV="1">
             <a:off x="1751868" y="1721923"/>
-            <a:ext cx="161193" cy="3419"/>
+            <a:ext cx="104337" cy="3419"/>
           </a:xfrm>
           <a:prstGeom prst="straightConnector1">
             <a:avLst/>
@@ -3328,8 +3328,8 @@
         </p:nvCxnSpPr>
         <p:spPr>
           <a:xfrm flipV="1">
-            <a:off x="3326847" y="1705849"/>
-            <a:ext cx="96278" cy="16074"/>
+            <a:off x="3269991" y="1720844"/>
+            <a:ext cx="96278" cy="1079"/>
           </a:xfrm>
           <a:prstGeom prst="straightConnector1">
             <a:avLst/>
@@ -3361,7 +3361,7 @@
         </p:nvSpPr>
         <p:spPr>
           <a:xfrm>
-            <a:off x="3423125" y="654486"/>
+            <a:off x="3371007" y="671657"/>
             <a:ext cx="876232" cy="528032"/>
           </a:xfrm>
           <a:prstGeom prst="roundRect">
@@ -3420,7 +3420,7 @@
         <p:spPr>
           <a:xfrm flipH="1" flipV="1">
             <a:off x="3765190" y="419014"/>
-            <a:ext cx="96051" cy="235472"/>
+            <a:ext cx="43933" cy="252643"/>
           </a:xfrm>
           <a:prstGeom prst="straightConnector1">
             <a:avLst/>
@@ -3452,7 +3452,7 @@
         </p:nvSpPr>
         <p:spPr>
           <a:xfrm>
-            <a:off x="3423125" y="1441833"/>
+            <a:off x="3366269" y="1456828"/>
             <a:ext cx="876232" cy="528032"/>
           </a:xfrm>
           <a:prstGeom prst="roundRect">
@@ -3509,8 +3509,8 @@
         </p:nvCxnSpPr>
         <p:spPr>
           <a:xfrm flipV="1">
-            <a:off x="3861241" y="1182518"/>
-            <a:ext cx="0" cy="259315"/>
+            <a:off x="3804385" y="1199689"/>
+            <a:ext cx="4738" cy="257139"/>
           </a:xfrm>
           <a:prstGeom prst="straightConnector1">
             <a:avLst/>
@@ -3910,8 +3910,8 @@
         </p:nvCxnSpPr>
         <p:spPr>
           <a:xfrm rot="16200000" flipV="1">
-            <a:off x="2116092" y="954044"/>
-            <a:ext cx="326377" cy="681349"/>
+            <a:off x="2087664" y="982472"/>
+            <a:ext cx="326377" cy="624493"/>
           </a:xfrm>
           <a:prstGeom prst="bentConnector3">
             <a:avLst>
@@ -4028,8 +4028,8 @@
         </p:nvCxnSpPr>
         <p:spPr>
           <a:xfrm rot="5400000" flipH="1" flipV="1">
-            <a:off x="2553624" y="1191393"/>
-            <a:ext cx="332845" cy="200184"/>
+            <a:off x="2525196" y="1162965"/>
+            <a:ext cx="332845" cy="257040"/>
           </a:xfrm>
           <a:prstGeom prst="curvedConnector3">
             <a:avLst>
@@ -4456,6 +4456,189 @@
           </a:p>
         </p:txBody>
       </p:sp>
+      <p:cxnSp>
+        <p:nvCxnSpPr>
+          <p:cNvPr id="41" name="Curved Connector 28"/>
+          <p:cNvCxnSpPr>
+            <a:cxnSpLocks/>
+            <a:stCxn id="12" idx="3"/>
+            <a:endCxn id="44" idx="3"/>
+          </p:cNvCxnSpPr>
+          <p:nvPr/>
+        </p:nvCxnSpPr>
+        <p:spPr>
+          <a:xfrm flipH="1">
+            <a:off x="3945671" y="209507"/>
+            <a:ext cx="353686" cy="2054659"/>
+          </a:xfrm>
+          <a:prstGeom prst="bentConnector3">
+            <a:avLst>
+              <a:gd name="adj1" fmla="val -4354"/>
+            </a:avLst>
+          </a:prstGeom>
+          <a:ln>
+            <a:tailEnd type="triangle"/>
+          </a:ln>
+        </p:spPr>
+        <p:style>
+          <a:lnRef idx="1">
+            <a:schemeClr val="dk1"/>
+          </a:lnRef>
+          <a:fillRef idx="0">
+            <a:schemeClr val="dk1"/>
+          </a:fillRef>
+          <a:effectRef idx="0">
+            <a:schemeClr val="dk1"/>
+          </a:effectRef>
+          <a:fontRef idx="minor">
+            <a:schemeClr val="tx1"/>
+          </a:fontRef>
+        </p:style>
+      </p:cxnSp>
+      <p:sp>
+        <p:nvSpPr>
+          <p:cNvPr id="44" name="Rounded Rectangle 20"/>
+          <p:cNvSpPr/>
+          <p:nvPr/>
+        </p:nvSpPr>
+        <p:spPr>
+          <a:xfrm>
+            <a:off x="3180880" y="2145918"/>
+            <a:ext cx="764791" cy="236496"/>
+          </a:xfrm>
+          <a:prstGeom prst="roundRect">
+            <a:avLst/>
+          </a:prstGeom>
+          <a:noFill/>
+          <a:ln w="12700">
+            <a:solidFill>
+              <a:schemeClr val="tx1"/>
+            </a:solidFill>
+            <a:prstDash val="dash"/>
+          </a:ln>
+        </p:spPr>
+        <p:style>
+          <a:lnRef idx="2">
+            <a:schemeClr val="dk1">
+              <a:shade val="50000"/>
+            </a:schemeClr>
+          </a:lnRef>
+          <a:fillRef idx="1">
+            <a:schemeClr val="dk1"/>
+          </a:fillRef>
+          <a:effectRef idx="0">
+            <a:schemeClr val="dk1"/>
+          </a:effectRef>
+          <a:fontRef idx="minor">
+            <a:schemeClr val="lt1"/>
+          </a:fontRef>
+        </p:style>
+        <p:txBody>
+          <a:bodyPr rtlCol="0" anchor="ctr"/>
+          <a:lstStyle/>
+          <a:p>
+            <a:pPr algn="ctr"/>
+            <a:r>
+              <a:rPr lang="en-US" sz="1000" dirty="0">
+                <a:solidFill>
+                  <a:schemeClr val="tx1"/>
+                </a:solidFill>
+              </a:rPr>
+              <a:t>Smoothing</a:t>
+            </a:r>
+          </a:p>
+        </p:txBody>
+      </p:sp>
+      <p:sp>
+        <p:nvSpPr>
+          <p:cNvPr id="45" name="Rounded Rectangle 22"/>
+          <p:cNvSpPr/>
+          <p:nvPr/>
+        </p:nvSpPr>
+        <p:spPr>
+          <a:xfrm>
+            <a:off x="3180879" y="2495607"/>
+            <a:ext cx="764791" cy="226088"/>
+          </a:xfrm>
+          <a:prstGeom prst="roundRect">
+            <a:avLst/>
+          </a:prstGeom>
+          <a:noFill/>
+          <a:ln w="12700">
+            <a:solidFill>
+              <a:schemeClr val="tx1"/>
+            </a:solidFill>
+          </a:ln>
+        </p:spPr>
+        <p:style>
+          <a:lnRef idx="2">
+            <a:schemeClr val="dk1">
+              <a:shade val="50000"/>
+            </a:schemeClr>
+          </a:lnRef>
+          <a:fillRef idx="1">
+            <a:schemeClr val="dk1"/>
+          </a:fillRef>
+          <a:effectRef idx="0">
+            <a:schemeClr val="dk1"/>
+          </a:effectRef>
+          <a:fontRef idx="minor">
+            <a:schemeClr val="lt1"/>
+          </a:fontRef>
+        </p:style>
+        <p:txBody>
+          <a:bodyPr rtlCol="0" anchor="ctr"/>
+          <a:lstStyle/>
+          <a:p>
+            <a:pPr algn="ctr"/>
+            <a:r>
+              <a:rPr lang="en-US" sz="1000" dirty="0">
+                <a:solidFill>
+                  <a:schemeClr val="tx1"/>
+                </a:solidFill>
+              </a:rPr>
+              <a:t>User</a:t>
+            </a:r>
+          </a:p>
+        </p:txBody>
+      </p:sp>
+      <p:cxnSp>
+        <p:nvCxnSpPr>
+          <p:cNvPr id="46" name="Curved Connector 28"/>
+          <p:cNvCxnSpPr>
+            <a:cxnSpLocks/>
+            <a:stCxn id="44" idx="2"/>
+            <a:endCxn id="45" idx="0"/>
+          </p:cNvCxnSpPr>
+          <p:nvPr/>
+        </p:nvCxnSpPr>
+        <p:spPr>
+          <a:xfrm flipH="1">
+            <a:off x="3563275" y="2382414"/>
+            <a:ext cx="1" cy="113193"/>
+          </a:xfrm>
+          <a:prstGeom prst="straightConnector1">
+            <a:avLst/>
+          </a:prstGeom>
+          <a:ln>
+            <a:tailEnd type="triangle"/>
+          </a:ln>
+        </p:spPr>
+        <p:style>
+          <a:lnRef idx="1">
+            <a:schemeClr val="dk1"/>
+          </a:lnRef>
+          <a:fillRef idx="0">
+            <a:schemeClr val="dk1"/>
+          </a:fillRef>
+          <a:effectRef idx="0">
+            <a:schemeClr val="dk1"/>
+          </a:effectRef>
+          <a:fontRef idx="minor">
+            <a:schemeClr val="tx1"/>
+          </a:fontRef>
+        </p:style>
+      </p:cxnSp>
     </p:spTree>
     <p:extLst>
       <p:ext uri="{BB962C8B-B14F-4D97-AF65-F5344CB8AC3E}">

--- a/Figures/algorithm_flowchart.pptx
+++ b/Figures/algorithm_flowchart.pptx
@@ -247,7 +247,7 @@
           <a:p>
             <a:fld id="{28498E41-FF62-4D38-9266-32847B9BE567}" type="datetimeFigureOut">
               <a:rPr lang="nb-NO" smtClean="0"/>
-              <a:t>22.05.2017</a:t>
+              <a:t>31.05.2017</a:t>
             </a:fld>
             <a:endParaRPr lang="nb-NO" dirty="0"/>
           </a:p>
@@ -417,7 +417,7 @@
           <a:p>
             <a:fld id="{28498E41-FF62-4D38-9266-32847B9BE567}" type="datetimeFigureOut">
               <a:rPr lang="nb-NO" smtClean="0"/>
-              <a:t>22.05.2017</a:t>
+              <a:t>31.05.2017</a:t>
             </a:fld>
             <a:endParaRPr lang="nb-NO" dirty="0"/>
           </a:p>
@@ -597,7 +597,7 @@
           <a:p>
             <a:fld id="{28498E41-FF62-4D38-9266-32847B9BE567}" type="datetimeFigureOut">
               <a:rPr lang="nb-NO" smtClean="0"/>
-              <a:t>22.05.2017</a:t>
+              <a:t>31.05.2017</a:t>
             </a:fld>
             <a:endParaRPr lang="nb-NO" dirty="0"/>
           </a:p>
@@ -767,7 +767,7 @@
           <a:p>
             <a:fld id="{28498E41-FF62-4D38-9266-32847B9BE567}" type="datetimeFigureOut">
               <a:rPr lang="nb-NO" smtClean="0"/>
-              <a:t>22.05.2017</a:t>
+              <a:t>31.05.2017</a:t>
             </a:fld>
             <a:endParaRPr lang="nb-NO" dirty="0"/>
           </a:p>
@@ -1011,7 +1011,7 @@
           <a:p>
             <a:fld id="{28498E41-FF62-4D38-9266-32847B9BE567}" type="datetimeFigureOut">
               <a:rPr lang="nb-NO" smtClean="0"/>
-              <a:t>22.05.2017</a:t>
+              <a:t>31.05.2017</a:t>
             </a:fld>
             <a:endParaRPr lang="nb-NO" dirty="0"/>
           </a:p>
@@ -1243,7 +1243,7 @@
           <a:p>
             <a:fld id="{28498E41-FF62-4D38-9266-32847B9BE567}" type="datetimeFigureOut">
               <a:rPr lang="nb-NO" smtClean="0"/>
-              <a:t>22.05.2017</a:t>
+              <a:t>31.05.2017</a:t>
             </a:fld>
             <a:endParaRPr lang="nb-NO" dirty="0"/>
           </a:p>
@@ -1610,7 +1610,7 @@
           <a:p>
             <a:fld id="{28498E41-FF62-4D38-9266-32847B9BE567}" type="datetimeFigureOut">
               <a:rPr lang="nb-NO" smtClean="0"/>
-              <a:t>22.05.2017</a:t>
+              <a:t>31.05.2017</a:t>
             </a:fld>
             <a:endParaRPr lang="nb-NO" dirty="0"/>
           </a:p>
@@ -1728,7 +1728,7 @@
           <a:p>
             <a:fld id="{28498E41-FF62-4D38-9266-32847B9BE567}" type="datetimeFigureOut">
               <a:rPr lang="nb-NO" smtClean="0"/>
-              <a:t>22.05.2017</a:t>
+              <a:t>31.05.2017</a:t>
             </a:fld>
             <a:endParaRPr lang="nb-NO" dirty="0"/>
           </a:p>
@@ -1823,7 +1823,7 @@
           <a:p>
             <a:fld id="{28498E41-FF62-4D38-9266-32847B9BE567}" type="datetimeFigureOut">
               <a:rPr lang="nb-NO" smtClean="0"/>
-              <a:t>22.05.2017</a:t>
+              <a:t>31.05.2017</a:t>
             </a:fld>
             <a:endParaRPr lang="nb-NO" dirty="0"/>
           </a:p>
@@ -2100,7 +2100,7 @@
           <a:p>
             <a:fld id="{28498E41-FF62-4D38-9266-32847B9BE567}" type="datetimeFigureOut">
               <a:rPr lang="nb-NO" smtClean="0"/>
-              <a:t>22.05.2017</a:t>
+              <a:t>31.05.2017</a:t>
             </a:fld>
             <a:endParaRPr lang="nb-NO" dirty="0"/>
           </a:p>
@@ -2357,7 +2357,7 @@
           <a:p>
             <a:fld id="{28498E41-FF62-4D38-9266-32847B9BE567}" type="datetimeFigureOut">
               <a:rPr lang="nb-NO" smtClean="0"/>
-              <a:t>22.05.2017</a:t>
+              <a:t>31.05.2017</a:t>
             </a:fld>
             <a:endParaRPr lang="nb-NO" dirty="0"/>
           </a:p>
@@ -2570,7 +2570,7 @@
           <a:p>
             <a:fld id="{28498E41-FF62-4D38-9266-32847B9BE567}" type="datetimeFigureOut">
               <a:rPr lang="nb-NO" smtClean="0"/>
-              <a:t>22.05.2017</a:t>
+              <a:t>31.05.2017</a:t>
             </a:fld>
             <a:endParaRPr lang="nb-NO" dirty="0"/>
           </a:p>
@@ -3329,7 +3329,7 @@
         <p:spPr>
           <a:xfrm flipV="1">
             <a:off x="3269991" y="1720844"/>
-            <a:ext cx="96278" cy="1079"/>
+            <a:ext cx="124938" cy="1079"/>
           </a:xfrm>
           <a:prstGeom prst="straightConnector1">
             <a:avLst/>
@@ -3361,7 +3361,7 @@
         </p:nvSpPr>
         <p:spPr>
           <a:xfrm>
-            <a:off x="3371007" y="671657"/>
+            <a:off x="3322901" y="597030"/>
             <a:ext cx="876232" cy="528032"/>
           </a:xfrm>
           <a:prstGeom prst="roundRect">
@@ -3418,9 +3418,9 @@
           <p:nvPr/>
         </p:nvCxnSpPr>
         <p:spPr>
-          <a:xfrm flipH="1" flipV="1">
-            <a:off x="3765190" y="419014"/>
-            <a:ext cx="43933" cy="252643"/>
+          <a:xfrm flipV="1">
+            <a:off x="3761017" y="419014"/>
+            <a:ext cx="4173" cy="178016"/>
           </a:xfrm>
           <a:prstGeom prst="straightConnector1">
             <a:avLst/>
@@ -3452,8 +3452,8 @@
         </p:nvSpPr>
         <p:spPr>
           <a:xfrm>
-            <a:off x="3366269" y="1456828"/>
-            <a:ext cx="876232" cy="528032"/>
+            <a:off x="3394929" y="1456828"/>
+            <a:ext cx="736119" cy="528032"/>
           </a:xfrm>
           <a:prstGeom prst="roundRect">
             <a:avLst/>
@@ -3508,9 +3508,9 @@
           <p:nvPr/>
         </p:nvCxnSpPr>
         <p:spPr>
-          <a:xfrm flipV="1">
-            <a:off x="3804385" y="1199689"/>
-            <a:ext cx="4738" cy="257139"/>
+          <a:xfrm flipH="1" flipV="1">
+            <a:off x="3761017" y="1125062"/>
+            <a:ext cx="1972" cy="331766"/>
           </a:xfrm>
           <a:prstGeom prst="straightConnector1">
             <a:avLst/>
@@ -4063,8 +4063,8 @@
         </p:nvSpPr>
         <p:spPr>
           <a:xfrm>
-            <a:off x="2382858" y="1091967"/>
-            <a:ext cx="650788" cy="215444"/>
+            <a:off x="2326002" y="1063539"/>
+            <a:ext cx="540096" cy="215444"/>
           </a:xfrm>
           <a:prstGeom prst="rect">
             <a:avLst/>
@@ -4130,7 +4130,7 @@
         </p:nvSpPr>
         <p:spPr>
           <a:xfrm>
-            <a:off x="810104" y="376784"/>
+            <a:off x="810104" y="367308"/>
             <a:ext cx="983472" cy="215444"/>
           </a:xfrm>
           <a:prstGeom prst="rect">
